--- a/src/test/resources/template.pptx
+++ b/src/test/resources/template.pptx
@@ -6,6 +6,7 @@
   </p:sldMasterIdLst>
   <p:sldIdLst>
     <p:sldId id="256" r:id="rId2"/>
+    <p:sldId id="257" r:id="rId3"/>
   </p:sldIdLst>
   <p:sldSz cx="12192000" cy="6858000"/>
   <p:notesSz cx="6858000" cy="9144000"/>
@@ -112,6 +113,493 @@
 </p:presentation>
 </file>
 
+<file path=ppt/charts/chart1.xml><?xml version="1.0" encoding="utf-8"?>
+<c:chartSpace xmlns:c="http://schemas.openxmlformats.org/drawingml/2006/chart" xmlns:a="http://schemas.openxmlformats.org/drawingml/2006/main" xmlns:r="http://schemas.openxmlformats.org/officeDocument/2006/relationships">
+  <c:date1904 val="0"/>
+  <c:lang val="zh-CN"/>
+  <c:roundedCorners val="0"/>
+  <mc:AlternateContent xmlns:mc="http://schemas.openxmlformats.org/markup-compatibility/2006">
+    <mc:Choice xmlns:c14="http://schemas.microsoft.com/office/drawing/2007/8/2/chart" Requires="c14">
+      <c14:style val="102"/>
+    </mc:Choice>
+    <mc:Fallback>
+      <c:style val="2"/>
+    </mc:Fallback>
+  </mc:AlternateContent>
+  <c:chart>
+    <c:autoTitleDeleted val="1"/>
+    <c:plotArea>
+      <c:layout>
+        <c:manualLayout>
+          <c:layoutTarget val="inner"/>
+          <c:xMode val="edge"/>
+          <c:yMode val="edge"/>
+          <c:x val="3.9877891248060758E-2"/>
+          <c:y val="0"/>
+          <c:w val="0.85998872749879618"/>
+          <c:h val="1"/>
+        </c:manualLayout>
+      </c:layout>
+      <c:barChart>
+        <c:barDir val="bar"/>
+        <c:grouping val="clustered"/>
+        <c:varyColors val="0"/>
+        <c:ser>
+          <c:idx val="0"/>
+          <c:order val="0"/>
+          <c:tx>
+            <c:strRef>
+              <c:f>Sheet1!$B$1</c:f>
+              <c:strCache>
+                <c:ptCount val="1"/>
+                <c:pt idx="0">
+                  <c:v>系列 1</c:v>
+                </c:pt>
+              </c:strCache>
+            </c:strRef>
+          </c:tx>
+          <c:spPr>
+            <a:noFill/>
+          </c:spPr>
+          <c:invertIfNegative val="0"/>
+          <c:dPt>
+            <c:idx val="0"/>
+            <c:invertIfNegative val="0"/>
+            <c:bubble3D val="0"/>
+            <c:spPr>
+              <a:solidFill>
+                <a:srgbClr val="C00000"/>
+              </a:solidFill>
+            </c:spPr>
+          </c:dPt>
+          <c:dLbls>
+            <c:spPr>
+              <a:noFill/>
+              <a:ln>
+                <a:noFill/>
+              </a:ln>
+              <a:effectLst/>
+            </c:spPr>
+            <c:txPr>
+              <a:bodyPr/>
+              <a:lstStyle/>
+              <a:p>
+                <a:pPr algn="ctr">
+                  <a:defRPr lang="zh-CN" altLang="en-US" sz="800" b="0" i="0" u="none" strike="noStrike" kern="1200" baseline="0">
+                    <a:solidFill>
+                      <a:prstClr val="white"/>
+                    </a:solidFill>
+                    <a:latin typeface="微软雅黑" panose="020B0503020204020204" pitchFamily="34" charset="-122"/>
+                    <a:ea typeface="微软雅黑" panose="020B0503020204020204" pitchFamily="34" charset="-122"/>
+                    <a:cs typeface="+mn-cs"/>
+                  </a:defRPr>
+                </a:pPr>
+                <a:endParaRPr lang="zh-CN"/>
+              </a:p>
+            </c:txPr>
+            <c:dLblPos val="inEnd"/>
+            <c:showLegendKey val="0"/>
+            <c:showVal val="1"/>
+            <c:showCatName val="0"/>
+            <c:showSerName val="0"/>
+            <c:showPercent val="0"/>
+            <c:showBubbleSize val="0"/>
+            <c:showLeaderLines val="0"/>
+            <c:extLst>
+              <c:ext xmlns:c15="http://schemas.microsoft.com/office/drawing/2012/chart" uri="{CE6537A1-D6FC-4f65-9D91-7224C49458BB}">
+                <c15:layout/>
+                <c15:showLeaderLines val="0"/>
+              </c:ext>
+            </c:extLst>
+          </c:dLbls>
+          <c:cat>
+            <c:strRef>
+              <c:f>Sheet1!$A$2</c:f>
+              <c:strCache>
+                <c:ptCount val="1"/>
+                <c:pt idx="0">
+                  <c:v>类别 1</c:v>
+                </c:pt>
+              </c:strCache>
+            </c:strRef>
+          </c:cat>
+          <c:val>
+            <c:numRef>
+              <c:f>Sheet1!$B$2</c:f>
+              <c:numCache>
+                <c:formatCode>General</c:formatCode>
+                <c:ptCount val="1"/>
+                <c:pt idx="0">
+                  <c:v>4.3</c:v>
+                </c:pt>
+              </c:numCache>
+            </c:numRef>
+          </c:val>
+        </c:ser>
+        <c:ser>
+          <c:idx val="1"/>
+          <c:order val="1"/>
+          <c:tx>
+            <c:strRef>
+              <c:f>Sheet1!$C$1</c:f>
+              <c:strCache>
+                <c:ptCount val="1"/>
+                <c:pt idx="0">
+                  <c:v>系列 2</c:v>
+                </c:pt>
+              </c:strCache>
+            </c:strRef>
+          </c:tx>
+          <c:spPr>
+            <a:noFill/>
+          </c:spPr>
+          <c:invertIfNegative val="0"/>
+          <c:dPt>
+            <c:idx val="0"/>
+            <c:invertIfNegative val="0"/>
+            <c:bubble3D val="0"/>
+            <c:spPr>
+              <a:solidFill>
+                <a:srgbClr val="31859C"/>
+              </a:solidFill>
+              <a:effectLst/>
+            </c:spPr>
+          </c:dPt>
+          <c:dLbls>
+            <c:spPr>
+              <a:noFill/>
+              <a:ln>
+                <a:noFill/>
+              </a:ln>
+              <a:effectLst/>
+            </c:spPr>
+            <c:txPr>
+              <a:bodyPr/>
+              <a:lstStyle/>
+              <a:p>
+                <a:pPr algn="ctr">
+                  <a:defRPr lang="zh-CN" altLang="en-US" sz="800" b="0" i="0" u="none" strike="noStrike" kern="1200" baseline="0">
+                    <a:solidFill>
+                      <a:prstClr val="white"/>
+                    </a:solidFill>
+                    <a:latin typeface="微软雅黑" panose="020B0503020204020204" pitchFamily="34" charset="-122"/>
+                    <a:ea typeface="微软雅黑" panose="020B0503020204020204" pitchFamily="34" charset="-122"/>
+                    <a:cs typeface="+mn-cs"/>
+                  </a:defRPr>
+                </a:pPr>
+                <a:endParaRPr lang="zh-CN"/>
+              </a:p>
+            </c:txPr>
+            <c:dLblPos val="inEnd"/>
+            <c:showLegendKey val="0"/>
+            <c:showVal val="1"/>
+            <c:showCatName val="0"/>
+            <c:showSerName val="0"/>
+            <c:showPercent val="0"/>
+            <c:showBubbleSize val="0"/>
+            <c:showLeaderLines val="0"/>
+            <c:extLst>
+              <c:ext xmlns:c15="http://schemas.microsoft.com/office/drawing/2012/chart" uri="{CE6537A1-D6FC-4f65-9D91-7224C49458BB}">
+                <c15:layout/>
+                <c15:showLeaderLines val="0"/>
+              </c:ext>
+            </c:extLst>
+          </c:dLbls>
+          <c:cat>
+            <c:strRef>
+              <c:f>Sheet1!$A$2</c:f>
+              <c:strCache>
+                <c:ptCount val="1"/>
+                <c:pt idx="0">
+                  <c:v>类别 1</c:v>
+                </c:pt>
+              </c:strCache>
+            </c:strRef>
+          </c:cat>
+          <c:val>
+            <c:numRef>
+              <c:f>Sheet1!$C$2</c:f>
+              <c:numCache>
+                <c:formatCode>General</c:formatCode>
+                <c:ptCount val="1"/>
+                <c:pt idx="0">
+                  <c:v>2.4</c:v>
+                </c:pt>
+              </c:numCache>
+            </c:numRef>
+          </c:val>
+        </c:ser>
+        <c:ser>
+          <c:idx val="2"/>
+          <c:order val="2"/>
+          <c:tx>
+            <c:strRef>
+              <c:f>Sheet1!$D$1</c:f>
+              <c:strCache>
+                <c:ptCount val="1"/>
+                <c:pt idx="0">
+                  <c:v>系列 3</c:v>
+                </c:pt>
+              </c:strCache>
+            </c:strRef>
+          </c:tx>
+          <c:spPr>
+            <a:noFill/>
+          </c:spPr>
+          <c:invertIfNegative val="0"/>
+          <c:dPt>
+            <c:idx val="0"/>
+            <c:invertIfNegative val="0"/>
+            <c:bubble3D val="0"/>
+            <c:spPr>
+              <a:solidFill>
+                <a:srgbClr val="BFBFBF"/>
+              </a:solidFill>
+            </c:spPr>
+          </c:dPt>
+          <c:dLbls>
+            <c:dLbl>
+              <c:idx val="0"/>
+              <c:layout/>
+              <c:dLblPos val="inEnd"/>
+              <c:showLegendKey val="0"/>
+              <c:showVal val="1"/>
+              <c:showCatName val="0"/>
+              <c:showSerName val="0"/>
+              <c:showPercent val="0"/>
+              <c:showBubbleSize val="0"/>
+              <c:extLst>
+                <c:ext xmlns:c15="http://schemas.microsoft.com/office/drawing/2012/chart" uri="{CE6537A1-D6FC-4f65-9D91-7224C49458BB}">
+                  <c15:layout/>
+                </c:ext>
+              </c:extLst>
+            </c:dLbl>
+            <c:spPr>
+              <a:noFill/>
+              <a:ln>
+                <a:noFill/>
+              </a:ln>
+              <a:effectLst/>
+            </c:spPr>
+            <c:txPr>
+              <a:bodyPr/>
+              <a:lstStyle/>
+              <a:p>
+                <a:pPr algn="ctr">
+                  <a:defRPr lang="zh-CN" altLang="en-US" sz="800" b="0" i="0" u="none" strike="noStrike" kern="1200" baseline="0">
+                    <a:solidFill>
+                      <a:prstClr val="white"/>
+                    </a:solidFill>
+                    <a:latin typeface="微软雅黑" panose="020B0503020204020204" pitchFamily="34" charset="-122"/>
+                    <a:ea typeface="微软雅黑" panose="020B0503020204020204" pitchFamily="34" charset="-122"/>
+                    <a:cs typeface="+mn-cs"/>
+                  </a:defRPr>
+                </a:pPr>
+                <a:endParaRPr lang="zh-CN"/>
+              </a:p>
+            </c:txPr>
+            <c:dLblPos val="inBase"/>
+            <c:showLegendKey val="0"/>
+            <c:showVal val="1"/>
+            <c:showCatName val="0"/>
+            <c:showSerName val="0"/>
+            <c:showPercent val="0"/>
+            <c:showBubbleSize val="0"/>
+            <c:showLeaderLines val="0"/>
+            <c:extLst>
+              <c:ext xmlns:c15="http://schemas.microsoft.com/office/drawing/2012/chart" uri="{CE6537A1-D6FC-4f65-9D91-7224C49458BB}">
+                <c15:showLeaderLines val="0"/>
+              </c:ext>
+            </c:extLst>
+          </c:dLbls>
+          <c:cat>
+            <c:strRef>
+              <c:f>Sheet1!$A$2</c:f>
+              <c:strCache>
+                <c:ptCount val="1"/>
+                <c:pt idx="0">
+                  <c:v>类别 1</c:v>
+                </c:pt>
+              </c:strCache>
+            </c:strRef>
+          </c:cat>
+          <c:val>
+            <c:numRef>
+              <c:f>Sheet1!$D$2</c:f>
+              <c:numCache>
+                <c:formatCode>General</c:formatCode>
+                <c:ptCount val="1"/>
+                <c:pt idx="0">
+                  <c:v>2</c:v>
+                </c:pt>
+              </c:numCache>
+            </c:numRef>
+          </c:val>
+        </c:ser>
+        <c:dLbls>
+          <c:showLegendKey val="0"/>
+          <c:showVal val="1"/>
+          <c:showCatName val="0"/>
+          <c:showSerName val="0"/>
+          <c:showPercent val="0"/>
+          <c:showBubbleSize val="0"/>
+        </c:dLbls>
+        <c:gapWidth val="150"/>
+        <c:axId val="316216592"/>
+        <c:axId val="316216032"/>
+      </c:barChart>
+      <c:catAx>
+        <c:axId val="316216592"/>
+        <c:scaling>
+          <c:orientation val="minMax"/>
+        </c:scaling>
+        <c:delete val="1"/>
+        <c:axPos val="l"/>
+        <c:numFmt formatCode="General" sourceLinked="0"/>
+        <c:majorTickMark val="none"/>
+        <c:minorTickMark val="none"/>
+        <c:tickLblPos val="nextTo"/>
+        <c:crossAx val="316216032"/>
+        <c:crosses val="autoZero"/>
+        <c:auto val="1"/>
+        <c:lblAlgn val="ctr"/>
+        <c:lblOffset val="100"/>
+        <c:noMultiLvlLbl val="0"/>
+      </c:catAx>
+      <c:valAx>
+        <c:axId val="316216032"/>
+        <c:scaling>
+          <c:orientation val="minMax"/>
+          <c:max val="5"/>
+          <c:min val="0"/>
+        </c:scaling>
+        <c:delete val="1"/>
+        <c:axPos val="b"/>
+        <c:numFmt formatCode="General" sourceLinked="1"/>
+        <c:majorTickMark val="none"/>
+        <c:minorTickMark val="none"/>
+        <c:tickLblPos val="nextTo"/>
+        <c:crossAx val="316216592"/>
+        <c:crosses val="autoZero"/>
+        <c:crossBetween val="between"/>
+        <c:majorUnit val="1"/>
+        <c:minorUnit val="1"/>
+      </c:valAx>
+    </c:plotArea>
+    <c:legend>
+      <c:legendPos val="r"/>
+      <c:legendEntry>
+        <c:idx val="0"/>
+        <c:txPr>
+          <a:bodyPr/>
+          <a:lstStyle/>
+          <a:p>
+            <a:pPr algn="ctr">
+              <a:defRPr lang="zh-CN" altLang="en-US" sz="700" b="0" i="0" u="none" strike="noStrike" kern="1200" baseline="0">
+                <a:solidFill>
+                  <a:prstClr val="white"/>
+                </a:solidFill>
+                <a:latin typeface="微软雅黑" panose="020B0503020204020204" pitchFamily="34" charset="-122"/>
+                <a:ea typeface="微软雅黑" panose="020B0503020204020204" pitchFamily="34" charset="-122"/>
+                <a:cs typeface="+mn-cs"/>
+              </a:defRPr>
+            </a:pPr>
+            <a:endParaRPr lang="zh-CN"/>
+          </a:p>
+        </c:txPr>
+      </c:legendEntry>
+      <c:legendEntry>
+        <c:idx val="1"/>
+        <c:txPr>
+          <a:bodyPr/>
+          <a:lstStyle/>
+          <a:p>
+            <a:pPr algn="ctr">
+              <a:defRPr lang="zh-CN" altLang="en-US" sz="700" b="0" i="0" u="none" strike="noStrike" kern="1200" baseline="0">
+                <a:solidFill>
+                  <a:prstClr val="white"/>
+                </a:solidFill>
+                <a:latin typeface="微软雅黑" panose="020B0503020204020204" pitchFamily="34" charset="-122"/>
+                <a:ea typeface="微软雅黑" panose="020B0503020204020204" pitchFamily="34" charset="-122"/>
+                <a:cs typeface="+mn-cs"/>
+              </a:defRPr>
+            </a:pPr>
+            <a:endParaRPr lang="zh-CN"/>
+          </a:p>
+        </c:txPr>
+      </c:legendEntry>
+      <c:legendEntry>
+        <c:idx val="2"/>
+        <c:txPr>
+          <a:bodyPr/>
+          <a:lstStyle/>
+          <a:p>
+            <a:pPr algn="ctr">
+              <a:defRPr lang="zh-CN" altLang="en-US" sz="700" b="0" i="0" u="none" strike="noStrike" kern="1200" baseline="0">
+                <a:solidFill>
+                  <a:prstClr val="white"/>
+                </a:solidFill>
+                <a:latin typeface="微软雅黑" panose="020B0503020204020204" pitchFamily="34" charset="-122"/>
+                <a:ea typeface="微软雅黑" panose="020B0503020204020204" pitchFamily="34" charset="-122"/>
+                <a:cs typeface="+mn-cs"/>
+              </a:defRPr>
+            </a:pPr>
+            <a:endParaRPr lang="zh-CN"/>
+          </a:p>
+        </c:txPr>
+      </c:legendEntry>
+      <c:layout>
+        <c:manualLayout>
+          <c:xMode val="edge"/>
+          <c:yMode val="edge"/>
+          <c:x val="0"/>
+          <c:y val="0.19512502065669213"/>
+          <c:w val="0.16715303938734724"/>
+          <c:h val="0.62589395807644888"/>
+        </c:manualLayout>
+      </c:layout>
+      <c:overlay val="0"/>
+      <c:txPr>
+        <a:bodyPr/>
+        <a:lstStyle/>
+        <a:p>
+          <a:pPr algn="ctr">
+            <a:defRPr lang="zh-CN" altLang="en-US" sz="700" b="0" i="0" u="none" strike="noStrike" kern="1200" baseline="0">
+              <a:solidFill>
+                <a:prstClr val="white"/>
+              </a:solidFill>
+              <a:latin typeface="微软雅黑" panose="020B0503020204020204" pitchFamily="34" charset="-122"/>
+              <a:ea typeface="微软雅黑" panose="020B0503020204020204" pitchFamily="34" charset="-122"/>
+              <a:cs typeface="+mn-cs"/>
+            </a:defRPr>
+          </a:pPr>
+          <a:endParaRPr lang="zh-CN"/>
+        </a:p>
+      </c:txPr>
+    </c:legend>
+    <c:plotVisOnly val="1"/>
+    <c:dispBlanksAs val="gap"/>
+    <c:showDLblsOverMax val="0"/>
+  </c:chart>
+  <c:txPr>
+    <a:bodyPr/>
+    <a:lstStyle/>
+    <a:p>
+      <a:pPr>
+        <a:defRPr sz="800">
+          <a:latin typeface="微软雅黑" panose="020B0503020204020204" pitchFamily="34" charset="-122"/>
+          <a:ea typeface="微软雅黑" panose="020B0503020204020204" pitchFamily="34" charset="-122"/>
+        </a:defRPr>
+      </a:pPr>
+      <a:endParaRPr lang="zh-CN"/>
+    </a:p>
+  </c:txPr>
+  <c:externalData r:id="rId1">
+    <c:autoUpdate val="0"/>
+  </c:externalData>
+</c:chartSpace>
+</file>
+
 <file path=ppt/slideLayouts/slideLayout1.xml><?xml version="1.0" encoding="utf-8"?>
 <p:sldLayout xmlns:a="http://schemas.openxmlformats.org/drawingml/2006/main" xmlns:r="http://schemas.openxmlformats.org/officeDocument/2006/relationships" xmlns:p="http://schemas.openxmlformats.org/presentationml/2006/main" type="title" preserve="1">
   <p:cSld name="标题幻灯片">
@@ -243,7 +731,7 @@
           <a:p>
             <a:fld id="{21E0F7C6-549C-4E14-BC17-E990DE6075CB}" type="datetimeFigureOut">
               <a:rPr lang="zh-CN" altLang="en-US" smtClean="0"/>
-              <a:t>2020/1/3</a:t>
+              <a:t>2020/1/7</a:t>
             </a:fld>
             <a:endParaRPr lang="zh-CN" altLang="en-US"/>
           </a:p>
@@ -413,7 +901,7 @@
           <a:p>
             <a:fld id="{21E0F7C6-549C-4E14-BC17-E990DE6075CB}" type="datetimeFigureOut">
               <a:rPr lang="zh-CN" altLang="en-US" smtClean="0"/>
-              <a:t>2020/1/3</a:t>
+              <a:t>2020/1/7</a:t>
             </a:fld>
             <a:endParaRPr lang="zh-CN" altLang="en-US"/>
           </a:p>
@@ -593,7 +1081,7 @@
           <a:p>
             <a:fld id="{21E0F7C6-549C-4E14-BC17-E990DE6075CB}" type="datetimeFigureOut">
               <a:rPr lang="zh-CN" altLang="en-US" smtClean="0"/>
-              <a:t>2020/1/3</a:t>
+              <a:t>2020/1/7</a:t>
             </a:fld>
             <a:endParaRPr lang="zh-CN" altLang="en-US"/>
           </a:p>
@@ -763,7 +1251,7 @@
           <a:p>
             <a:fld id="{21E0F7C6-549C-4E14-BC17-E990DE6075CB}" type="datetimeFigureOut">
               <a:rPr lang="zh-CN" altLang="en-US" smtClean="0"/>
-              <a:t>2020/1/3</a:t>
+              <a:t>2020/1/7</a:t>
             </a:fld>
             <a:endParaRPr lang="zh-CN" altLang="en-US"/>
           </a:p>
@@ -1009,7 +1497,7 @@
           <a:p>
             <a:fld id="{21E0F7C6-549C-4E14-BC17-E990DE6075CB}" type="datetimeFigureOut">
               <a:rPr lang="zh-CN" altLang="en-US" smtClean="0"/>
-              <a:t>2020/1/3</a:t>
+              <a:t>2020/1/7</a:t>
             </a:fld>
             <a:endParaRPr lang="zh-CN" altLang="en-US"/>
           </a:p>
@@ -1241,7 +1729,7 @@
           <a:p>
             <a:fld id="{21E0F7C6-549C-4E14-BC17-E990DE6075CB}" type="datetimeFigureOut">
               <a:rPr lang="zh-CN" altLang="en-US" smtClean="0"/>
-              <a:t>2020/1/3</a:t>
+              <a:t>2020/1/7</a:t>
             </a:fld>
             <a:endParaRPr lang="zh-CN" altLang="en-US"/>
           </a:p>
@@ -1608,7 +2096,7 @@
           <a:p>
             <a:fld id="{21E0F7C6-549C-4E14-BC17-E990DE6075CB}" type="datetimeFigureOut">
               <a:rPr lang="zh-CN" altLang="en-US" smtClean="0"/>
-              <a:t>2020/1/3</a:t>
+              <a:t>2020/1/7</a:t>
             </a:fld>
             <a:endParaRPr lang="zh-CN" altLang="en-US"/>
           </a:p>
@@ -1726,7 +2214,7 @@
           <a:p>
             <a:fld id="{21E0F7C6-549C-4E14-BC17-E990DE6075CB}" type="datetimeFigureOut">
               <a:rPr lang="zh-CN" altLang="en-US" smtClean="0"/>
-              <a:t>2020/1/3</a:t>
+              <a:t>2020/1/7</a:t>
             </a:fld>
             <a:endParaRPr lang="zh-CN" altLang="en-US"/>
           </a:p>
@@ -1821,7 +2309,7 @@
           <a:p>
             <a:fld id="{21E0F7C6-549C-4E14-BC17-E990DE6075CB}" type="datetimeFigureOut">
               <a:rPr lang="zh-CN" altLang="en-US" smtClean="0"/>
-              <a:t>2020/1/3</a:t>
+              <a:t>2020/1/7</a:t>
             </a:fld>
             <a:endParaRPr lang="zh-CN" altLang="en-US"/>
           </a:p>
@@ -2098,7 +2586,7 @@
           <a:p>
             <a:fld id="{21E0F7C6-549C-4E14-BC17-E990DE6075CB}" type="datetimeFigureOut">
               <a:rPr lang="zh-CN" altLang="en-US" smtClean="0"/>
-              <a:t>2020/1/3</a:t>
+              <a:t>2020/1/7</a:t>
             </a:fld>
             <a:endParaRPr lang="zh-CN" altLang="en-US"/>
           </a:p>
@@ -2351,7 +2839,7 @@
           <a:p>
             <a:fld id="{21E0F7C6-549C-4E14-BC17-E990DE6075CB}" type="datetimeFigureOut">
               <a:rPr lang="zh-CN" altLang="en-US" smtClean="0"/>
-              <a:t>2020/1/3</a:t>
+              <a:t>2020/1/7</a:t>
             </a:fld>
             <a:endParaRPr lang="zh-CN" altLang="en-US"/>
           </a:p>
@@ -2564,7 +3052,7 @@
           <a:p>
             <a:fld id="{21E0F7C6-549C-4E14-BC17-E990DE6075CB}" type="datetimeFigureOut">
               <a:rPr lang="zh-CN" altLang="en-US" smtClean="0"/>
-              <a:t>2020/1/3</a:t>
+              <a:t>2020/1/7</a:t>
             </a:fld>
             <a:endParaRPr lang="zh-CN" altLang="en-US"/>
           </a:p>
@@ -3649,10 +4137,2384 @@
           </a:graphicData>
         </a:graphic>
       </p:graphicFrame>
+      <p:graphicFrame>
+        <p:nvGraphicFramePr>
+          <p:cNvPr id="3" name="表格 2">
+            <a:extLst>
+              <a:ext uri="{FF2B5EF4-FFF2-40B4-BE49-F238E27FC236}">
+                <a16:creationId xmlns="" xmlns:a16="http://schemas.microsoft.com/office/drawing/2014/main" id="{C6A24625-BD9E-4EDB-A101-4B75C2297883}"/>
+              </a:ext>
+            </a:extLst>
+          </p:cNvPr>
+          <p:cNvGraphicFramePr>
+            <a:graphicFrameLocks noGrp="1"/>
+          </p:cNvGraphicFramePr>
+          <p:nvPr>
+            <p:extLst>
+              <p:ext uri="{D42A27DB-BD31-4B8C-83A1-F6EECF244321}">
+                <p14:modId xmlns:p14="http://schemas.microsoft.com/office/powerpoint/2010/main" val="43640519"/>
+              </p:ext>
+            </p:extLst>
+          </p:nvPr>
+        </p:nvGraphicFramePr>
+        <p:xfrm>
+          <a:off x="1751261" y="3570229"/>
+          <a:ext cx="1440160" cy="334677"/>
+        </p:xfrm>
+        <a:graphic>
+          <a:graphicData uri="http://schemas.openxmlformats.org/drawingml/2006/table">
+            <a:tbl>
+              <a:tblPr>
+                <a:tableStyleId>{5C22544A-7EE6-4342-B048-85BDC9FD1C3A}</a:tableStyleId>
+              </a:tblPr>
+              <a:tblGrid>
+                <a:gridCol w="320949">
+                  <a:extLst>
+                    <a:ext uri="{9D8B030D-6E8A-4147-A177-3AD203B41FA5}">
+                      <a16:colId xmlns="" xmlns:a16="http://schemas.microsoft.com/office/drawing/2014/main" val="20000"/>
+                    </a:ext>
+                  </a:extLst>
+                </a:gridCol>
+                <a:gridCol w="1119211">
+                  <a:extLst>
+                    <a:ext uri="{9D8B030D-6E8A-4147-A177-3AD203B41FA5}">
+                      <a16:colId xmlns="" xmlns:a16="http://schemas.microsoft.com/office/drawing/2014/main" val="20001"/>
+                    </a:ext>
+                  </a:extLst>
+                </a:gridCol>
+              </a:tblGrid>
+              <a:tr h="172752">
+                <a:tc>
+                  <a:txBody>
+                    <a:bodyPr/>
+                    <a:lstStyle/>
+                    <a:p>
+                      <a:pPr algn="ctr" fontAlgn="ctr"/>
+                      <a:r>
+                        <a:rPr lang="zh-CN" altLang="en-US" sz="1050" b="1" u="none" strike="noStrike" dirty="0">
+                          <a:effectLst/>
+                          <a:latin typeface="微软雅黑" panose="020B0503020204020204" pitchFamily="34" charset="-122"/>
+                          <a:ea typeface="微软雅黑" panose="020B0503020204020204" pitchFamily="34" charset="-122"/>
+                        </a:rPr>
+                        <a:t>★★</a:t>
+                      </a:r>
+                      <a:endParaRPr lang="zh-CN" altLang="en-US" sz="1050" b="1" i="0" u="none" strike="noStrike" dirty="0">
+                        <a:solidFill>
+                          <a:srgbClr val="000000"/>
+                        </a:solidFill>
+                        <a:effectLst/>
+                        <a:latin typeface="微软雅黑" panose="020B0503020204020204" pitchFamily="34" charset="-122"/>
+                        <a:ea typeface="微软雅黑" panose="020B0503020204020204" pitchFamily="34" charset="-122"/>
+                      </a:endParaRPr>
+                    </a:p>
+                  </a:txBody>
+                  <a:tcPr marL="9525" marR="9525" marT="9525" marB="0" anchor="ctr">
+                    <a:lnL w="12700" cmpd="sng">
+                      <a:noFill/>
+                    </a:lnL>
+                    <a:lnR w="12700" cmpd="sng">
+                      <a:noFill/>
+                    </a:lnR>
+                    <a:lnT w="12700" cmpd="sng">
+                      <a:noFill/>
+                    </a:lnT>
+                    <a:lnB w="12700" cmpd="sng">
+                      <a:noFill/>
+                    </a:lnB>
+                    <a:lnTlToBr w="12700" cmpd="sng">
+                      <a:noFill/>
+                      <a:prstDash val="solid"/>
+                    </a:lnTlToBr>
+                    <a:lnBlToTr w="12700" cmpd="sng">
+                      <a:noFill/>
+                      <a:prstDash val="solid"/>
+                    </a:lnBlToTr>
+                    <a:noFill/>
+                  </a:tcPr>
+                </a:tc>
+                <a:tc>
+                  <a:txBody>
+                    <a:bodyPr/>
+                    <a:lstStyle/>
+                    <a:p>
+                      <a:pPr algn="l" fontAlgn="ctr"/>
+                      <a:r>
+                        <a:rPr lang="zh-CN" altLang="en-US" sz="1050" b="1" u="none" strike="noStrike" dirty="0" smtClean="0">
+                          <a:effectLst/>
+                          <a:latin typeface="微软雅黑" panose="020B0503020204020204" pitchFamily="34" charset="-122"/>
+                          <a:ea typeface="微软雅黑" panose="020B0503020204020204" pitchFamily="34" charset="-122"/>
+                        </a:rPr>
+                        <a:t>相对评价最高</a:t>
+                      </a:r>
+                      <a:endParaRPr lang="zh-CN" altLang="en-US" sz="1050" b="1" i="0" u="none" strike="noStrike" dirty="0">
+                        <a:solidFill>
+                          <a:srgbClr val="000000"/>
+                        </a:solidFill>
+                        <a:effectLst/>
+                        <a:latin typeface="微软雅黑" panose="020B0503020204020204" pitchFamily="34" charset="-122"/>
+                        <a:ea typeface="微软雅黑" panose="020B0503020204020204" pitchFamily="34" charset="-122"/>
+                      </a:endParaRPr>
+                    </a:p>
+                  </a:txBody>
+                  <a:tcPr marL="9525" marR="9525" marT="9525" marB="0" anchor="ctr">
+                    <a:lnL w="12700" cmpd="sng">
+                      <a:noFill/>
+                    </a:lnL>
+                    <a:lnR w="12700" cmpd="sng">
+                      <a:noFill/>
+                    </a:lnR>
+                    <a:lnT w="12700" cmpd="sng">
+                      <a:noFill/>
+                    </a:lnT>
+                    <a:lnB w="12700" cmpd="sng">
+                      <a:noFill/>
+                    </a:lnB>
+                    <a:lnTlToBr w="12700" cmpd="sng">
+                      <a:noFill/>
+                      <a:prstDash val="solid"/>
+                    </a:lnTlToBr>
+                    <a:lnBlToTr w="12700" cmpd="sng">
+                      <a:noFill/>
+                      <a:prstDash val="solid"/>
+                    </a:lnBlToTr>
+                    <a:noFill/>
+                  </a:tcPr>
+                </a:tc>
+                <a:extLst>
+                  <a:ext uri="{0D108BD9-81ED-4DB2-BD59-A6C34878D82A}">
+                    <a16:rowId xmlns="" xmlns:a16="http://schemas.microsoft.com/office/drawing/2014/main" val="10000"/>
+                  </a:ext>
+                </a:extLst>
+              </a:tr>
+              <a:tr h="161925">
+                <a:tc>
+                  <a:txBody>
+                    <a:bodyPr/>
+                    <a:lstStyle/>
+                    <a:p>
+                      <a:pPr algn="l" fontAlgn="ctr"/>
+                      <a:endParaRPr lang="zh-CN" altLang="en-US" sz="1000" b="1" i="0" u="none" strike="noStrike" dirty="0">
+                        <a:solidFill>
+                          <a:srgbClr val="000000"/>
+                        </a:solidFill>
+                        <a:effectLst/>
+                        <a:latin typeface="微软雅黑" panose="020B0503020204020204" pitchFamily="34" charset="-122"/>
+                        <a:ea typeface="微软雅黑" panose="020B0503020204020204" pitchFamily="34" charset="-122"/>
+                      </a:endParaRPr>
+                    </a:p>
+                  </a:txBody>
+                  <a:tcPr marL="9525" marR="9525" marT="9525" marB="0" anchor="ctr">
+                    <a:lnL w="12700" cmpd="sng">
+                      <a:noFill/>
+                    </a:lnL>
+                    <a:lnR w="12700" cmpd="sng">
+                      <a:noFill/>
+                    </a:lnR>
+                    <a:lnT w="12700" cmpd="sng">
+                      <a:noFill/>
+                    </a:lnT>
+                    <a:lnB w="12700" cmpd="sng">
+                      <a:noFill/>
+                    </a:lnB>
+                    <a:lnTlToBr w="12700" cmpd="sng">
+                      <a:noFill/>
+                      <a:prstDash val="solid"/>
+                    </a:lnTlToBr>
+                    <a:lnBlToTr w="12700" cmpd="sng">
+                      <a:noFill/>
+                      <a:prstDash val="solid"/>
+                    </a:lnBlToTr>
+                    <a:noFill/>
+                  </a:tcPr>
+                </a:tc>
+                <a:tc>
+                  <a:txBody>
+                    <a:bodyPr/>
+                    <a:lstStyle/>
+                    <a:p>
+                      <a:pPr algn="l" fontAlgn="b"/>
+                      <a:r>
+                        <a:rPr lang="zh-CN" altLang="en-US" sz="900" b="0" i="0" u="none" strike="noStrike" dirty="0" smtClean="0">
+                          <a:solidFill>
+                            <a:srgbClr val="000000"/>
+                          </a:solidFill>
+                          <a:effectLst/>
+                          <a:latin typeface="微软雅黑" panose="020B0503020204020204" pitchFamily="34" charset="-122"/>
+                          <a:ea typeface="微软雅黑" panose="020B0503020204020204" pitchFamily="34" charset="-122"/>
+                        </a:rPr>
+                        <a:t>沟通影响</a:t>
+                      </a:r>
+                      <a:endParaRPr lang="zh-CN" altLang="en-US" sz="900" b="0" i="0" u="none" strike="noStrike" dirty="0">
+                        <a:solidFill>
+                          <a:srgbClr val="000000"/>
+                        </a:solidFill>
+                        <a:effectLst/>
+                        <a:latin typeface="微软雅黑" panose="020B0503020204020204" pitchFamily="34" charset="-122"/>
+                        <a:ea typeface="微软雅黑" panose="020B0503020204020204" pitchFamily="34" charset="-122"/>
+                      </a:endParaRPr>
+                    </a:p>
+                  </a:txBody>
+                  <a:tcPr marL="9525" marR="9525" marT="9525" marB="0" anchor="ctr">
+                    <a:lnL w="12700" cmpd="sng">
+                      <a:noFill/>
+                    </a:lnL>
+                    <a:lnR w="12700" cmpd="sng">
+                      <a:noFill/>
+                    </a:lnR>
+                    <a:lnT w="12700" cmpd="sng">
+                      <a:noFill/>
+                    </a:lnT>
+                    <a:lnB w="12700" cmpd="sng">
+                      <a:noFill/>
+                    </a:lnB>
+                    <a:lnTlToBr w="12700" cmpd="sng">
+                      <a:noFill/>
+                      <a:prstDash val="solid"/>
+                    </a:lnTlToBr>
+                    <a:lnBlToTr w="12700" cmpd="sng">
+                      <a:noFill/>
+                      <a:prstDash val="solid"/>
+                    </a:lnBlToTr>
+                    <a:noFill/>
+                  </a:tcPr>
+                </a:tc>
+                <a:extLst>
+                  <a:ext uri="{0D108BD9-81ED-4DB2-BD59-A6C34878D82A}">
+                    <a16:rowId xmlns="" xmlns:a16="http://schemas.microsoft.com/office/drawing/2014/main" val="10001"/>
+                  </a:ext>
+                </a:extLst>
+              </a:tr>
+            </a:tbl>
+          </a:graphicData>
+        </a:graphic>
+      </p:graphicFrame>
+      <p:graphicFrame>
+        <p:nvGraphicFramePr>
+          <p:cNvPr id="5" name="表格 4">
+            <a:extLst>
+              <a:ext uri="{FF2B5EF4-FFF2-40B4-BE49-F238E27FC236}">
+                <a16:creationId xmlns="" xmlns:a16="http://schemas.microsoft.com/office/drawing/2014/main" id="{C6A24625-BD9E-4EDB-A101-4B75C2297883}"/>
+              </a:ext>
+            </a:extLst>
+          </p:cNvPr>
+          <p:cNvGraphicFramePr>
+            <a:graphicFrameLocks noGrp="1"/>
+          </p:cNvGraphicFramePr>
+          <p:nvPr>
+            <p:extLst>
+              <p:ext uri="{D42A27DB-BD31-4B8C-83A1-F6EECF244321}">
+                <p14:modId xmlns:p14="http://schemas.microsoft.com/office/powerpoint/2010/main" val="4001532240"/>
+              </p:ext>
+            </p:extLst>
+          </p:nvPr>
+        </p:nvGraphicFramePr>
+        <p:xfrm>
+          <a:off x="7495239" y="3608867"/>
+          <a:ext cx="1440160" cy="1468152"/>
+        </p:xfrm>
+        <a:graphic>
+          <a:graphicData uri="http://schemas.openxmlformats.org/drawingml/2006/table">
+            <a:tbl>
+              <a:tblPr>
+                <a:tableStyleId>{5C22544A-7EE6-4342-B048-85BDC9FD1C3A}</a:tableStyleId>
+              </a:tblPr>
+              <a:tblGrid>
+                <a:gridCol w="320949">
+                  <a:extLst>
+                    <a:ext uri="{9D8B030D-6E8A-4147-A177-3AD203B41FA5}">
+                      <a16:colId xmlns="" xmlns:a16="http://schemas.microsoft.com/office/drawing/2014/main" val="20000"/>
+                    </a:ext>
+                  </a:extLst>
+                </a:gridCol>
+                <a:gridCol w="1119211">
+                  <a:extLst>
+                    <a:ext uri="{9D8B030D-6E8A-4147-A177-3AD203B41FA5}">
+                      <a16:colId xmlns="" xmlns:a16="http://schemas.microsoft.com/office/drawing/2014/main" val="20001"/>
+                    </a:ext>
+                  </a:extLst>
+                </a:gridCol>
+              </a:tblGrid>
+              <a:tr h="172752">
+                <a:tc>
+                  <a:txBody>
+                    <a:bodyPr/>
+                    <a:lstStyle/>
+                    <a:p>
+                      <a:pPr algn="ctr" fontAlgn="ctr"/>
+                      <a:r>
+                        <a:rPr lang="zh-CN" altLang="en-US" sz="1050" b="1" u="none" strike="noStrike" dirty="0">
+                          <a:effectLst/>
+                          <a:latin typeface="微软雅黑" panose="020B0503020204020204" pitchFamily="34" charset="-122"/>
+                          <a:ea typeface="微软雅黑" panose="020B0503020204020204" pitchFamily="34" charset="-122"/>
+                        </a:rPr>
+                        <a:t>★★</a:t>
+                      </a:r>
+                      <a:endParaRPr lang="zh-CN" altLang="en-US" sz="1050" b="1" i="0" u="none" strike="noStrike" dirty="0">
+                        <a:solidFill>
+                          <a:srgbClr val="000000"/>
+                        </a:solidFill>
+                        <a:effectLst/>
+                        <a:latin typeface="微软雅黑" panose="020B0503020204020204" pitchFamily="34" charset="-122"/>
+                        <a:ea typeface="微软雅黑" panose="020B0503020204020204" pitchFamily="34" charset="-122"/>
+                      </a:endParaRPr>
+                    </a:p>
+                  </a:txBody>
+                  <a:tcPr marL="9525" marR="9525" marT="9525" marB="0" anchor="ctr">
+                    <a:lnL w="12700" cmpd="sng">
+                      <a:noFill/>
+                    </a:lnL>
+                    <a:lnR w="12700" cmpd="sng">
+                      <a:noFill/>
+                    </a:lnR>
+                    <a:lnT w="12700" cmpd="sng">
+                      <a:noFill/>
+                    </a:lnT>
+                    <a:lnB w="12700" cmpd="sng">
+                      <a:noFill/>
+                    </a:lnB>
+                    <a:lnTlToBr w="12700" cmpd="sng">
+                      <a:noFill/>
+                      <a:prstDash val="solid"/>
+                    </a:lnTlToBr>
+                    <a:lnBlToTr w="12700" cmpd="sng">
+                      <a:noFill/>
+                      <a:prstDash val="solid"/>
+                    </a:lnBlToTr>
+                    <a:noFill/>
+                  </a:tcPr>
+                </a:tc>
+                <a:tc>
+                  <a:txBody>
+                    <a:bodyPr/>
+                    <a:lstStyle/>
+                    <a:p>
+                      <a:pPr algn="l" fontAlgn="ctr"/>
+                      <a:r>
+                        <a:rPr lang="zh-CN" altLang="en-US" sz="1050" b="1" u="none" strike="noStrike" dirty="0" smtClean="0">
+                          <a:effectLst/>
+                          <a:latin typeface="微软雅黑" panose="020B0503020204020204" pitchFamily="34" charset="-122"/>
+                          <a:ea typeface="微软雅黑" panose="020B0503020204020204" pitchFamily="34" charset="-122"/>
+                        </a:rPr>
+                        <a:t>相对评价最高</a:t>
+                      </a:r>
+                      <a:endParaRPr lang="zh-CN" altLang="en-US" sz="1050" b="1" i="0" u="none" strike="noStrike" dirty="0">
+                        <a:solidFill>
+                          <a:srgbClr val="000000"/>
+                        </a:solidFill>
+                        <a:effectLst/>
+                        <a:latin typeface="微软雅黑" panose="020B0503020204020204" pitchFamily="34" charset="-122"/>
+                        <a:ea typeface="微软雅黑" panose="020B0503020204020204" pitchFamily="34" charset="-122"/>
+                      </a:endParaRPr>
+                    </a:p>
+                  </a:txBody>
+                  <a:tcPr marL="9525" marR="9525" marT="9525" marB="0" anchor="ctr">
+                    <a:lnL w="12700" cmpd="sng">
+                      <a:noFill/>
+                    </a:lnL>
+                    <a:lnR w="12700" cmpd="sng">
+                      <a:noFill/>
+                    </a:lnR>
+                    <a:lnT w="12700" cmpd="sng">
+                      <a:noFill/>
+                    </a:lnT>
+                    <a:lnB w="12700" cmpd="sng">
+                      <a:noFill/>
+                    </a:lnB>
+                    <a:lnTlToBr w="12700" cmpd="sng">
+                      <a:noFill/>
+                      <a:prstDash val="solid"/>
+                    </a:lnTlToBr>
+                    <a:lnBlToTr w="12700" cmpd="sng">
+                      <a:noFill/>
+                      <a:prstDash val="solid"/>
+                    </a:lnBlToTr>
+                    <a:noFill/>
+                  </a:tcPr>
+                </a:tc>
+                <a:extLst>
+                  <a:ext uri="{0D108BD9-81ED-4DB2-BD59-A6C34878D82A}">
+                    <a16:rowId xmlns="" xmlns:a16="http://schemas.microsoft.com/office/drawing/2014/main" val="10000"/>
+                  </a:ext>
+                </a:extLst>
+              </a:tr>
+              <a:tr h="161925">
+                <a:tc>
+                  <a:txBody>
+                    <a:bodyPr/>
+                    <a:lstStyle/>
+                    <a:p>
+                      <a:pPr algn="l" fontAlgn="ctr"/>
+                      <a:endParaRPr lang="zh-CN" altLang="en-US" sz="1000" b="1" i="0" u="none" strike="noStrike" dirty="0">
+                        <a:solidFill>
+                          <a:srgbClr val="000000"/>
+                        </a:solidFill>
+                        <a:effectLst/>
+                        <a:latin typeface="微软雅黑" panose="020B0503020204020204" pitchFamily="34" charset="-122"/>
+                        <a:ea typeface="微软雅黑" panose="020B0503020204020204" pitchFamily="34" charset="-122"/>
+                      </a:endParaRPr>
+                    </a:p>
+                  </a:txBody>
+                  <a:tcPr marL="9525" marR="9525" marT="9525" marB="0" anchor="ctr">
+                    <a:lnL w="12700" cmpd="sng">
+                      <a:noFill/>
+                    </a:lnL>
+                    <a:lnR w="12700" cmpd="sng">
+                      <a:noFill/>
+                    </a:lnR>
+                    <a:lnT w="12700" cmpd="sng">
+                      <a:noFill/>
+                    </a:lnT>
+                    <a:lnB w="12700" cmpd="sng">
+                      <a:noFill/>
+                    </a:lnB>
+                    <a:lnTlToBr w="12700" cmpd="sng">
+                      <a:noFill/>
+                      <a:prstDash val="solid"/>
+                    </a:lnTlToBr>
+                    <a:lnBlToTr w="12700" cmpd="sng">
+                      <a:noFill/>
+                      <a:prstDash val="solid"/>
+                    </a:lnBlToTr>
+                    <a:noFill/>
+                  </a:tcPr>
+                </a:tc>
+                <a:tc>
+                  <a:txBody>
+                    <a:bodyPr/>
+                    <a:lstStyle/>
+                    <a:p>
+                      <a:pPr algn="l" fontAlgn="b"/>
+                      <a:r>
+                        <a:rPr lang="zh-CN" altLang="en-US" sz="900" b="0" i="0" u="none" strike="noStrike" dirty="0" smtClean="0">
+                          <a:solidFill>
+                            <a:srgbClr val="000000"/>
+                          </a:solidFill>
+                          <a:effectLst/>
+                          <a:latin typeface="微软雅黑" panose="020B0503020204020204" pitchFamily="34" charset="-122"/>
+                          <a:ea typeface="微软雅黑" panose="020B0503020204020204" pitchFamily="34" charset="-122"/>
+                        </a:rPr>
+                        <a:t>沟通影响</a:t>
+                      </a:r>
+                      <a:endParaRPr lang="zh-CN" altLang="en-US" sz="900" b="0" i="0" u="none" strike="noStrike" dirty="0">
+                        <a:solidFill>
+                          <a:srgbClr val="000000"/>
+                        </a:solidFill>
+                        <a:effectLst/>
+                        <a:latin typeface="微软雅黑" panose="020B0503020204020204" pitchFamily="34" charset="-122"/>
+                        <a:ea typeface="微软雅黑" panose="020B0503020204020204" pitchFamily="34" charset="-122"/>
+                      </a:endParaRPr>
+                    </a:p>
+                  </a:txBody>
+                  <a:tcPr marL="9525" marR="9525" marT="9525" marB="0" anchor="ctr">
+                    <a:lnL w="12700" cmpd="sng">
+                      <a:noFill/>
+                    </a:lnL>
+                    <a:lnR w="12700" cmpd="sng">
+                      <a:noFill/>
+                    </a:lnR>
+                    <a:lnT w="12700" cmpd="sng">
+                      <a:noFill/>
+                    </a:lnT>
+                    <a:lnB w="12700" cmpd="sng">
+                      <a:noFill/>
+                    </a:lnB>
+                    <a:lnTlToBr w="12700" cmpd="sng">
+                      <a:noFill/>
+                      <a:prstDash val="solid"/>
+                    </a:lnTlToBr>
+                    <a:lnBlToTr w="12700" cmpd="sng">
+                      <a:noFill/>
+                      <a:prstDash val="solid"/>
+                    </a:lnBlToTr>
+                    <a:noFill/>
+                  </a:tcPr>
+                </a:tc>
+                <a:extLst>
+                  <a:ext uri="{0D108BD9-81ED-4DB2-BD59-A6C34878D82A}">
+                    <a16:rowId xmlns="" xmlns:a16="http://schemas.microsoft.com/office/drawing/2014/main" val="10001"/>
+                  </a:ext>
+                </a:extLst>
+              </a:tr>
+              <a:tr h="161925">
+                <a:tc>
+                  <a:txBody>
+                    <a:bodyPr/>
+                    <a:lstStyle/>
+                    <a:p>
+                      <a:pPr algn="l" fontAlgn="ctr"/>
+                      <a:endParaRPr lang="zh-CN" altLang="en-US" sz="1000" b="1" i="0" u="none" strike="noStrike" dirty="0">
+                        <a:solidFill>
+                          <a:srgbClr val="000000"/>
+                        </a:solidFill>
+                        <a:effectLst/>
+                        <a:latin typeface="微软雅黑" panose="020B0503020204020204" pitchFamily="34" charset="-122"/>
+                        <a:ea typeface="微软雅黑" panose="020B0503020204020204" pitchFamily="34" charset="-122"/>
+                      </a:endParaRPr>
+                    </a:p>
+                  </a:txBody>
+                  <a:tcPr marL="9525" marR="9525" marT="9525" marB="0" anchor="ctr">
+                    <a:lnL w="12700" cmpd="sng">
+                      <a:noFill/>
+                    </a:lnL>
+                    <a:lnR w="12700" cmpd="sng">
+                      <a:noFill/>
+                    </a:lnR>
+                    <a:lnT w="12700" cmpd="sng">
+                      <a:noFill/>
+                    </a:lnT>
+                    <a:lnB w="12700" cmpd="sng">
+                      <a:noFill/>
+                    </a:lnB>
+                    <a:lnTlToBr w="12700" cmpd="sng">
+                      <a:noFill/>
+                      <a:prstDash val="solid"/>
+                    </a:lnTlToBr>
+                    <a:lnBlToTr w="12700" cmpd="sng">
+                      <a:noFill/>
+                      <a:prstDash val="solid"/>
+                    </a:lnBlToTr>
+                    <a:noFill/>
+                  </a:tcPr>
+                </a:tc>
+                <a:tc>
+                  <a:txBody>
+                    <a:bodyPr/>
+                    <a:lstStyle/>
+                    <a:p>
+                      <a:pPr marL="0" marR="0" indent="0" algn="l" defTabSz="914400" rtl="0" eaLnBrk="1" fontAlgn="b" latinLnBrk="0" hangingPunct="1">
+                        <a:lnSpc>
+                          <a:spcPct val="100000"/>
+                        </a:lnSpc>
+                        <a:spcBef>
+                          <a:spcPts val="0"/>
+                        </a:spcBef>
+                        <a:spcAft>
+                          <a:spcPts val="0"/>
+                        </a:spcAft>
+                        <a:buClrTx/>
+                        <a:buSzTx/>
+                        <a:buFontTx/>
+                        <a:buNone/>
+                        <a:tabLst/>
+                        <a:defRPr/>
+                      </a:pPr>
+                      <a:r>
+                        <a:rPr lang="zh-CN" altLang="en-US" sz="900" b="0" i="0" u="none" strike="noStrike" dirty="0" smtClean="0">
+                          <a:solidFill>
+                            <a:srgbClr val="000000"/>
+                          </a:solidFill>
+                          <a:effectLst/>
+                          <a:latin typeface="微软雅黑" panose="020B0503020204020204" pitchFamily="34" charset="-122"/>
+                          <a:ea typeface="微软雅黑" panose="020B0503020204020204" pitchFamily="34" charset="-122"/>
+                        </a:rPr>
+                        <a:t>沟通影响</a:t>
+                      </a:r>
+                      <a:endParaRPr lang="en-US" altLang="zh-CN" sz="900" b="0" i="0" u="none" strike="noStrike" dirty="0" smtClean="0">
+                        <a:solidFill>
+                          <a:srgbClr val="000000"/>
+                        </a:solidFill>
+                        <a:effectLst/>
+                        <a:latin typeface="微软雅黑" panose="020B0503020204020204" pitchFamily="34" charset="-122"/>
+                        <a:ea typeface="微软雅黑" panose="020B0503020204020204" pitchFamily="34" charset="-122"/>
+                      </a:endParaRPr>
+                    </a:p>
+                  </a:txBody>
+                  <a:tcPr marL="9525" marR="9525" marT="9525" marB="0" anchor="ctr">
+                    <a:lnL w="12700" cmpd="sng">
+                      <a:noFill/>
+                    </a:lnL>
+                    <a:lnR w="12700" cmpd="sng">
+                      <a:noFill/>
+                    </a:lnR>
+                    <a:lnT w="12700" cmpd="sng">
+                      <a:noFill/>
+                    </a:lnT>
+                    <a:lnB w="12700" cmpd="sng">
+                      <a:noFill/>
+                    </a:lnB>
+                    <a:lnTlToBr w="12700" cmpd="sng">
+                      <a:noFill/>
+                      <a:prstDash val="solid"/>
+                    </a:lnTlToBr>
+                    <a:lnBlToTr w="12700" cmpd="sng">
+                      <a:noFill/>
+                      <a:prstDash val="solid"/>
+                    </a:lnBlToTr>
+                    <a:noFill/>
+                  </a:tcPr>
+                </a:tc>
+                <a:extLst>
+                  <a:ext uri="{0D108BD9-81ED-4DB2-BD59-A6C34878D82A}">
+                    <a16:rowId xmlns="" xmlns:a16="http://schemas.microsoft.com/office/drawing/2014/main" val="3701186379"/>
+                  </a:ext>
+                </a:extLst>
+              </a:tr>
+              <a:tr h="161925">
+                <a:tc>
+                  <a:txBody>
+                    <a:bodyPr/>
+                    <a:lstStyle/>
+                    <a:p>
+                      <a:pPr algn="l" fontAlgn="ctr"/>
+                      <a:endParaRPr lang="zh-CN" altLang="en-US" sz="1000" b="1" i="0" u="none" strike="noStrike" dirty="0">
+                        <a:solidFill>
+                          <a:srgbClr val="000000"/>
+                        </a:solidFill>
+                        <a:effectLst/>
+                        <a:latin typeface="微软雅黑" panose="020B0503020204020204" pitchFamily="34" charset="-122"/>
+                        <a:ea typeface="微软雅黑" panose="020B0503020204020204" pitchFamily="34" charset="-122"/>
+                      </a:endParaRPr>
+                    </a:p>
+                  </a:txBody>
+                  <a:tcPr marL="9525" marR="9525" marT="9525" marB="0" anchor="ctr">
+                    <a:lnL w="12700" cmpd="sng">
+                      <a:noFill/>
+                    </a:lnL>
+                    <a:lnR w="12700" cmpd="sng">
+                      <a:noFill/>
+                    </a:lnR>
+                    <a:lnT w="12700" cmpd="sng">
+                      <a:noFill/>
+                    </a:lnT>
+                    <a:lnB w="12700" cmpd="sng">
+                      <a:noFill/>
+                    </a:lnB>
+                    <a:lnTlToBr w="12700" cmpd="sng">
+                      <a:noFill/>
+                      <a:prstDash val="solid"/>
+                    </a:lnTlToBr>
+                    <a:lnBlToTr w="12700" cmpd="sng">
+                      <a:noFill/>
+                      <a:prstDash val="solid"/>
+                    </a:lnBlToTr>
+                    <a:noFill/>
+                  </a:tcPr>
+                </a:tc>
+                <a:tc>
+                  <a:txBody>
+                    <a:bodyPr/>
+                    <a:lstStyle/>
+                    <a:p>
+                      <a:pPr marL="0" marR="0" indent="0" algn="l" defTabSz="914400" rtl="0" eaLnBrk="1" fontAlgn="b" latinLnBrk="0" hangingPunct="1">
+                        <a:lnSpc>
+                          <a:spcPct val="100000"/>
+                        </a:lnSpc>
+                        <a:spcBef>
+                          <a:spcPts val="0"/>
+                        </a:spcBef>
+                        <a:spcAft>
+                          <a:spcPts val="0"/>
+                        </a:spcAft>
+                        <a:buClrTx/>
+                        <a:buSzTx/>
+                        <a:buFontTx/>
+                        <a:buNone/>
+                        <a:tabLst/>
+                        <a:defRPr/>
+                      </a:pPr>
+                      <a:r>
+                        <a:rPr lang="en-US" altLang="zh-CN" sz="900" b="0" i="0" u="none" strike="noStrike" smtClean="0">
+                          <a:solidFill>
+                            <a:srgbClr val="000000"/>
+                          </a:solidFill>
+                          <a:effectLst/>
+                          <a:latin typeface="微软雅黑" panose="020B0503020204020204" pitchFamily="34" charset="-122"/>
+                          <a:ea typeface="微软雅黑" panose="020B0503020204020204" pitchFamily="34" charset="-122"/>
+                        </a:rPr>
+                        <a:t>-</a:t>
+                      </a:r>
+                      <a:endParaRPr lang="zh-CN" altLang="en-US" sz="900" b="0" i="0" u="none" strike="noStrike" dirty="0" smtClean="0">
+                        <a:solidFill>
+                          <a:srgbClr val="000000"/>
+                        </a:solidFill>
+                        <a:effectLst/>
+                        <a:latin typeface="微软雅黑" panose="020B0503020204020204" pitchFamily="34" charset="-122"/>
+                        <a:ea typeface="微软雅黑" panose="020B0503020204020204" pitchFamily="34" charset="-122"/>
+                      </a:endParaRPr>
+                    </a:p>
+                  </a:txBody>
+                  <a:tcPr marL="9525" marR="9525" marT="9525" marB="0" anchor="ctr">
+                    <a:lnL w="12700" cmpd="sng">
+                      <a:noFill/>
+                    </a:lnL>
+                    <a:lnR w="12700" cmpd="sng">
+                      <a:noFill/>
+                    </a:lnR>
+                    <a:lnT w="12700" cmpd="sng">
+                      <a:noFill/>
+                    </a:lnT>
+                    <a:lnB w="12700" cmpd="sng">
+                      <a:noFill/>
+                    </a:lnB>
+                    <a:lnTlToBr w="12700" cmpd="sng">
+                      <a:noFill/>
+                      <a:prstDash val="solid"/>
+                    </a:lnTlToBr>
+                    <a:lnBlToTr w="12700" cmpd="sng">
+                      <a:noFill/>
+                      <a:prstDash val="solid"/>
+                    </a:lnBlToTr>
+                    <a:noFill/>
+                  </a:tcPr>
+                </a:tc>
+              </a:tr>
+              <a:tr h="161925">
+                <a:tc>
+                  <a:txBody>
+                    <a:bodyPr/>
+                    <a:lstStyle/>
+                    <a:p>
+                      <a:pPr algn="l" fontAlgn="ctr"/>
+                      <a:endParaRPr lang="zh-CN" altLang="en-US" sz="1000" b="1" i="0" u="none" strike="noStrike" dirty="0">
+                        <a:solidFill>
+                          <a:srgbClr val="000000"/>
+                        </a:solidFill>
+                        <a:effectLst/>
+                        <a:latin typeface="微软雅黑" panose="020B0503020204020204" pitchFamily="34" charset="-122"/>
+                        <a:ea typeface="微软雅黑" panose="020B0503020204020204" pitchFamily="34" charset="-122"/>
+                      </a:endParaRPr>
+                    </a:p>
+                  </a:txBody>
+                  <a:tcPr marL="9525" marR="9525" marT="9525" marB="0" anchor="ctr">
+                    <a:lnL w="12700" cmpd="sng">
+                      <a:noFill/>
+                    </a:lnL>
+                    <a:lnR w="12700" cmpd="sng">
+                      <a:noFill/>
+                    </a:lnR>
+                    <a:lnT w="12700" cmpd="sng">
+                      <a:noFill/>
+                    </a:lnT>
+                    <a:lnB w="12700" cmpd="sng">
+                      <a:noFill/>
+                    </a:lnB>
+                    <a:lnTlToBr w="12700" cmpd="sng">
+                      <a:noFill/>
+                      <a:prstDash val="solid"/>
+                    </a:lnTlToBr>
+                    <a:lnBlToTr w="12700" cmpd="sng">
+                      <a:noFill/>
+                      <a:prstDash val="solid"/>
+                    </a:lnBlToTr>
+                    <a:noFill/>
+                  </a:tcPr>
+                </a:tc>
+                <a:tc>
+                  <a:txBody>
+                    <a:bodyPr/>
+                    <a:lstStyle/>
+                    <a:p>
+                      <a:pPr marL="0" marR="0" indent="0" algn="l" defTabSz="914400" rtl="0" eaLnBrk="1" fontAlgn="b" latinLnBrk="0" hangingPunct="1">
+                        <a:lnSpc>
+                          <a:spcPct val="100000"/>
+                        </a:lnSpc>
+                        <a:spcBef>
+                          <a:spcPts val="0"/>
+                        </a:spcBef>
+                        <a:spcAft>
+                          <a:spcPts val="0"/>
+                        </a:spcAft>
+                        <a:buClrTx/>
+                        <a:buSzTx/>
+                        <a:buFontTx/>
+                        <a:buNone/>
+                        <a:tabLst/>
+                        <a:defRPr/>
+                      </a:pPr>
+                      <a:r>
+                        <a:rPr lang="en-US" altLang="zh-CN" sz="900" b="0" i="0" u="none" strike="noStrike" smtClean="0">
+                          <a:solidFill>
+                            <a:srgbClr val="000000"/>
+                          </a:solidFill>
+                          <a:effectLst/>
+                          <a:latin typeface="微软雅黑" panose="020B0503020204020204" pitchFamily="34" charset="-122"/>
+                          <a:ea typeface="微软雅黑" panose="020B0503020204020204" pitchFamily="34" charset="-122"/>
+                        </a:rPr>
+                        <a:t>-</a:t>
+                      </a:r>
+                      <a:endParaRPr lang="zh-CN" altLang="en-US" sz="900" b="0" i="0" u="none" strike="noStrike" dirty="0" smtClean="0">
+                        <a:solidFill>
+                          <a:srgbClr val="000000"/>
+                        </a:solidFill>
+                        <a:effectLst/>
+                        <a:latin typeface="微软雅黑" panose="020B0503020204020204" pitchFamily="34" charset="-122"/>
+                        <a:ea typeface="微软雅黑" panose="020B0503020204020204" pitchFamily="34" charset="-122"/>
+                      </a:endParaRPr>
+                    </a:p>
+                  </a:txBody>
+                  <a:tcPr marL="9525" marR="9525" marT="9525" marB="0" anchor="ctr">
+                    <a:lnL w="12700" cmpd="sng">
+                      <a:noFill/>
+                    </a:lnL>
+                    <a:lnR w="12700" cmpd="sng">
+                      <a:noFill/>
+                    </a:lnR>
+                    <a:lnT w="12700" cmpd="sng">
+                      <a:noFill/>
+                    </a:lnT>
+                    <a:lnB w="12700" cmpd="sng">
+                      <a:noFill/>
+                    </a:lnB>
+                    <a:lnTlToBr w="12700" cmpd="sng">
+                      <a:noFill/>
+                      <a:prstDash val="solid"/>
+                    </a:lnTlToBr>
+                    <a:lnBlToTr w="12700" cmpd="sng">
+                      <a:noFill/>
+                      <a:prstDash val="solid"/>
+                    </a:lnBlToTr>
+                    <a:noFill/>
+                  </a:tcPr>
+                </a:tc>
+                <a:extLst>
+                  <a:ext uri="{0D108BD9-81ED-4DB2-BD59-A6C34878D82A}">
+                    <a16:rowId xmlns="" xmlns:a16="http://schemas.microsoft.com/office/drawing/2014/main" val="4111272417"/>
+                  </a:ext>
+                </a:extLst>
+              </a:tr>
+              <a:tr h="161925">
+                <a:tc>
+                  <a:txBody>
+                    <a:bodyPr/>
+                    <a:lstStyle/>
+                    <a:p>
+                      <a:pPr algn="l" fontAlgn="ctr"/>
+                      <a:endParaRPr lang="zh-CN" altLang="en-US" sz="1000" b="1" i="0" u="none" strike="noStrike" dirty="0">
+                        <a:solidFill>
+                          <a:srgbClr val="000000"/>
+                        </a:solidFill>
+                        <a:effectLst/>
+                        <a:latin typeface="微软雅黑" panose="020B0503020204020204" pitchFamily="34" charset="-122"/>
+                        <a:ea typeface="微软雅黑" panose="020B0503020204020204" pitchFamily="34" charset="-122"/>
+                      </a:endParaRPr>
+                    </a:p>
+                  </a:txBody>
+                  <a:tcPr marL="9525" marR="9525" marT="9525" marB="0" anchor="ctr">
+                    <a:lnL w="12700" cmpd="sng">
+                      <a:noFill/>
+                    </a:lnL>
+                    <a:lnR w="12700" cmpd="sng">
+                      <a:noFill/>
+                    </a:lnR>
+                    <a:lnT w="12700" cmpd="sng">
+                      <a:noFill/>
+                    </a:lnT>
+                    <a:lnB w="12700" cmpd="sng">
+                      <a:noFill/>
+                    </a:lnB>
+                    <a:lnTlToBr w="12700" cmpd="sng">
+                      <a:noFill/>
+                      <a:prstDash val="solid"/>
+                    </a:lnTlToBr>
+                    <a:lnBlToTr w="12700" cmpd="sng">
+                      <a:noFill/>
+                      <a:prstDash val="solid"/>
+                    </a:lnBlToTr>
+                    <a:noFill/>
+                  </a:tcPr>
+                </a:tc>
+                <a:tc>
+                  <a:txBody>
+                    <a:bodyPr/>
+                    <a:lstStyle/>
+                    <a:p>
+                      <a:pPr marL="0" marR="0" indent="0" algn="l" defTabSz="914400" rtl="0" eaLnBrk="1" fontAlgn="b" latinLnBrk="0" hangingPunct="1">
+                        <a:lnSpc>
+                          <a:spcPct val="100000"/>
+                        </a:lnSpc>
+                        <a:spcBef>
+                          <a:spcPts val="0"/>
+                        </a:spcBef>
+                        <a:spcAft>
+                          <a:spcPts val="0"/>
+                        </a:spcAft>
+                        <a:buClrTx/>
+                        <a:buSzTx/>
+                        <a:buFontTx/>
+                        <a:buNone/>
+                        <a:tabLst/>
+                        <a:defRPr/>
+                      </a:pPr>
+                      <a:r>
+                        <a:rPr lang="en-US" altLang="zh-CN" sz="900" b="0" i="0" u="none" strike="noStrike" smtClean="0">
+                          <a:solidFill>
+                            <a:srgbClr val="000000"/>
+                          </a:solidFill>
+                          <a:effectLst/>
+                          <a:latin typeface="微软雅黑" panose="020B0503020204020204" pitchFamily="34" charset="-122"/>
+                          <a:ea typeface="微软雅黑" panose="020B0503020204020204" pitchFamily="34" charset="-122"/>
+                        </a:rPr>
+                        <a:t>-</a:t>
+                      </a:r>
+                      <a:endParaRPr lang="zh-CN" altLang="en-US" sz="900" b="0" i="0" u="none" strike="noStrike" dirty="0" smtClean="0">
+                        <a:solidFill>
+                          <a:srgbClr val="000000"/>
+                        </a:solidFill>
+                        <a:effectLst/>
+                        <a:latin typeface="微软雅黑" panose="020B0503020204020204" pitchFamily="34" charset="-122"/>
+                        <a:ea typeface="微软雅黑" panose="020B0503020204020204" pitchFamily="34" charset="-122"/>
+                      </a:endParaRPr>
+                    </a:p>
+                  </a:txBody>
+                  <a:tcPr marL="9525" marR="9525" marT="9525" marB="0" anchor="ctr">
+                    <a:lnL w="12700" cmpd="sng">
+                      <a:noFill/>
+                    </a:lnL>
+                    <a:lnR w="12700" cmpd="sng">
+                      <a:noFill/>
+                    </a:lnR>
+                    <a:lnT w="12700" cmpd="sng">
+                      <a:noFill/>
+                    </a:lnT>
+                    <a:lnB w="12700" cmpd="sng">
+                      <a:noFill/>
+                    </a:lnB>
+                    <a:lnTlToBr w="12700" cmpd="sng">
+                      <a:noFill/>
+                      <a:prstDash val="solid"/>
+                    </a:lnTlToBr>
+                    <a:lnBlToTr w="12700" cmpd="sng">
+                      <a:noFill/>
+                      <a:prstDash val="solid"/>
+                    </a:lnBlToTr>
+                    <a:noFill/>
+                  </a:tcPr>
+                </a:tc>
+              </a:tr>
+              <a:tr h="161925">
+                <a:tc>
+                  <a:txBody>
+                    <a:bodyPr/>
+                    <a:lstStyle/>
+                    <a:p>
+                      <a:pPr algn="l" fontAlgn="ctr"/>
+                      <a:endParaRPr lang="zh-CN" altLang="en-US" sz="1000" b="1" i="0" u="none" strike="noStrike" dirty="0">
+                        <a:solidFill>
+                          <a:srgbClr val="000000"/>
+                        </a:solidFill>
+                        <a:effectLst/>
+                        <a:latin typeface="微软雅黑" panose="020B0503020204020204" pitchFamily="34" charset="-122"/>
+                        <a:ea typeface="微软雅黑" panose="020B0503020204020204" pitchFamily="34" charset="-122"/>
+                      </a:endParaRPr>
+                    </a:p>
+                  </a:txBody>
+                  <a:tcPr marL="9525" marR="9525" marT="9525" marB="0" anchor="ctr">
+                    <a:lnL w="12700" cmpd="sng">
+                      <a:noFill/>
+                    </a:lnL>
+                    <a:lnR w="12700" cmpd="sng">
+                      <a:noFill/>
+                    </a:lnR>
+                    <a:lnT w="12700" cmpd="sng">
+                      <a:noFill/>
+                    </a:lnT>
+                    <a:lnB w="12700" cmpd="sng">
+                      <a:noFill/>
+                    </a:lnB>
+                    <a:lnTlToBr w="12700" cmpd="sng">
+                      <a:noFill/>
+                      <a:prstDash val="solid"/>
+                    </a:lnTlToBr>
+                    <a:lnBlToTr w="12700" cmpd="sng">
+                      <a:noFill/>
+                      <a:prstDash val="solid"/>
+                    </a:lnBlToTr>
+                    <a:noFill/>
+                  </a:tcPr>
+                </a:tc>
+                <a:tc>
+                  <a:txBody>
+                    <a:bodyPr/>
+                    <a:lstStyle/>
+                    <a:p>
+                      <a:pPr marL="0" marR="0" indent="0" algn="l" defTabSz="914400" rtl="0" eaLnBrk="1" fontAlgn="b" latinLnBrk="0" hangingPunct="1">
+                        <a:lnSpc>
+                          <a:spcPct val="100000"/>
+                        </a:lnSpc>
+                        <a:spcBef>
+                          <a:spcPts val="0"/>
+                        </a:spcBef>
+                        <a:spcAft>
+                          <a:spcPts val="0"/>
+                        </a:spcAft>
+                        <a:buClrTx/>
+                        <a:buSzTx/>
+                        <a:buFontTx/>
+                        <a:buNone/>
+                        <a:tabLst/>
+                        <a:defRPr/>
+                      </a:pPr>
+                      <a:r>
+                        <a:rPr lang="en-US" altLang="zh-CN" sz="900" b="0" i="0" u="none" strike="noStrike" smtClean="0">
+                          <a:solidFill>
+                            <a:srgbClr val="000000"/>
+                          </a:solidFill>
+                          <a:effectLst/>
+                          <a:latin typeface="微软雅黑" panose="020B0503020204020204" pitchFamily="34" charset="-122"/>
+                          <a:ea typeface="微软雅黑" panose="020B0503020204020204" pitchFamily="34" charset="-122"/>
+                        </a:rPr>
+                        <a:t>-</a:t>
+                      </a:r>
+                      <a:endParaRPr lang="zh-CN" altLang="en-US" sz="900" b="0" i="0" u="none" strike="noStrike" dirty="0" smtClean="0">
+                        <a:solidFill>
+                          <a:srgbClr val="000000"/>
+                        </a:solidFill>
+                        <a:effectLst/>
+                        <a:latin typeface="微软雅黑" panose="020B0503020204020204" pitchFamily="34" charset="-122"/>
+                        <a:ea typeface="微软雅黑" panose="020B0503020204020204" pitchFamily="34" charset="-122"/>
+                      </a:endParaRPr>
+                    </a:p>
+                  </a:txBody>
+                  <a:tcPr marL="9525" marR="9525" marT="9525" marB="0" anchor="ctr">
+                    <a:lnL w="12700" cmpd="sng">
+                      <a:noFill/>
+                    </a:lnL>
+                    <a:lnR w="12700" cmpd="sng">
+                      <a:noFill/>
+                    </a:lnR>
+                    <a:lnT w="12700" cmpd="sng">
+                      <a:noFill/>
+                    </a:lnT>
+                    <a:lnB w="12700" cmpd="sng">
+                      <a:noFill/>
+                    </a:lnB>
+                    <a:lnTlToBr w="12700" cmpd="sng">
+                      <a:noFill/>
+                      <a:prstDash val="solid"/>
+                    </a:lnTlToBr>
+                    <a:lnBlToTr w="12700" cmpd="sng">
+                      <a:noFill/>
+                      <a:prstDash val="solid"/>
+                    </a:lnBlToTr>
+                    <a:noFill/>
+                  </a:tcPr>
+                </a:tc>
+              </a:tr>
+              <a:tr h="161925">
+                <a:tc>
+                  <a:txBody>
+                    <a:bodyPr/>
+                    <a:lstStyle/>
+                    <a:p>
+                      <a:pPr algn="l" fontAlgn="ctr"/>
+                      <a:endParaRPr lang="zh-CN" altLang="en-US" sz="1000" b="1" i="0" u="none" strike="noStrike" dirty="0">
+                        <a:solidFill>
+                          <a:srgbClr val="000000"/>
+                        </a:solidFill>
+                        <a:effectLst/>
+                        <a:latin typeface="微软雅黑" panose="020B0503020204020204" pitchFamily="34" charset="-122"/>
+                        <a:ea typeface="微软雅黑" panose="020B0503020204020204" pitchFamily="34" charset="-122"/>
+                      </a:endParaRPr>
+                    </a:p>
+                  </a:txBody>
+                  <a:tcPr marL="9525" marR="9525" marT="9525" marB="0" anchor="ctr">
+                    <a:lnL w="12700" cmpd="sng">
+                      <a:noFill/>
+                    </a:lnL>
+                    <a:lnR w="12700" cmpd="sng">
+                      <a:noFill/>
+                    </a:lnR>
+                    <a:lnT w="12700" cmpd="sng">
+                      <a:noFill/>
+                    </a:lnT>
+                    <a:lnB w="12700" cmpd="sng">
+                      <a:noFill/>
+                    </a:lnB>
+                    <a:lnTlToBr w="12700" cmpd="sng">
+                      <a:noFill/>
+                      <a:prstDash val="solid"/>
+                    </a:lnTlToBr>
+                    <a:lnBlToTr w="12700" cmpd="sng">
+                      <a:noFill/>
+                      <a:prstDash val="solid"/>
+                    </a:lnBlToTr>
+                    <a:noFill/>
+                  </a:tcPr>
+                </a:tc>
+                <a:tc>
+                  <a:txBody>
+                    <a:bodyPr/>
+                    <a:lstStyle/>
+                    <a:p>
+                      <a:pPr marL="0" marR="0" indent="0" algn="l" defTabSz="914400" rtl="0" eaLnBrk="1" fontAlgn="b" latinLnBrk="0" hangingPunct="1">
+                        <a:lnSpc>
+                          <a:spcPct val="100000"/>
+                        </a:lnSpc>
+                        <a:spcBef>
+                          <a:spcPts val="0"/>
+                        </a:spcBef>
+                        <a:spcAft>
+                          <a:spcPts val="0"/>
+                        </a:spcAft>
+                        <a:buClrTx/>
+                        <a:buSzTx/>
+                        <a:buFontTx/>
+                        <a:buNone/>
+                        <a:tabLst/>
+                        <a:defRPr/>
+                      </a:pPr>
+                      <a:r>
+                        <a:rPr lang="en-US" altLang="zh-CN" sz="900" b="0" i="0" u="none" strike="noStrike" smtClean="0">
+                          <a:solidFill>
+                            <a:srgbClr val="000000"/>
+                          </a:solidFill>
+                          <a:effectLst/>
+                          <a:latin typeface="微软雅黑" panose="020B0503020204020204" pitchFamily="34" charset="-122"/>
+                          <a:ea typeface="微软雅黑" panose="020B0503020204020204" pitchFamily="34" charset="-122"/>
+                        </a:rPr>
+                        <a:t>-</a:t>
+                      </a:r>
+                      <a:endParaRPr lang="zh-CN" altLang="en-US" sz="900" b="0" i="0" u="none" strike="noStrike" dirty="0" smtClean="0">
+                        <a:solidFill>
+                          <a:srgbClr val="000000"/>
+                        </a:solidFill>
+                        <a:effectLst/>
+                        <a:latin typeface="微软雅黑" panose="020B0503020204020204" pitchFamily="34" charset="-122"/>
+                        <a:ea typeface="微软雅黑" panose="020B0503020204020204" pitchFamily="34" charset="-122"/>
+                      </a:endParaRPr>
+                    </a:p>
+                  </a:txBody>
+                  <a:tcPr marL="9525" marR="9525" marT="9525" marB="0" anchor="ctr">
+                    <a:lnL w="12700" cmpd="sng">
+                      <a:noFill/>
+                    </a:lnL>
+                    <a:lnR w="12700" cmpd="sng">
+                      <a:noFill/>
+                    </a:lnR>
+                    <a:lnT w="12700" cmpd="sng">
+                      <a:noFill/>
+                    </a:lnT>
+                    <a:lnB w="12700" cmpd="sng">
+                      <a:noFill/>
+                    </a:lnB>
+                    <a:lnTlToBr w="12700" cmpd="sng">
+                      <a:noFill/>
+                      <a:prstDash val="solid"/>
+                    </a:lnTlToBr>
+                    <a:lnBlToTr w="12700" cmpd="sng">
+                      <a:noFill/>
+                      <a:prstDash val="solid"/>
+                    </a:lnBlToTr>
+                    <a:noFill/>
+                  </a:tcPr>
+                </a:tc>
+              </a:tr>
+              <a:tr h="161925">
+                <a:tc>
+                  <a:txBody>
+                    <a:bodyPr/>
+                    <a:lstStyle/>
+                    <a:p>
+                      <a:pPr algn="l" fontAlgn="ctr"/>
+                      <a:endParaRPr lang="zh-CN" altLang="en-US" sz="1000" b="1" i="0" u="none" strike="noStrike" dirty="0">
+                        <a:solidFill>
+                          <a:srgbClr val="000000"/>
+                        </a:solidFill>
+                        <a:effectLst/>
+                        <a:latin typeface="微软雅黑" panose="020B0503020204020204" pitchFamily="34" charset="-122"/>
+                        <a:ea typeface="微软雅黑" panose="020B0503020204020204" pitchFamily="34" charset="-122"/>
+                      </a:endParaRPr>
+                    </a:p>
+                  </a:txBody>
+                  <a:tcPr marL="9525" marR="9525" marT="9525" marB="0" anchor="ctr">
+                    <a:lnL w="12700" cmpd="sng">
+                      <a:noFill/>
+                    </a:lnL>
+                    <a:lnR w="12700" cmpd="sng">
+                      <a:noFill/>
+                    </a:lnR>
+                    <a:lnT w="12700" cmpd="sng">
+                      <a:noFill/>
+                    </a:lnT>
+                    <a:lnB w="12700" cmpd="sng">
+                      <a:noFill/>
+                    </a:lnB>
+                    <a:lnTlToBr w="12700" cmpd="sng">
+                      <a:noFill/>
+                      <a:prstDash val="solid"/>
+                    </a:lnTlToBr>
+                    <a:lnBlToTr w="12700" cmpd="sng">
+                      <a:noFill/>
+                      <a:prstDash val="solid"/>
+                    </a:lnBlToTr>
+                    <a:noFill/>
+                  </a:tcPr>
+                </a:tc>
+                <a:tc>
+                  <a:txBody>
+                    <a:bodyPr/>
+                    <a:lstStyle/>
+                    <a:p>
+                      <a:pPr marL="0" marR="0" indent="0" algn="l" defTabSz="914400" rtl="0" eaLnBrk="1" fontAlgn="b" latinLnBrk="0" hangingPunct="1">
+                        <a:lnSpc>
+                          <a:spcPct val="100000"/>
+                        </a:lnSpc>
+                        <a:spcBef>
+                          <a:spcPts val="0"/>
+                        </a:spcBef>
+                        <a:spcAft>
+                          <a:spcPts val="0"/>
+                        </a:spcAft>
+                        <a:buClrTx/>
+                        <a:buSzTx/>
+                        <a:buFontTx/>
+                        <a:buNone/>
+                        <a:tabLst/>
+                        <a:defRPr/>
+                      </a:pPr>
+                      <a:r>
+                        <a:rPr lang="en-US" altLang="zh-CN" sz="900" b="0" i="0" u="none" strike="noStrike" dirty="0" smtClean="0">
+                          <a:solidFill>
+                            <a:srgbClr val="000000"/>
+                          </a:solidFill>
+                          <a:effectLst/>
+                          <a:latin typeface="微软雅黑" panose="020B0503020204020204" pitchFamily="34" charset="-122"/>
+                          <a:ea typeface="微软雅黑" panose="020B0503020204020204" pitchFamily="34" charset="-122"/>
+                        </a:rPr>
+                        <a:t>-</a:t>
+                      </a:r>
+                      <a:endParaRPr lang="zh-CN" altLang="en-US" sz="900" b="0" i="0" u="none" strike="noStrike" dirty="0" smtClean="0">
+                        <a:solidFill>
+                          <a:srgbClr val="000000"/>
+                        </a:solidFill>
+                        <a:effectLst/>
+                        <a:latin typeface="微软雅黑" panose="020B0503020204020204" pitchFamily="34" charset="-122"/>
+                        <a:ea typeface="微软雅黑" panose="020B0503020204020204" pitchFamily="34" charset="-122"/>
+                      </a:endParaRPr>
+                    </a:p>
+                  </a:txBody>
+                  <a:tcPr marL="9525" marR="9525" marT="9525" marB="0" anchor="ctr">
+                    <a:lnL w="12700" cmpd="sng">
+                      <a:noFill/>
+                    </a:lnL>
+                    <a:lnR w="12700" cmpd="sng">
+                      <a:noFill/>
+                    </a:lnR>
+                    <a:lnT w="12700" cmpd="sng">
+                      <a:noFill/>
+                    </a:lnT>
+                    <a:lnB w="12700" cmpd="sng">
+                      <a:noFill/>
+                    </a:lnB>
+                    <a:lnTlToBr w="12700" cmpd="sng">
+                      <a:noFill/>
+                      <a:prstDash val="solid"/>
+                    </a:lnTlToBr>
+                    <a:lnBlToTr w="12700" cmpd="sng">
+                      <a:noFill/>
+                      <a:prstDash val="solid"/>
+                    </a:lnBlToTr>
+                    <a:noFill/>
+                  </a:tcPr>
+                </a:tc>
+              </a:tr>
+            </a:tbl>
+          </a:graphicData>
+        </a:graphic>
+      </p:graphicFrame>
     </p:spTree>
     <p:extLst>
       <p:ext uri="{BB962C8B-B14F-4D97-AF65-F5344CB8AC3E}">
         <p14:creationId xmlns:p14="http://schemas.microsoft.com/office/powerpoint/2010/main" val="308896367"/>
+      </p:ext>
+    </p:extLst>
+  </p:cSld>
+  <p:clrMapOvr>
+    <a:masterClrMapping/>
+  </p:clrMapOvr>
+</p:sld>
+</file>
+
+<file path=ppt/slides/slide2.xml><?xml version="1.0" encoding="utf-8"?>
+<p:sld xmlns:a="http://schemas.openxmlformats.org/drawingml/2006/main" xmlns:r="http://schemas.openxmlformats.org/officeDocument/2006/relationships" xmlns:p="http://schemas.openxmlformats.org/presentationml/2006/main">
+  <p:cSld>
+    <p:spTree>
+      <p:nvGrpSpPr>
+        <p:cNvPr id="1" name=""/>
+        <p:cNvGrpSpPr/>
+        <p:nvPr/>
+      </p:nvGrpSpPr>
+      <p:grpSpPr>
+        <a:xfrm>
+          <a:off x="0" y="0"/>
+          <a:ext cx="0" cy="0"/>
+          <a:chOff x="0" y="0"/>
+          <a:chExt cx="0" cy="0"/>
+        </a:xfrm>
+      </p:grpSpPr>
+      <p:graphicFrame>
+        <p:nvGraphicFramePr>
+          <p:cNvPr id="5" name="图表 4"/>
+          <p:cNvGraphicFramePr/>
+          <p:nvPr>
+            <p:extLst>
+              <p:ext uri="{D42A27DB-BD31-4B8C-83A1-F6EECF244321}">
+                <p14:modId xmlns:p14="http://schemas.microsoft.com/office/powerpoint/2010/main" val="3990237625"/>
+              </p:ext>
+            </p:extLst>
+          </p:nvPr>
+        </p:nvGraphicFramePr>
+        <p:xfrm>
+          <a:off x="7136406" y="491442"/>
+          <a:ext cx="2996673" cy="669600"/>
+        </p:xfrm>
+        <a:graphic>
+          <a:graphicData uri="http://schemas.openxmlformats.org/drawingml/2006/chart">
+            <c:chart xmlns:c="http://schemas.openxmlformats.org/drawingml/2006/chart" xmlns:r="http://schemas.openxmlformats.org/officeDocument/2006/relationships" r:id="rId2"/>
+          </a:graphicData>
+        </a:graphic>
+      </p:graphicFrame>
+      <p:graphicFrame>
+        <p:nvGraphicFramePr>
+          <p:cNvPr id="6" name="表格 5"/>
+          <p:cNvGraphicFramePr>
+            <a:graphicFrameLocks noGrp="1"/>
+          </p:cNvGraphicFramePr>
+          <p:nvPr>
+            <p:extLst>
+              <p:ext uri="{D42A27DB-BD31-4B8C-83A1-F6EECF244321}">
+                <p14:modId xmlns:p14="http://schemas.microsoft.com/office/powerpoint/2010/main" val="361606716"/>
+              </p:ext>
+            </p:extLst>
+          </p:nvPr>
+        </p:nvGraphicFramePr>
+        <p:xfrm>
+          <a:off x="966390" y="480313"/>
+          <a:ext cx="5951982" cy="596696"/>
+        </p:xfrm>
+        <a:graphic>
+          <a:graphicData uri="http://schemas.openxmlformats.org/drawingml/2006/table">
+            <a:tbl>
+              <a:tblPr>
+                <a:tableStyleId>{2D5ABB26-0587-4C30-8999-92F81FD0307C}</a:tableStyleId>
+              </a:tblPr>
+              <a:tblGrid>
+                <a:gridCol w="1344545"/>
+                <a:gridCol w="885887"/>
+                <a:gridCol w="480768"/>
+                <a:gridCol w="1466681"/>
+                <a:gridCol w="166688"/>
+                <a:gridCol w="532302"/>
+                <a:gridCol w="455167"/>
+                <a:gridCol w="432048"/>
+                <a:gridCol w="187896"/>
+              </a:tblGrid>
+              <a:tr h="149845">
+                <a:tc>
+                  <a:txBody>
+                    <a:bodyPr/>
+                    <a:lstStyle/>
+                    <a:p>
+                      <a:pPr marL="0" marR="0" indent="0" algn="l" defTabSz="914400" rtl="0" eaLnBrk="1" fontAlgn="ctr" latinLnBrk="0" hangingPunct="1">
+                        <a:lnSpc>
+                          <a:spcPct val="100000"/>
+                        </a:lnSpc>
+                        <a:spcBef>
+                          <a:spcPts val="0"/>
+                        </a:spcBef>
+                        <a:spcAft>
+                          <a:spcPts val="0"/>
+                        </a:spcAft>
+                        <a:buClrTx/>
+                        <a:buSzTx/>
+                        <a:buFontTx/>
+                        <a:buNone/>
+                        <a:tabLst/>
+                        <a:defRPr/>
+                      </a:pPr>
+                      <a:r>
+                        <a:rPr lang="zh-CN" altLang="en-US" sz="900" b="1" i="0" u="none" strike="noStrike" kern="1200" dirty="0" smtClean="0">
+                          <a:solidFill>
+                            <a:srgbClr val="000000"/>
+                          </a:solidFill>
+                          <a:effectLst/>
+                          <a:latin typeface="微软雅黑" panose="020B0503020204020204" pitchFamily="34" charset="-122"/>
+                          <a:ea typeface="微软雅黑" panose="020B0503020204020204" pitchFamily="34" charset="-122"/>
+                          <a:cs typeface="+mn-cs"/>
+                        </a:rPr>
+                        <a:t>房产</a:t>
+                      </a:r>
+                      <a:endParaRPr lang="zh-CN" altLang="en-US" sz="900" b="1" i="0" u="none" strike="noStrike" kern="1200" dirty="0" smtClean="0">
+                        <a:solidFill>
+                          <a:srgbClr val="000000"/>
+                        </a:solidFill>
+                        <a:effectLst/>
+                        <a:latin typeface="微软雅黑" panose="020B0503020204020204" pitchFamily="34" charset="-122"/>
+                        <a:ea typeface="微软雅黑" panose="020B0503020204020204" pitchFamily="34" charset="-122"/>
+                        <a:cs typeface="+mn-cs"/>
+                      </a:endParaRPr>
+                    </a:p>
+                  </a:txBody>
+                  <a:tcPr marL="0" marR="0" marT="0" marB="0"/>
+                </a:tc>
+                <a:tc>
+                  <a:txBody>
+                    <a:bodyPr/>
+                    <a:lstStyle/>
+                    <a:p>
+                      <a:pPr algn="l" fontAlgn="ctr"/>
+                      <a:endParaRPr lang="zh-CN" altLang="en-US" sz="900" b="0" i="0" u="none" strike="noStrike" dirty="0">
+                        <a:solidFill>
+                          <a:srgbClr val="000000"/>
+                        </a:solidFill>
+                        <a:effectLst/>
+                        <a:latin typeface="微软雅黑" panose="020B0503020204020204" pitchFamily="34" charset="-122"/>
+                        <a:ea typeface="微软雅黑" panose="020B0503020204020204" pitchFamily="34" charset="-122"/>
+                      </a:endParaRPr>
+                    </a:p>
+                  </a:txBody>
+                  <a:tcPr marL="0" marR="0" marT="0" marB="0" anchor="ctr"/>
+                </a:tc>
+                <a:tc>
+                  <a:txBody>
+                    <a:bodyPr/>
+                    <a:lstStyle/>
+                    <a:p>
+                      <a:pPr algn="l" fontAlgn="t"/>
+                      <a:endParaRPr lang="zh-CN" altLang="en-US" sz="900" b="0" i="0" u="none" strike="noStrike" dirty="0">
+                        <a:solidFill>
+                          <a:srgbClr val="000000"/>
+                        </a:solidFill>
+                        <a:effectLst/>
+                        <a:latin typeface="微软雅黑" panose="020B0503020204020204" pitchFamily="34" charset="-122"/>
+                        <a:ea typeface="微软雅黑" panose="020B0503020204020204" pitchFamily="34" charset="-122"/>
+                      </a:endParaRPr>
+                    </a:p>
+                  </a:txBody>
+                  <a:tcPr marL="0" marR="0" marT="0" marB="0"/>
+                </a:tc>
+                <a:tc>
+                  <a:txBody>
+                    <a:bodyPr/>
+                    <a:lstStyle/>
+                    <a:p>
+                      <a:pPr algn="l" fontAlgn="t"/>
+                      <a:endParaRPr lang="zh-CN" altLang="en-US" sz="900" b="0" i="0" u="none" strike="noStrike" dirty="0">
+                        <a:solidFill>
+                          <a:srgbClr val="000000"/>
+                        </a:solidFill>
+                        <a:effectLst/>
+                        <a:latin typeface="微软雅黑" panose="020B0503020204020204" pitchFamily="34" charset="-122"/>
+                        <a:ea typeface="微软雅黑" panose="020B0503020204020204" pitchFamily="34" charset="-122"/>
+                      </a:endParaRPr>
+                    </a:p>
+                  </a:txBody>
+                  <a:tcPr marL="0" marR="0" marT="0" marB="0"/>
+                </a:tc>
+                <a:tc>
+                  <a:txBody>
+                    <a:bodyPr/>
+                    <a:lstStyle/>
+                    <a:p>
+                      <a:pPr algn="l" fontAlgn="t"/>
+                      <a:endParaRPr lang="zh-CN" altLang="en-US" sz="900" b="0" i="0" u="none" strike="noStrike" dirty="0">
+                        <a:solidFill>
+                          <a:srgbClr val="000000"/>
+                        </a:solidFill>
+                        <a:effectLst/>
+                        <a:latin typeface="微软雅黑" panose="020B0503020204020204" pitchFamily="34" charset="-122"/>
+                        <a:ea typeface="微软雅黑" panose="020B0503020204020204" pitchFamily="34" charset="-122"/>
+                      </a:endParaRPr>
+                    </a:p>
+                  </a:txBody>
+                  <a:tcPr marL="0" marR="0" marT="0" marB="0"/>
+                </a:tc>
+                <a:tc>
+                  <a:txBody>
+                    <a:bodyPr/>
+                    <a:lstStyle/>
+                    <a:p>
+                      <a:pPr algn="r" fontAlgn="ctr"/>
+                      <a:r>
+                        <a:rPr lang="zh-CN" altLang="en-US" sz="900" b="0" i="0" u="none" strike="noStrike" dirty="0" smtClean="0">
+                          <a:solidFill>
+                            <a:srgbClr val="000000"/>
+                          </a:solidFill>
+                          <a:effectLst/>
+                          <a:latin typeface="微软雅黑" panose="020B0503020204020204" pitchFamily="34" charset="-122"/>
+                          <a:ea typeface="微软雅黑" panose="020B0503020204020204" pitchFamily="34" charset="-122"/>
+                        </a:rPr>
+                        <a:t>美国</a:t>
+                      </a:r>
+                      <a:endParaRPr lang="zh-CN" altLang="en-US" sz="900" b="0" i="0" u="none" strike="noStrike" dirty="0">
+                        <a:solidFill>
+                          <a:srgbClr val="000000"/>
+                        </a:solidFill>
+                        <a:effectLst/>
+                        <a:latin typeface="微软雅黑" panose="020B0503020204020204" pitchFamily="34" charset="-122"/>
+                        <a:ea typeface="微软雅黑" panose="020B0503020204020204" pitchFamily="34" charset="-122"/>
+                      </a:endParaRPr>
+                    </a:p>
+                  </a:txBody>
+                  <a:tcPr marL="0" marR="0" marT="0" marB="0"/>
+                </a:tc>
+                <a:tc>
+                  <a:txBody>
+                    <a:bodyPr/>
+                    <a:lstStyle/>
+                    <a:p>
+                      <a:pPr algn="r" fontAlgn="ctr"/>
+                      <a:r>
+                        <a:rPr lang="zh-CN" altLang="en-US" sz="900" b="0" i="0" u="none" strike="noStrike" dirty="0" smtClean="0">
+                          <a:solidFill>
+                            <a:srgbClr val="000000"/>
+                          </a:solidFill>
+                          <a:effectLst/>
+                          <a:latin typeface="微软雅黑" panose="020B0503020204020204" pitchFamily="34" charset="-122"/>
+                          <a:ea typeface="微软雅黑" panose="020B0503020204020204" pitchFamily="34" charset="-122"/>
+                        </a:rPr>
+                        <a:t>日本</a:t>
+                      </a:r>
+                      <a:endParaRPr lang="zh-CN" altLang="en-US" sz="900" b="0" i="0" u="none" strike="noStrike" dirty="0">
+                        <a:solidFill>
+                          <a:srgbClr val="000000"/>
+                        </a:solidFill>
+                        <a:effectLst/>
+                        <a:latin typeface="微软雅黑" panose="020B0503020204020204" pitchFamily="34" charset="-122"/>
+                        <a:ea typeface="微软雅黑" panose="020B0503020204020204" pitchFamily="34" charset="-122"/>
+                      </a:endParaRPr>
+                    </a:p>
+                  </a:txBody>
+                  <a:tcPr marL="0" marR="0" marT="0" marB="0" anchor="ctr"/>
+                </a:tc>
+                <a:tc>
+                  <a:txBody>
+                    <a:bodyPr/>
+                    <a:lstStyle/>
+                    <a:p>
+                      <a:pPr algn="r" fontAlgn="ctr"/>
+                      <a:r>
+                        <a:rPr lang="zh-CN" altLang="en-US" sz="900" b="0" i="0" u="none" strike="noStrike" dirty="0" smtClean="0">
+                          <a:solidFill>
+                            <a:srgbClr val="000000"/>
+                          </a:solidFill>
+                          <a:effectLst/>
+                          <a:latin typeface="微软雅黑" panose="020B0503020204020204" pitchFamily="34" charset="-122"/>
+                          <a:ea typeface="微软雅黑" panose="020B0503020204020204" pitchFamily="34" charset="-122"/>
+                        </a:rPr>
+                        <a:t>中国</a:t>
+                      </a:r>
+                      <a:endParaRPr lang="zh-CN" altLang="en-US" sz="900" b="0" i="0" u="none" strike="noStrike" dirty="0">
+                        <a:solidFill>
+                          <a:srgbClr val="000000"/>
+                        </a:solidFill>
+                        <a:effectLst/>
+                        <a:latin typeface="微软雅黑" panose="020B0503020204020204" pitchFamily="34" charset="-122"/>
+                        <a:ea typeface="微软雅黑" panose="020B0503020204020204" pitchFamily="34" charset="-122"/>
+                      </a:endParaRPr>
+                    </a:p>
+                  </a:txBody>
+                  <a:tcPr marL="0" marR="0" marT="0" marB="0" anchor="ctr"/>
+                </a:tc>
+                <a:tc>
+                  <a:txBody>
+                    <a:bodyPr/>
+                    <a:lstStyle/>
+                    <a:p>
+                      <a:pPr algn="r" fontAlgn="ctr"/>
+                      <a:endParaRPr lang="zh-CN" altLang="en-US" sz="900" b="0" i="0" u="none" strike="noStrike" dirty="0">
+                        <a:solidFill>
+                          <a:srgbClr val="000000"/>
+                        </a:solidFill>
+                        <a:effectLst/>
+                        <a:latin typeface="微软雅黑" panose="020B0503020204020204" pitchFamily="34" charset="-122"/>
+                        <a:ea typeface="微软雅黑" panose="020B0503020204020204" pitchFamily="34" charset="-122"/>
+                      </a:endParaRPr>
+                    </a:p>
+                  </a:txBody>
+                  <a:tcPr marL="0" marR="0" marT="0" marB="0" anchor="ctr"/>
+                </a:tc>
+              </a:tr>
+              <a:tr h="133791">
+                <a:tc>
+                  <a:txBody>
+                    <a:bodyPr/>
+                    <a:lstStyle/>
+                    <a:p>
+                      <a:pPr algn="l" fontAlgn="ctr"/>
+                      <a:endParaRPr lang="zh-CN" altLang="en-US" sz="900" b="0" i="0" u="none" strike="noStrike" dirty="0">
+                        <a:solidFill>
+                          <a:srgbClr val="000000"/>
+                        </a:solidFill>
+                        <a:effectLst/>
+                        <a:latin typeface="微软雅黑" panose="020B0503020204020204" pitchFamily="34" charset="-122"/>
+                        <a:ea typeface="微软雅黑" panose="020B0503020204020204" pitchFamily="34" charset="-122"/>
+                      </a:endParaRPr>
+                    </a:p>
+                  </a:txBody>
+                  <a:tcPr marL="0" marR="0" marT="0" marB="0" anchor="ctr"/>
+                </a:tc>
+                <a:tc>
+                  <a:txBody>
+                    <a:bodyPr/>
+                    <a:lstStyle/>
+                    <a:p>
+                      <a:pPr algn="l" fontAlgn="ctr"/>
+                      <a:r>
+                        <a:rPr lang="zh-CN" altLang="en-US" sz="900" u="none" strike="noStrike" dirty="0">
+                          <a:effectLst/>
+                        </a:rPr>
+                        <a:t>　</a:t>
+                      </a:r>
+                      <a:endParaRPr lang="zh-CN" altLang="en-US" sz="900" b="0" i="0" u="none" strike="noStrike" dirty="0">
+                        <a:solidFill>
+                          <a:srgbClr val="000000"/>
+                        </a:solidFill>
+                        <a:effectLst/>
+                        <a:latin typeface="微软雅黑" panose="020B0503020204020204" pitchFamily="34" charset="-122"/>
+                        <a:ea typeface="微软雅黑" panose="020B0503020204020204" pitchFamily="34" charset="-122"/>
+                      </a:endParaRPr>
+                    </a:p>
+                  </a:txBody>
+                  <a:tcPr marL="0" marR="0" marT="0" marB="0" anchor="ctr">
+                    <a:solidFill>
+                      <a:schemeClr val="bg1">
+                        <a:lumMod val="95000"/>
+                      </a:schemeClr>
+                    </a:solidFill>
+                  </a:tcPr>
+                </a:tc>
+                <a:tc>
+                  <a:txBody>
+                    <a:bodyPr/>
+                    <a:lstStyle/>
+                    <a:p>
+                      <a:pPr algn="l" fontAlgn="ctr"/>
+                      <a:endParaRPr lang="zh-CN" altLang="en-US" sz="900" b="0" i="0" u="none" strike="noStrike" dirty="0">
+                        <a:solidFill>
+                          <a:srgbClr val="000000"/>
+                        </a:solidFill>
+                        <a:effectLst/>
+                        <a:latin typeface="微软雅黑" panose="020B0503020204020204" pitchFamily="34" charset="-122"/>
+                        <a:ea typeface="微软雅黑" panose="020B0503020204020204" pitchFamily="34" charset="-122"/>
+                      </a:endParaRPr>
+                    </a:p>
+                  </a:txBody>
+                  <a:tcPr marL="0" marR="0" marT="0" marB="0" anchor="ctr">
+                    <a:solidFill>
+                      <a:schemeClr val="bg1">
+                        <a:lumMod val="95000"/>
+                      </a:schemeClr>
+                    </a:solidFill>
+                  </a:tcPr>
+                </a:tc>
+                <a:tc>
+                  <a:txBody>
+                    <a:bodyPr/>
+                    <a:lstStyle/>
+                    <a:p>
+                      <a:pPr algn="l" fontAlgn="ctr"/>
+                      <a:endParaRPr lang="zh-CN" altLang="en-US" sz="900" b="0" i="0" u="none" strike="noStrike" dirty="0">
+                        <a:solidFill>
+                          <a:srgbClr val="000000"/>
+                        </a:solidFill>
+                        <a:effectLst/>
+                        <a:latin typeface="微软雅黑" panose="020B0503020204020204" pitchFamily="34" charset="-122"/>
+                        <a:ea typeface="微软雅黑" panose="020B0503020204020204" pitchFamily="34" charset="-122"/>
+                      </a:endParaRPr>
+                    </a:p>
+                  </a:txBody>
+                  <a:tcPr marL="0" marR="0" marT="0" marB="0" anchor="ctr">
+                    <a:solidFill>
+                      <a:schemeClr val="bg1">
+                        <a:lumMod val="95000"/>
+                      </a:schemeClr>
+                    </a:solidFill>
+                  </a:tcPr>
+                </a:tc>
+                <a:tc>
+                  <a:txBody>
+                    <a:bodyPr/>
+                    <a:lstStyle/>
+                    <a:p>
+                      <a:pPr algn="r" fontAlgn="ctr"/>
+                      <a:r>
+                        <a:rPr lang="en-US" altLang="zh-CN" sz="900" u="none" strike="noStrike" dirty="0" smtClean="0">
+                          <a:effectLst/>
+                        </a:rPr>
+                        <a:t>Q1</a:t>
+                      </a:r>
+                      <a:endParaRPr lang="zh-CN" altLang="en-US" sz="900" b="0" i="0" u="none" strike="noStrike" dirty="0">
+                        <a:solidFill>
+                          <a:srgbClr val="000000"/>
+                        </a:solidFill>
+                        <a:effectLst/>
+                        <a:latin typeface="微软雅黑" panose="020B0503020204020204" pitchFamily="34" charset="-122"/>
+                        <a:ea typeface="微软雅黑" panose="020B0503020204020204" pitchFamily="34" charset="-122"/>
+                      </a:endParaRPr>
+                    </a:p>
+                  </a:txBody>
+                  <a:tcPr marL="0" marR="0" marT="0" marB="0" anchor="ctr">
+                    <a:solidFill>
+                      <a:schemeClr val="bg1">
+                        <a:lumMod val="95000"/>
+                      </a:schemeClr>
+                    </a:solidFill>
+                  </a:tcPr>
+                </a:tc>
+                <a:tc>
+                  <a:txBody>
+                    <a:bodyPr/>
+                    <a:lstStyle/>
+                    <a:p>
+                      <a:pPr algn="r" fontAlgn="ctr"/>
+                      <a:r>
+                        <a:rPr lang="en-US" altLang="zh-CN" sz="900" u="none" strike="noStrike" dirty="0" smtClean="0">
+                          <a:effectLst/>
+                          <a:latin typeface="+mn-ea"/>
+                          <a:ea typeface="+mn-ea"/>
+                        </a:rPr>
+                        <a:t>3.4</a:t>
+                      </a:r>
+                      <a:endParaRPr lang="en-US" altLang="zh-CN" sz="900" b="0" i="0" u="none" strike="noStrike" dirty="0">
+                        <a:solidFill>
+                          <a:srgbClr val="000000"/>
+                        </a:solidFill>
+                        <a:effectLst/>
+                        <a:latin typeface="+mn-ea"/>
+                        <a:ea typeface="+mn-ea"/>
+                      </a:endParaRPr>
+                    </a:p>
+                  </a:txBody>
+                  <a:tcPr marL="0" marR="0" marT="0" marB="0" anchor="ctr">
+                    <a:solidFill>
+                      <a:schemeClr val="bg1">
+                        <a:lumMod val="95000"/>
+                      </a:schemeClr>
+                    </a:solidFill>
+                  </a:tcPr>
+                </a:tc>
+                <a:tc>
+                  <a:txBody>
+                    <a:bodyPr/>
+                    <a:lstStyle/>
+                    <a:p>
+                      <a:pPr algn="r" fontAlgn="ctr"/>
+                      <a:r>
+                        <a:rPr lang="en-US" altLang="zh-CN" sz="900" u="none" strike="noStrike" dirty="0">
+                          <a:effectLst/>
+                          <a:latin typeface="+mn-ea"/>
+                          <a:ea typeface="+mn-ea"/>
+                        </a:rPr>
+                        <a:t>3.0</a:t>
+                      </a:r>
+                      <a:endParaRPr lang="en-US" altLang="zh-CN" sz="900" b="0" i="0" u="none" strike="noStrike" dirty="0">
+                        <a:solidFill>
+                          <a:srgbClr val="000000"/>
+                        </a:solidFill>
+                        <a:effectLst/>
+                        <a:latin typeface="+mn-ea"/>
+                        <a:ea typeface="+mn-ea"/>
+                      </a:endParaRPr>
+                    </a:p>
+                  </a:txBody>
+                  <a:tcPr marL="0" marR="0" marT="0" marB="0" anchor="ctr">
+                    <a:solidFill>
+                      <a:schemeClr val="bg1">
+                        <a:lumMod val="95000"/>
+                      </a:schemeClr>
+                    </a:solidFill>
+                  </a:tcPr>
+                </a:tc>
+                <a:tc>
+                  <a:txBody>
+                    <a:bodyPr/>
+                    <a:lstStyle/>
+                    <a:p>
+                      <a:pPr algn="r" fontAlgn="ctr"/>
+                      <a:r>
+                        <a:rPr lang="en-US" altLang="zh-CN" sz="900" u="none" strike="noStrike" dirty="0">
+                          <a:effectLst/>
+                          <a:latin typeface="+mn-ea"/>
+                          <a:ea typeface="+mn-ea"/>
+                        </a:rPr>
+                        <a:t>3.6</a:t>
+                      </a:r>
+                      <a:endParaRPr lang="en-US" altLang="zh-CN" sz="900" b="0" i="0" u="none" strike="noStrike" dirty="0">
+                        <a:solidFill>
+                          <a:srgbClr val="000000"/>
+                        </a:solidFill>
+                        <a:effectLst/>
+                        <a:latin typeface="+mn-ea"/>
+                        <a:ea typeface="+mn-ea"/>
+                      </a:endParaRPr>
+                    </a:p>
+                  </a:txBody>
+                  <a:tcPr marL="0" marR="0" marT="0" marB="0" anchor="ctr">
+                    <a:solidFill>
+                      <a:schemeClr val="bg1">
+                        <a:lumMod val="95000"/>
+                      </a:schemeClr>
+                    </a:solidFill>
+                  </a:tcPr>
+                </a:tc>
+                <a:tc>
+                  <a:txBody>
+                    <a:bodyPr/>
+                    <a:lstStyle/>
+                    <a:p>
+                      <a:pPr algn="r" fontAlgn="ctr"/>
+                      <a:endParaRPr lang="en-US" altLang="zh-CN" sz="900" b="0" i="0" u="none" strike="noStrike" dirty="0">
+                        <a:solidFill>
+                          <a:srgbClr val="000000"/>
+                        </a:solidFill>
+                        <a:effectLst/>
+                        <a:latin typeface="+mn-ea"/>
+                        <a:ea typeface="+mn-ea"/>
+                      </a:endParaRPr>
+                    </a:p>
+                  </a:txBody>
+                  <a:tcPr marL="0" marR="0" marT="0" marB="0" anchor="ctr">
+                    <a:solidFill>
+                      <a:schemeClr val="bg1">
+                        <a:lumMod val="95000"/>
+                      </a:schemeClr>
+                    </a:solidFill>
+                  </a:tcPr>
+                </a:tc>
+              </a:tr>
+              <a:tr h="149845">
+                <a:tc>
+                  <a:txBody>
+                    <a:bodyPr/>
+                    <a:lstStyle/>
+                    <a:p>
+                      <a:pPr marL="0" marR="0" indent="0" algn="l" defTabSz="914400" rtl="0" eaLnBrk="1" fontAlgn="ctr" latinLnBrk="0" hangingPunct="1">
+                        <a:lnSpc>
+                          <a:spcPct val="100000"/>
+                        </a:lnSpc>
+                        <a:spcBef>
+                          <a:spcPts val="0"/>
+                        </a:spcBef>
+                        <a:spcAft>
+                          <a:spcPts val="0"/>
+                        </a:spcAft>
+                        <a:buClrTx/>
+                        <a:buSzTx/>
+                        <a:buFontTx/>
+                        <a:buNone/>
+                        <a:tabLst/>
+                        <a:defRPr/>
+                      </a:pPr>
+                      <a:r>
+                        <a:rPr lang="en-US" altLang="zh-CN" sz="900" b="0" i="0" u="none" strike="noStrike" dirty="0" smtClean="0">
+                          <a:solidFill>
+                            <a:srgbClr val="000000"/>
+                          </a:solidFill>
+                          <a:effectLst/>
+                          <a:latin typeface="Wingdings" panose="05000000000000000000" pitchFamily="2" charset="2"/>
+                        </a:rPr>
+                        <a:t>Þ</a:t>
+                      </a:r>
+                      <a:r>
+                        <a:rPr lang="zh-CN" altLang="en-US" sz="900" u="none" strike="noStrike" dirty="0" smtClean="0">
+                          <a:effectLst/>
+                        </a:rPr>
+                        <a:t> </a:t>
+                      </a:r>
+                      <a:r>
+                        <a:rPr lang="zh-CN" altLang="en-US" sz="900" u="none" strike="noStrike" dirty="0" smtClean="0">
+                          <a:effectLst/>
+                        </a:rPr>
+                        <a:t>环比下降</a:t>
+                      </a:r>
+                      <a:endParaRPr lang="zh-CN" altLang="en-US" sz="900" b="0" i="0" u="none" strike="noStrike" dirty="0" smtClean="0">
+                        <a:solidFill>
+                          <a:srgbClr val="000000"/>
+                        </a:solidFill>
+                        <a:effectLst/>
+                        <a:latin typeface="微软雅黑" panose="020B0503020204020204" pitchFamily="34" charset="-122"/>
+                        <a:ea typeface="微软雅黑" panose="020B0503020204020204" pitchFamily="34" charset="-122"/>
+                      </a:endParaRPr>
+                    </a:p>
+                  </a:txBody>
+                  <a:tcPr marL="0" marR="0" marT="0" marB="0" anchor="ctr"/>
+                </a:tc>
+                <a:tc>
+                  <a:txBody>
+                    <a:bodyPr/>
+                    <a:lstStyle/>
+                    <a:p>
+                      <a:pPr algn="l" fontAlgn="ctr"/>
+                      <a:r>
+                        <a:rPr lang="zh-CN" altLang="en-US" sz="900" u="none" strike="noStrike" dirty="0">
+                          <a:effectLst/>
+                        </a:rPr>
+                        <a:t>　</a:t>
+                      </a:r>
+                      <a:endParaRPr lang="zh-CN" altLang="en-US" sz="900" b="0" i="0" u="none" strike="noStrike" dirty="0">
+                        <a:solidFill>
+                          <a:srgbClr val="000000"/>
+                        </a:solidFill>
+                        <a:effectLst/>
+                        <a:latin typeface="微软雅黑" panose="020B0503020204020204" pitchFamily="34" charset="-122"/>
+                        <a:ea typeface="微软雅黑" panose="020B0503020204020204" pitchFamily="34" charset="-122"/>
+                      </a:endParaRPr>
+                    </a:p>
+                  </a:txBody>
+                  <a:tcPr marL="0" marR="0" marT="0" marB="0" anchor="ctr">
+                    <a:solidFill>
+                      <a:schemeClr val="bg1">
+                        <a:lumMod val="95000"/>
+                      </a:schemeClr>
+                    </a:solidFill>
+                  </a:tcPr>
+                </a:tc>
+                <a:tc>
+                  <a:txBody>
+                    <a:bodyPr/>
+                    <a:lstStyle/>
+                    <a:p>
+                      <a:pPr algn="l" fontAlgn="ctr"/>
+                      <a:endParaRPr lang="zh-CN" altLang="en-US" sz="900" b="0" i="0" u="none" strike="noStrike" dirty="0">
+                        <a:solidFill>
+                          <a:srgbClr val="000000"/>
+                        </a:solidFill>
+                        <a:effectLst/>
+                        <a:latin typeface="微软雅黑" panose="020B0503020204020204" pitchFamily="34" charset="-122"/>
+                        <a:ea typeface="微软雅黑" panose="020B0503020204020204" pitchFamily="34" charset="-122"/>
+                      </a:endParaRPr>
+                    </a:p>
+                  </a:txBody>
+                  <a:tcPr marL="0" marR="0" marT="0" marB="0" anchor="ctr">
+                    <a:solidFill>
+                      <a:schemeClr val="bg1">
+                        <a:lumMod val="95000"/>
+                      </a:schemeClr>
+                    </a:solidFill>
+                  </a:tcPr>
+                </a:tc>
+                <a:tc>
+                  <a:txBody>
+                    <a:bodyPr/>
+                    <a:lstStyle/>
+                    <a:p>
+                      <a:pPr algn="l" fontAlgn="ctr"/>
+                      <a:endParaRPr lang="zh-CN" altLang="en-US" sz="900" b="0" i="0" u="none" strike="noStrike" dirty="0">
+                        <a:solidFill>
+                          <a:srgbClr val="000000"/>
+                        </a:solidFill>
+                        <a:effectLst/>
+                        <a:latin typeface="微软雅黑" panose="020B0503020204020204" pitchFamily="34" charset="-122"/>
+                        <a:ea typeface="微软雅黑" panose="020B0503020204020204" pitchFamily="34" charset="-122"/>
+                      </a:endParaRPr>
+                    </a:p>
+                  </a:txBody>
+                  <a:tcPr marL="0" marR="0" marT="0" marB="0" anchor="ctr">
+                    <a:solidFill>
+                      <a:schemeClr val="bg1">
+                        <a:lumMod val="95000"/>
+                      </a:schemeClr>
+                    </a:solidFill>
+                  </a:tcPr>
+                </a:tc>
+                <a:tc>
+                  <a:txBody>
+                    <a:bodyPr/>
+                    <a:lstStyle/>
+                    <a:p>
+                      <a:pPr algn="r" fontAlgn="ctr"/>
+                      <a:r>
+                        <a:rPr lang="en-US" altLang="zh-CN" sz="900" u="none" strike="noStrike" dirty="0" smtClean="0">
+                          <a:effectLst/>
+                        </a:rPr>
+                        <a:t>Q2</a:t>
+                      </a:r>
+                      <a:endParaRPr lang="zh-CN" altLang="en-US" sz="900" b="0" i="0" u="none" strike="noStrike" dirty="0">
+                        <a:solidFill>
+                          <a:srgbClr val="000000"/>
+                        </a:solidFill>
+                        <a:effectLst/>
+                        <a:latin typeface="微软雅黑" panose="020B0503020204020204" pitchFamily="34" charset="-122"/>
+                        <a:ea typeface="微软雅黑" panose="020B0503020204020204" pitchFamily="34" charset="-122"/>
+                      </a:endParaRPr>
+                    </a:p>
+                  </a:txBody>
+                  <a:tcPr marL="0" marR="0" marT="0" marB="0" anchor="ctr">
+                    <a:solidFill>
+                      <a:schemeClr val="bg1">
+                        <a:lumMod val="95000"/>
+                      </a:schemeClr>
+                    </a:solidFill>
+                  </a:tcPr>
+                </a:tc>
+                <a:tc>
+                  <a:txBody>
+                    <a:bodyPr/>
+                    <a:lstStyle/>
+                    <a:p>
+                      <a:pPr algn="r" fontAlgn="ctr"/>
+                      <a:r>
+                        <a:rPr lang="en-US" altLang="zh-CN" sz="900" u="none" strike="noStrike" dirty="0" smtClean="0">
+                          <a:effectLst/>
+                          <a:latin typeface="+mn-ea"/>
+                          <a:ea typeface="+mn-ea"/>
+                        </a:rPr>
+                        <a:t>3.2</a:t>
+                      </a:r>
+                      <a:endParaRPr lang="en-US" altLang="zh-CN" sz="900" b="0" i="0" u="none" strike="noStrike" dirty="0">
+                        <a:solidFill>
+                          <a:srgbClr val="000000"/>
+                        </a:solidFill>
+                        <a:effectLst/>
+                        <a:latin typeface="+mn-ea"/>
+                        <a:ea typeface="+mn-ea"/>
+                      </a:endParaRPr>
+                    </a:p>
+                  </a:txBody>
+                  <a:tcPr marL="0" marR="0" marT="0" marB="0" anchor="ctr">
+                    <a:solidFill>
+                      <a:schemeClr val="bg1">
+                        <a:lumMod val="95000"/>
+                      </a:schemeClr>
+                    </a:solidFill>
+                  </a:tcPr>
+                </a:tc>
+                <a:tc>
+                  <a:txBody>
+                    <a:bodyPr/>
+                    <a:lstStyle/>
+                    <a:p>
+                      <a:pPr algn="r" fontAlgn="ctr"/>
+                      <a:r>
+                        <a:rPr lang="en-US" altLang="zh-CN" sz="900" u="none" strike="noStrike" dirty="0">
+                          <a:effectLst/>
+                          <a:latin typeface="+mn-ea"/>
+                          <a:ea typeface="+mn-ea"/>
+                        </a:rPr>
+                        <a:t>3.0</a:t>
+                      </a:r>
+                      <a:endParaRPr lang="en-US" altLang="zh-CN" sz="900" b="0" i="0" u="none" strike="noStrike" dirty="0">
+                        <a:solidFill>
+                          <a:srgbClr val="000000"/>
+                        </a:solidFill>
+                        <a:effectLst/>
+                        <a:latin typeface="+mn-ea"/>
+                        <a:ea typeface="+mn-ea"/>
+                      </a:endParaRPr>
+                    </a:p>
+                  </a:txBody>
+                  <a:tcPr marL="0" marR="0" marT="0" marB="0" anchor="ctr">
+                    <a:solidFill>
+                      <a:schemeClr val="bg1">
+                        <a:lumMod val="95000"/>
+                      </a:schemeClr>
+                    </a:solidFill>
+                  </a:tcPr>
+                </a:tc>
+                <a:tc>
+                  <a:txBody>
+                    <a:bodyPr/>
+                    <a:lstStyle/>
+                    <a:p>
+                      <a:pPr algn="r" fontAlgn="ctr"/>
+                      <a:r>
+                        <a:rPr lang="en-US" altLang="zh-CN" sz="900" u="none" strike="noStrike" dirty="0">
+                          <a:effectLst/>
+                          <a:latin typeface="+mn-ea"/>
+                          <a:ea typeface="+mn-ea"/>
+                        </a:rPr>
+                        <a:t>3.4</a:t>
+                      </a:r>
+                      <a:endParaRPr lang="en-US" altLang="zh-CN" sz="900" b="0" i="0" u="none" strike="noStrike" dirty="0">
+                        <a:solidFill>
+                          <a:srgbClr val="000000"/>
+                        </a:solidFill>
+                        <a:effectLst/>
+                        <a:latin typeface="+mn-ea"/>
+                        <a:ea typeface="+mn-ea"/>
+                      </a:endParaRPr>
+                    </a:p>
+                  </a:txBody>
+                  <a:tcPr marL="0" marR="0" marT="0" marB="0" anchor="ctr">
+                    <a:solidFill>
+                      <a:schemeClr val="bg1">
+                        <a:lumMod val="95000"/>
+                      </a:schemeClr>
+                    </a:solidFill>
+                  </a:tcPr>
+                </a:tc>
+                <a:tc>
+                  <a:txBody>
+                    <a:bodyPr/>
+                    <a:lstStyle/>
+                    <a:p>
+                      <a:pPr algn="r" fontAlgn="ctr"/>
+                      <a:endParaRPr lang="en-US" altLang="zh-CN" sz="900" b="0" i="0" u="none" strike="noStrike" dirty="0">
+                        <a:solidFill>
+                          <a:srgbClr val="000000"/>
+                        </a:solidFill>
+                        <a:effectLst/>
+                        <a:latin typeface="+mn-ea"/>
+                        <a:ea typeface="+mn-ea"/>
+                      </a:endParaRPr>
+                    </a:p>
+                  </a:txBody>
+                  <a:tcPr marL="0" marR="0" marT="0" marB="0" anchor="ctr">
+                    <a:solidFill>
+                      <a:schemeClr val="bg1">
+                        <a:lumMod val="95000"/>
+                      </a:schemeClr>
+                    </a:solidFill>
+                  </a:tcPr>
+                </a:tc>
+              </a:tr>
+              <a:tr h="159846">
+                <a:tc>
+                  <a:txBody>
+                    <a:bodyPr/>
+                    <a:lstStyle/>
+                    <a:p>
+                      <a:pPr algn="l" fontAlgn="ctr"/>
+                      <a:endParaRPr lang="zh-CN" altLang="en-US" sz="900" b="0" i="0" u="none" strike="noStrike" dirty="0">
+                        <a:solidFill>
+                          <a:srgbClr val="000000"/>
+                        </a:solidFill>
+                        <a:effectLst/>
+                        <a:latin typeface="微软雅黑" panose="020B0503020204020204" pitchFamily="34" charset="-122"/>
+                        <a:ea typeface="微软雅黑" panose="020B0503020204020204" pitchFamily="34" charset="-122"/>
+                      </a:endParaRPr>
+                    </a:p>
+                  </a:txBody>
+                  <a:tcPr marL="0" marR="0" marT="0" marB="0" anchor="ctr"/>
+                </a:tc>
+                <a:tc>
+                  <a:txBody>
+                    <a:bodyPr/>
+                    <a:lstStyle/>
+                    <a:p>
+                      <a:pPr algn="l" fontAlgn="ctr"/>
+                      <a:r>
+                        <a:rPr lang="zh-CN" altLang="en-US" sz="900" u="none" strike="noStrike" dirty="0">
+                          <a:effectLst/>
+                        </a:rPr>
+                        <a:t>　</a:t>
+                      </a:r>
+                      <a:endParaRPr lang="zh-CN" altLang="en-US" sz="900" b="0" i="0" u="none" strike="noStrike" dirty="0">
+                        <a:solidFill>
+                          <a:srgbClr val="000000"/>
+                        </a:solidFill>
+                        <a:effectLst/>
+                        <a:latin typeface="微软雅黑" panose="020B0503020204020204" pitchFamily="34" charset="-122"/>
+                        <a:ea typeface="微软雅黑" panose="020B0503020204020204" pitchFamily="34" charset="-122"/>
+                      </a:endParaRPr>
+                    </a:p>
+                  </a:txBody>
+                  <a:tcPr marL="0" marR="0" marT="0" marB="0" anchor="ctr">
+                    <a:solidFill>
+                      <a:schemeClr val="bg1">
+                        <a:lumMod val="95000"/>
+                      </a:schemeClr>
+                    </a:solidFill>
+                  </a:tcPr>
+                </a:tc>
+                <a:tc>
+                  <a:txBody>
+                    <a:bodyPr/>
+                    <a:lstStyle/>
+                    <a:p>
+                      <a:pPr algn="l" fontAlgn="ctr"/>
+                      <a:endParaRPr lang="zh-CN" altLang="en-US" sz="900" b="0" i="0" u="none" strike="noStrike" dirty="0">
+                        <a:solidFill>
+                          <a:srgbClr val="000000"/>
+                        </a:solidFill>
+                        <a:effectLst/>
+                        <a:latin typeface="微软雅黑" panose="020B0503020204020204" pitchFamily="34" charset="-122"/>
+                        <a:ea typeface="微软雅黑" panose="020B0503020204020204" pitchFamily="34" charset="-122"/>
+                      </a:endParaRPr>
+                    </a:p>
+                  </a:txBody>
+                  <a:tcPr marL="0" marR="0" marT="0" marB="0" anchor="ctr">
+                    <a:solidFill>
+                      <a:schemeClr val="bg1">
+                        <a:lumMod val="95000"/>
+                      </a:schemeClr>
+                    </a:solidFill>
+                  </a:tcPr>
+                </a:tc>
+                <a:tc>
+                  <a:txBody>
+                    <a:bodyPr/>
+                    <a:lstStyle/>
+                    <a:p>
+                      <a:pPr algn="l" fontAlgn="ctr"/>
+                      <a:endParaRPr lang="zh-CN" altLang="en-US" sz="900" b="0" i="0" u="none" strike="noStrike" dirty="0">
+                        <a:solidFill>
+                          <a:srgbClr val="000000"/>
+                        </a:solidFill>
+                        <a:effectLst/>
+                        <a:latin typeface="微软雅黑" panose="020B0503020204020204" pitchFamily="34" charset="-122"/>
+                        <a:ea typeface="微软雅黑" panose="020B0503020204020204" pitchFamily="34" charset="-122"/>
+                      </a:endParaRPr>
+                    </a:p>
+                  </a:txBody>
+                  <a:tcPr marL="0" marR="0" marT="0" marB="0" anchor="ctr">
+                    <a:solidFill>
+                      <a:schemeClr val="bg1">
+                        <a:lumMod val="95000"/>
+                      </a:schemeClr>
+                    </a:solidFill>
+                  </a:tcPr>
+                </a:tc>
+                <a:tc>
+                  <a:txBody>
+                    <a:bodyPr/>
+                    <a:lstStyle/>
+                    <a:p>
+                      <a:pPr algn="r" fontAlgn="ctr"/>
+                      <a:r>
+                        <a:rPr lang="en-US" altLang="zh-CN" sz="900" u="none" strike="noStrike" dirty="0" smtClean="0">
+                          <a:effectLst/>
+                        </a:rPr>
+                        <a:t>Q3</a:t>
+                      </a:r>
+                      <a:endParaRPr lang="zh-CN" altLang="en-US" sz="900" b="0" i="0" u="none" strike="noStrike" dirty="0">
+                        <a:solidFill>
+                          <a:srgbClr val="000000"/>
+                        </a:solidFill>
+                        <a:effectLst/>
+                        <a:latin typeface="微软雅黑" panose="020B0503020204020204" pitchFamily="34" charset="-122"/>
+                        <a:ea typeface="微软雅黑" panose="020B0503020204020204" pitchFamily="34" charset="-122"/>
+                      </a:endParaRPr>
+                    </a:p>
+                  </a:txBody>
+                  <a:tcPr marL="0" marR="0" marT="0" marB="0" anchor="ctr">
+                    <a:solidFill>
+                      <a:schemeClr val="bg1">
+                        <a:lumMod val="95000"/>
+                      </a:schemeClr>
+                    </a:solidFill>
+                  </a:tcPr>
+                </a:tc>
+                <a:tc>
+                  <a:txBody>
+                    <a:bodyPr/>
+                    <a:lstStyle/>
+                    <a:p>
+                      <a:pPr algn="r" fontAlgn="ctr"/>
+                      <a:r>
+                        <a:rPr lang="en-US" altLang="zh-CN" sz="900" u="none" strike="noStrike" dirty="0" smtClean="0">
+                          <a:effectLst/>
+                          <a:latin typeface="+mn-ea"/>
+                          <a:ea typeface="+mn-ea"/>
+                        </a:rPr>
+                        <a:t>3.6</a:t>
+                      </a:r>
+                      <a:endParaRPr lang="en-US" altLang="zh-CN" sz="900" b="0" i="0" u="none" strike="noStrike" dirty="0">
+                        <a:solidFill>
+                          <a:srgbClr val="000000"/>
+                        </a:solidFill>
+                        <a:effectLst/>
+                        <a:latin typeface="+mn-ea"/>
+                        <a:ea typeface="+mn-ea"/>
+                      </a:endParaRPr>
+                    </a:p>
+                  </a:txBody>
+                  <a:tcPr marL="0" marR="0" marT="0" marB="0" anchor="ctr">
+                    <a:solidFill>
+                      <a:schemeClr val="bg1">
+                        <a:lumMod val="95000"/>
+                      </a:schemeClr>
+                    </a:solidFill>
+                  </a:tcPr>
+                </a:tc>
+                <a:tc>
+                  <a:txBody>
+                    <a:bodyPr/>
+                    <a:lstStyle/>
+                    <a:p>
+                      <a:pPr algn="r" fontAlgn="ctr"/>
+                      <a:r>
+                        <a:rPr lang="en-US" altLang="zh-CN" sz="900" u="none" strike="noStrike" dirty="0">
+                          <a:effectLst/>
+                          <a:latin typeface="+mn-ea"/>
+                          <a:ea typeface="+mn-ea"/>
+                        </a:rPr>
+                        <a:t>3.0</a:t>
+                      </a:r>
+                      <a:endParaRPr lang="en-US" altLang="zh-CN" sz="900" b="0" i="0" u="none" strike="noStrike" dirty="0">
+                        <a:solidFill>
+                          <a:srgbClr val="000000"/>
+                        </a:solidFill>
+                        <a:effectLst/>
+                        <a:latin typeface="+mn-ea"/>
+                        <a:ea typeface="+mn-ea"/>
+                      </a:endParaRPr>
+                    </a:p>
+                  </a:txBody>
+                  <a:tcPr marL="0" marR="0" marT="0" marB="0" anchor="ctr">
+                    <a:solidFill>
+                      <a:schemeClr val="bg1">
+                        <a:lumMod val="95000"/>
+                      </a:schemeClr>
+                    </a:solidFill>
+                  </a:tcPr>
+                </a:tc>
+                <a:tc>
+                  <a:txBody>
+                    <a:bodyPr/>
+                    <a:lstStyle/>
+                    <a:p>
+                      <a:pPr algn="r" fontAlgn="ctr"/>
+                      <a:r>
+                        <a:rPr lang="en-US" altLang="zh-CN" sz="900" u="none" strike="noStrike" dirty="0">
+                          <a:effectLst/>
+                          <a:latin typeface="+mn-ea"/>
+                          <a:ea typeface="+mn-ea"/>
+                        </a:rPr>
+                        <a:t>3.6</a:t>
+                      </a:r>
+                      <a:endParaRPr lang="en-US" altLang="zh-CN" sz="900" b="0" i="0" u="none" strike="noStrike" dirty="0">
+                        <a:solidFill>
+                          <a:srgbClr val="000000"/>
+                        </a:solidFill>
+                        <a:effectLst/>
+                        <a:latin typeface="+mn-ea"/>
+                        <a:ea typeface="+mn-ea"/>
+                      </a:endParaRPr>
+                    </a:p>
+                  </a:txBody>
+                  <a:tcPr marL="0" marR="0" marT="0" marB="0" anchor="ctr">
+                    <a:solidFill>
+                      <a:schemeClr val="bg1">
+                        <a:lumMod val="95000"/>
+                      </a:schemeClr>
+                    </a:solidFill>
+                  </a:tcPr>
+                </a:tc>
+                <a:tc>
+                  <a:txBody>
+                    <a:bodyPr/>
+                    <a:lstStyle/>
+                    <a:p>
+                      <a:pPr algn="r" fontAlgn="ctr"/>
+                      <a:endParaRPr lang="en-US" altLang="zh-CN" sz="900" b="0" i="0" u="none" strike="noStrike" dirty="0">
+                        <a:solidFill>
+                          <a:srgbClr val="000000"/>
+                        </a:solidFill>
+                        <a:effectLst/>
+                        <a:latin typeface="+mn-ea"/>
+                        <a:ea typeface="+mn-ea"/>
+                      </a:endParaRPr>
+                    </a:p>
+                  </a:txBody>
+                  <a:tcPr marL="0" marR="0" marT="0" marB="0" anchor="ctr">
+                    <a:solidFill>
+                      <a:schemeClr val="bg1">
+                        <a:lumMod val="95000"/>
+                      </a:schemeClr>
+                    </a:solidFill>
+                  </a:tcPr>
+                </a:tc>
+              </a:tr>
+            </a:tbl>
+          </a:graphicData>
+        </a:graphic>
+      </p:graphicFrame>
+    </p:spTree>
+    <p:extLst>
+      <p:ext uri="{BB962C8B-B14F-4D97-AF65-F5344CB8AC3E}">
+        <p14:creationId xmlns:p14="http://schemas.microsoft.com/office/powerpoint/2010/main" val="1796210877"/>
       </p:ext>
     </p:extLst>
   </p:cSld>

--- a/src/test/resources/template.pptx
+++ b/src/test/resources/template.pptx
@@ -7,6 +7,7 @@
   <p:sldIdLst>
     <p:sldId id="256" r:id="rId2"/>
     <p:sldId id="257" r:id="rId3"/>
+    <p:sldId id="258" r:id="rId4"/>
   </p:sldIdLst>
   <p:sldSz cx="12192000" cy="6858000"/>
   <p:notesSz cx="6858000" cy="9144000"/>
@@ -107,7 +108,7 @@
   </p:defaultTextStyle>
   <p:extLst>
     <p:ext uri="{EFAFB233-063F-42B5-8137-9DF3F51BA10A}">
-      <p15:sldGuideLst xmlns:p15="http://schemas.microsoft.com/office/powerpoint/2012/main"/>
+      <p15:sldGuideLst xmlns:p15="http://schemas.microsoft.com/office/powerpoint/2012/main" xmlns=""/>
     </p:ext>
   </p:extLst>
 </p:presentation>
@@ -445,11 +446,11 @@
           <c:showBubbleSize val="0"/>
         </c:dLbls>
         <c:gapWidth val="150"/>
-        <c:axId val="316216592"/>
-        <c:axId val="316216032"/>
+        <c:axId val="205527296"/>
+        <c:axId val="205553664"/>
       </c:barChart>
       <c:catAx>
-        <c:axId val="316216592"/>
+        <c:axId val="205527296"/>
         <c:scaling>
           <c:orientation val="minMax"/>
         </c:scaling>
@@ -459,7 +460,7 @@
         <c:majorTickMark val="none"/>
         <c:minorTickMark val="none"/>
         <c:tickLblPos val="nextTo"/>
-        <c:crossAx val="316216032"/>
+        <c:crossAx val="205553664"/>
         <c:crosses val="autoZero"/>
         <c:auto val="1"/>
         <c:lblAlgn val="ctr"/>
@@ -467,7 +468,7 @@
         <c:noMultiLvlLbl val="0"/>
       </c:catAx>
       <c:valAx>
-        <c:axId val="316216032"/>
+        <c:axId val="205553664"/>
         <c:scaling>
           <c:orientation val="minMax"/>
           <c:max val="5"/>
@@ -479,7 +480,7 @@
         <c:majorTickMark val="none"/>
         <c:minorTickMark val="none"/>
         <c:tickLblPos val="nextTo"/>
-        <c:crossAx val="316216592"/>
+        <c:crossAx val="205527296"/>
         <c:crosses val="autoZero"/>
         <c:crossBetween val="between"/>
         <c:majorUnit val="1"/>
@@ -601,6 +602,711 @@
 </file>
 
 <file path=ppt/slideLayouts/slideLayout1.xml><?xml version="1.0" encoding="utf-8"?>
+<p:sldLayout xmlns:a="http://schemas.openxmlformats.org/drawingml/2006/main" xmlns:r="http://schemas.openxmlformats.org/officeDocument/2006/relationships" xmlns:p="http://schemas.openxmlformats.org/presentationml/2006/main" preserve="1" userDrawn="1">
+  <p:cSld name="自定义版式">
+    <p:spTree>
+      <p:nvGrpSpPr>
+        <p:cNvPr id="1" name=""/>
+        <p:cNvGrpSpPr/>
+        <p:nvPr/>
+      </p:nvGrpSpPr>
+      <p:grpSpPr>
+        <a:xfrm>
+          <a:off x="0" y="0"/>
+          <a:ext cx="0" cy="0"/>
+          <a:chOff x="0" y="0"/>
+          <a:chExt cx="0" cy="0"/>
+        </a:xfrm>
+      </p:grpSpPr>
+      <p:sp>
+        <p:nvSpPr>
+          <p:cNvPr id="3" name="日期占位符 2"/>
+          <p:cNvSpPr>
+            <a:spLocks noGrp="1"/>
+          </p:cNvSpPr>
+          <p:nvPr>
+            <p:ph type="dt" sz="half" idx="10"/>
+          </p:nvPr>
+        </p:nvSpPr>
+        <p:spPr/>
+        <p:txBody>
+          <a:bodyPr/>
+          <a:lstStyle/>
+          <a:p>
+            <a:fld id="{21E0F7C6-549C-4E14-BC17-E990DE6075CB}" type="datetimeFigureOut">
+              <a:rPr lang="zh-CN" altLang="en-US" smtClean="0"/>
+              <a:t>2020/1/11</a:t>
+            </a:fld>
+            <a:endParaRPr lang="zh-CN" altLang="en-US"/>
+          </a:p>
+        </p:txBody>
+      </p:sp>
+      <p:sp>
+        <p:nvSpPr>
+          <p:cNvPr id="4" name="页脚占位符 3"/>
+          <p:cNvSpPr>
+            <a:spLocks noGrp="1"/>
+          </p:cNvSpPr>
+          <p:nvPr>
+            <p:ph type="ftr" sz="quarter" idx="11"/>
+          </p:nvPr>
+        </p:nvSpPr>
+        <p:spPr/>
+        <p:txBody>
+          <a:bodyPr/>
+          <a:lstStyle/>
+          <a:p>
+            <a:endParaRPr lang="zh-CN" altLang="en-US"/>
+          </a:p>
+        </p:txBody>
+      </p:sp>
+      <p:sp>
+        <p:nvSpPr>
+          <p:cNvPr id="5" name="灯片编号占位符 4"/>
+          <p:cNvSpPr>
+            <a:spLocks noGrp="1"/>
+          </p:cNvSpPr>
+          <p:nvPr>
+            <p:ph type="sldNum" sz="quarter" idx="12"/>
+          </p:nvPr>
+        </p:nvSpPr>
+        <p:spPr/>
+        <p:txBody>
+          <a:bodyPr/>
+          <a:lstStyle/>
+          <a:p>
+            <a:fld id="{07C9248B-BEDA-4DD0-88E1-74161DD24B08}" type="slidenum">
+              <a:rPr lang="zh-CN" altLang="en-US" smtClean="0"/>
+              <a:t>‹#›</a:t>
+            </a:fld>
+            <a:endParaRPr lang="zh-CN" altLang="en-US"/>
+          </a:p>
+        </p:txBody>
+      </p:sp>
+    </p:spTree>
+    <p:extLst>
+      <p:ext uri="{BB962C8B-B14F-4D97-AF65-F5344CB8AC3E}">
+        <p14:creationId xmlns:p14="http://schemas.microsoft.com/office/powerpoint/2010/main" val="2862062231"/>
+      </p:ext>
+    </p:extLst>
+  </p:cSld>
+  <p:clrMapOvr>
+    <a:masterClrMapping/>
+  </p:clrMapOvr>
+  <p:timing>
+    <p:tnLst>
+      <p:par>
+        <p:cTn id="1" dur="indefinite" restart="never" nodeType="tmRoot"/>
+      </p:par>
+    </p:tnLst>
+  </p:timing>
+</p:sldLayout>
+</file>
+
+<file path=ppt/slideLayouts/slideLayout10.xml><?xml version="1.0" encoding="utf-8"?>
+<p:sldLayout xmlns:a="http://schemas.openxmlformats.org/drawingml/2006/main" xmlns:r="http://schemas.openxmlformats.org/officeDocument/2006/relationships" xmlns:p="http://schemas.openxmlformats.org/presentationml/2006/main" type="picTx" preserve="1">
+  <p:cSld name="图片与标题">
+    <p:spTree>
+      <p:nvGrpSpPr>
+        <p:cNvPr id="1" name=""/>
+        <p:cNvGrpSpPr/>
+        <p:nvPr/>
+      </p:nvGrpSpPr>
+      <p:grpSpPr>
+        <a:xfrm>
+          <a:off x="0" y="0"/>
+          <a:ext cx="0" cy="0"/>
+          <a:chOff x="0" y="0"/>
+          <a:chExt cx="0" cy="0"/>
+        </a:xfrm>
+      </p:grpSpPr>
+      <p:sp>
+        <p:nvSpPr>
+          <p:cNvPr id="2" name="标题 1"/>
+          <p:cNvSpPr>
+            <a:spLocks noGrp="1"/>
+          </p:cNvSpPr>
+          <p:nvPr>
+            <p:ph type="title"/>
+          </p:nvPr>
+        </p:nvSpPr>
+        <p:spPr>
+          <a:xfrm>
+            <a:off x="839788" y="457200"/>
+            <a:ext cx="3932237" cy="1600200"/>
+          </a:xfrm>
+        </p:spPr>
+        <p:txBody>
+          <a:bodyPr anchor="b"/>
+          <a:lstStyle>
+            <a:lvl1pPr>
+              <a:defRPr sz="3200"/>
+            </a:lvl1pPr>
+          </a:lstStyle>
+          <a:p>
+            <a:r>
+              <a:rPr lang="zh-CN" altLang="en-US" smtClean="0"/>
+              <a:t>单击此处编辑母版标题样式</a:t>
+            </a:r>
+            <a:endParaRPr lang="zh-CN" altLang="en-US"/>
+          </a:p>
+        </p:txBody>
+      </p:sp>
+      <p:sp>
+        <p:nvSpPr>
+          <p:cNvPr id="3" name="图片占位符 2"/>
+          <p:cNvSpPr>
+            <a:spLocks noGrp="1"/>
+          </p:cNvSpPr>
+          <p:nvPr>
+            <p:ph type="pic" idx="1"/>
+          </p:nvPr>
+        </p:nvSpPr>
+        <p:spPr>
+          <a:xfrm>
+            <a:off x="5183188" y="987425"/>
+            <a:ext cx="6172200" cy="4873625"/>
+          </a:xfrm>
+        </p:spPr>
+        <p:txBody>
+          <a:bodyPr/>
+          <a:lstStyle>
+            <a:lvl1pPr marL="0" indent="0">
+              <a:buNone/>
+              <a:defRPr sz="3200"/>
+            </a:lvl1pPr>
+            <a:lvl2pPr marL="457200" indent="0">
+              <a:buNone/>
+              <a:defRPr sz="2800"/>
+            </a:lvl2pPr>
+            <a:lvl3pPr marL="914400" indent="0">
+              <a:buNone/>
+              <a:defRPr sz="2400"/>
+            </a:lvl3pPr>
+            <a:lvl4pPr marL="1371600" indent="0">
+              <a:buNone/>
+              <a:defRPr sz="2000"/>
+            </a:lvl4pPr>
+            <a:lvl5pPr marL="1828800" indent="0">
+              <a:buNone/>
+              <a:defRPr sz="2000"/>
+            </a:lvl5pPr>
+            <a:lvl6pPr marL="2286000" indent="0">
+              <a:buNone/>
+              <a:defRPr sz="2000"/>
+            </a:lvl6pPr>
+            <a:lvl7pPr marL="2743200" indent="0">
+              <a:buNone/>
+              <a:defRPr sz="2000"/>
+            </a:lvl7pPr>
+            <a:lvl8pPr marL="3200400" indent="0">
+              <a:buNone/>
+              <a:defRPr sz="2000"/>
+            </a:lvl8pPr>
+            <a:lvl9pPr marL="3657600" indent="0">
+              <a:buNone/>
+              <a:defRPr sz="2000"/>
+            </a:lvl9pPr>
+          </a:lstStyle>
+          <a:p>
+            <a:endParaRPr lang="zh-CN" altLang="en-US"/>
+          </a:p>
+        </p:txBody>
+      </p:sp>
+      <p:sp>
+        <p:nvSpPr>
+          <p:cNvPr id="4" name="文本占位符 3"/>
+          <p:cNvSpPr>
+            <a:spLocks noGrp="1"/>
+          </p:cNvSpPr>
+          <p:nvPr>
+            <p:ph type="body" sz="half" idx="2"/>
+          </p:nvPr>
+        </p:nvSpPr>
+        <p:spPr>
+          <a:xfrm>
+            <a:off x="839788" y="2057400"/>
+            <a:ext cx="3932237" cy="3811588"/>
+          </a:xfrm>
+        </p:spPr>
+        <p:txBody>
+          <a:bodyPr/>
+          <a:lstStyle>
+            <a:lvl1pPr marL="0" indent="0">
+              <a:buNone/>
+              <a:defRPr sz="1600"/>
+            </a:lvl1pPr>
+            <a:lvl2pPr marL="457200" indent="0">
+              <a:buNone/>
+              <a:defRPr sz="1400"/>
+            </a:lvl2pPr>
+            <a:lvl3pPr marL="914400" indent="0">
+              <a:buNone/>
+              <a:defRPr sz="1200"/>
+            </a:lvl3pPr>
+            <a:lvl4pPr marL="1371600" indent="0">
+              <a:buNone/>
+              <a:defRPr sz="1000"/>
+            </a:lvl4pPr>
+            <a:lvl5pPr marL="1828800" indent="0">
+              <a:buNone/>
+              <a:defRPr sz="1000"/>
+            </a:lvl5pPr>
+            <a:lvl6pPr marL="2286000" indent="0">
+              <a:buNone/>
+              <a:defRPr sz="1000"/>
+            </a:lvl6pPr>
+            <a:lvl7pPr marL="2743200" indent="0">
+              <a:buNone/>
+              <a:defRPr sz="1000"/>
+            </a:lvl7pPr>
+            <a:lvl8pPr marL="3200400" indent="0">
+              <a:buNone/>
+              <a:defRPr sz="1000"/>
+            </a:lvl8pPr>
+            <a:lvl9pPr marL="3657600" indent="0">
+              <a:buNone/>
+              <a:defRPr sz="1000"/>
+            </a:lvl9pPr>
+          </a:lstStyle>
+          <a:p>
+            <a:pPr lvl="0"/>
+            <a:r>
+              <a:rPr lang="zh-CN" altLang="en-US" smtClean="0"/>
+              <a:t>单击此处编辑母版文本样式</a:t>
+            </a:r>
+          </a:p>
+        </p:txBody>
+      </p:sp>
+      <p:sp>
+        <p:nvSpPr>
+          <p:cNvPr id="5" name="日期占位符 4"/>
+          <p:cNvSpPr>
+            <a:spLocks noGrp="1"/>
+          </p:cNvSpPr>
+          <p:nvPr>
+            <p:ph type="dt" sz="half" idx="10"/>
+          </p:nvPr>
+        </p:nvSpPr>
+        <p:spPr/>
+        <p:txBody>
+          <a:bodyPr/>
+          <a:lstStyle/>
+          <a:p>
+            <a:fld id="{21E0F7C6-549C-4E14-BC17-E990DE6075CB}" type="datetimeFigureOut">
+              <a:rPr lang="zh-CN" altLang="en-US" smtClean="0"/>
+              <a:t>2020/1/11</a:t>
+            </a:fld>
+            <a:endParaRPr lang="zh-CN" altLang="en-US"/>
+          </a:p>
+        </p:txBody>
+      </p:sp>
+      <p:sp>
+        <p:nvSpPr>
+          <p:cNvPr id="6" name="页脚占位符 5"/>
+          <p:cNvSpPr>
+            <a:spLocks noGrp="1"/>
+          </p:cNvSpPr>
+          <p:nvPr>
+            <p:ph type="ftr" sz="quarter" idx="11"/>
+          </p:nvPr>
+        </p:nvSpPr>
+        <p:spPr/>
+        <p:txBody>
+          <a:bodyPr/>
+          <a:lstStyle/>
+          <a:p>
+            <a:endParaRPr lang="zh-CN" altLang="en-US"/>
+          </a:p>
+        </p:txBody>
+      </p:sp>
+      <p:sp>
+        <p:nvSpPr>
+          <p:cNvPr id="7" name="灯片编号占位符 6"/>
+          <p:cNvSpPr>
+            <a:spLocks noGrp="1"/>
+          </p:cNvSpPr>
+          <p:nvPr>
+            <p:ph type="sldNum" sz="quarter" idx="12"/>
+          </p:nvPr>
+        </p:nvSpPr>
+        <p:spPr/>
+        <p:txBody>
+          <a:bodyPr/>
+          <a:lstStyle/>
+          <a:p>
+            <a:fld id="{07C9248B-BEDA-4DD0-88E1-74161DD24B08}" type="slidenum">
+              <a:rPr lang="zh-CN" altLang="en-US" smtClean="0"/>
+              <a:t>‹#›</a:t>
+            </a:fld>
+            <a:endParaRPr lang="zh-CN" altLang="en-US"/>
+          </a:p>
+        </p:txBody>
+      </p:sp>
+    </p:spTree>
+    <p:extLst>
+      <p:ext uri="{BB962C8B-B14F-4D97-AF65-F5344CB8AC3E}">
+        <p14:creationId xmlns:p14="http://schemas.microsoft.com/office/powerpoint/2010/main" val="2364316333"/>
+      </p:ext>
+    </p:extLst>
+  </p:cSld>
+  <p:clrMapOvr>
+    <a:masterClrMapping/>
+  </p:clrMapOvr>
+</p:sldLayout>
+</file>
+
+<file path=ppt/slideLayouts/slideLayout11.xml><?xml version="1.0" encoding="utf-8"?>
+<p:sldLayout xmlns:a="http://schemas.openxmlformats.org/drawingml/2006/main" xmlns:r="http://schemas.openxmlformats.org/officeDocument/2006/relationships" xmlns:p="http://schemas.openxmlformats.org/presentationml/2006/main" type="vertTx" preserve="1">
+  <p:cSld name="标题和竖排文字">
+    <p:spTree>
+      <p:nvGrpSpPr>
+        <p:cNvPr id="1" name=""/>
+        <p:cNvGrpSpPr/>
+        <p:nvPr/>
+      </p:nvGrpSpPr>
+      <p:grpSpPr>
+        <a:xfrm>
+          <a:off x="0" y="0"/>
+          <a:ext cx="0" cy="0"/>
+          <a:chOff x="0" y="0"/>
+          <a:chExt cx="0" cy="0"/>
+        </a:xfrm>
+      </p:grpSpPr>
+      <p:sp>
+        <p:nvSpPr>
+          <p:cNvPr id="2" name="标题 1"/>
+          <p:cNvSpPr>
+            <a:spLocks noGrp="1"/>
+          </p:cNvSpPr>
+          <p:nvPr>
+            <p:ph type="title"/>
+          </p:nvPr>
+        </p:nvSpPr>
+        <p:spPr/>
+        <p:txBody>
+          <a:bodyPr/>
+          <a:lstStyle/>
+          <a:p>
+            <a:r>
+              <a:rPr lang="zh-CN" altLang="en-US" smtClean="0"/>
+              <a:t>单击此处编辑母版标题样式</a:t>
+            </a:r>
+            <a:endParaRPr lang="zh-CN" altLang="en-US"/>
+          </a:p>
+        </p:txBody>
+      </p:sp>
+      <p:sp>
+        <p:nvSpPr>
+          <p:cNvPr id="3" name="竖排文字占位符 2"/>
+          <p:cNvSpPr>
+            <a:spLocks noGrp="1"/>
+          </p:cNvSpPr>
+          <p:nvPr>
+            <p:ph type="body" orient="vert" idx="1"/>
+          </p:nvPr>
+        </p:nvSpPr>
+        <p:spPr/>
+        <p:txBody>
+          <a:bodyPr vert="eaVert"/>
+          <a:lstStyle/>
+          <a:p>
+            <a:pPr lvl="0"/>
+            <a:r>
+              <a:rPr lang="zh-CN" altLang="en-US" smtClean="0"/>
+              <a:t>单击此处编辑母版文本样式</a:t>
+            </a:r>
+          </a:p>
+          <a:p>
+            <a:pPr lvl="1"/>
+            <a:r>
+              <a:rPr lang="zh-CN" altLang="en-US" smtClean="0"/>
+              <a:t>第二级</a:t>
+            </a:r>
+          </a:p>
+          <a:p>
+            <a:pPr lvl="2"/>
+            <a:r>
+              <a:rPr lang="zh-CN" altLang="en-US" smtClean="0"/>
+              <a:t>第三级</a:t>
+            </a:r>
+          </a:p>
+          <a:p>
+            <a:pPr lvl="3"/>
+            <a:r>
+              <a:rPr lang="zh-CN" altLang="en-US" smtClean="0"/>
+              <a:t>第四级</a:t>
+            </a:r>
+          </a:p>
+          <a:p>
+            <a:pPr lvl="4"/>
+            <a:r>
+              <a:rPr lang="zh-CN" altLang="en-US" smtClean="0"/>
+              <a:t>第五级</a:t>
+            </a:r>
+            <a:endParaRPr lang="zh-CN" altLang="en-US"/>
+          </a:p>
+        </p:txBody>
+      </p:sp>
+      <p:sp>
+        <p:nvSpPr>
+          <p:cNvPr id="4" name="日期占位符 3"/>
+          <p:cNvSpPr>
+            <a:spLocks noGrp="1"/>
+          </p:cNvSpPr>
+          <p:nvPr>
+            <p:ph type="dt" sz="half" idx="10"/>
+          </p:nvPr>
+        </p:nvSpPr>
+        <p:spPr/>
+        <p:txBody>
+          <a:bodyPr/>
+          <a:lstStyle/>
+          <a:p>
+            <a:fld id="{21E0F7C6-549C-4E14-BC17-E990DE6075CB}" type="datetimeFigureOut">
+              <a:rPr lang="zh-CN" altLang="en-US" smtClean="0"/>
+              <a:t>2020/1/11</a:t>
+            </a:fld>
+            <a:endParaRPr lang="zh-CN" altLang="en-US"/>
+          </a:p>
+        </p:txBody>
+      </p:sp>
+      <p:sp>
+        <p:nvSpPr>
+          <p:cNvPr id="5" name="页脚占位符 4"/>
+          <p:cNvSpPr>
+            <a:spLocks noGrp="1"/>
+          </p:cNvSpPr>
+          <p:nvPr>
+            <p:ph type="ftr" sz="quarter" idx="11"/>
+          </p:nvPr>
+        </p:nvSpPr>
+        <p:spPr/>
+        <p:txBody>
+          <a:bodyPr/>
+          <a:lstStyle/>
+          <a:p>
+            <a:endParaRPr lang="zh-CN" altLang="en-US"/>
+          </a:p>
+        </p:txBody>
+      </p:sp>
+      <p:sp>
+        <p:nvSpPr>
+          <p:cNvPr id="6" name="灯片编号占位符 5"/>
+          <p:cNvSpPr>
+            <a:spLocks noGrp="1"/>
+          </p:cNvSpPr>
+          <p:nvPr>
+            <p:ph type="sldNum" sz="quarter" idx="12"/>
+          </p:nvPr>
+        </p:nvSpPr>
+        <p:spPr/>
+        <p:txBody>
+          <a:bodyPr/>
+          <a:lstStyle/>
+          <a:p>
+            <a:fld id="{07C9248B-BEDA-4DD0-88E1-74161DD24B08}" type="slidenum">
+              <a:rPr lang="zh-CN" altLang="en-US" smtClean="0"/>
+              <a:t>‹#›</a:t>
+            </a:fld>
+            <a:endParaRPr lang="zh-CN" altLang="en-US"/>
+          </a:p>
+        </p:txBody>
+      </p:sp>
+    </p:spTree>
+    <p:extLst>
+      <p:ext uri="{BB962C8B-B14F-4D97-AF65-F5344CB8AC3E}">
+        <p14:creationId xmlns:p14="http://schemas.microsoft.com/office/powerpoint/2010/main" val="4017856127"/>
+      </p:ext>
+    </p:extLst>
+  </p:cSld>
+  <p:clrMapOvr>
+    <a:masterClrMapping/>
+  </p:clrMapOvr>
+</p:sldLayout>
+</file>
+
+<file path=ppt/slideLayouts/slideLayout12.xml><?xml version="1.0" encoding="utf-8"?>
+<p:sldLayout xmlns:a="http://schemas.openxmlformats.org/drawingml/2006/main" xmlns:r="http://schemas.openxmlformats.org/officeDocument/2006/relationships" xmlns:p="http://schemas.openxmlformats.org/presentationml/2006/main" type="vertTitleAndTx" preserve="1">
+  <p:cSld name="垂直排列标题与&#10;文本">
+    <p:spTree>
+      <p:nvGrpSpPr>
+        <p:cNvPr id="1" name=""/>
+        <p:cNvGrpSpPr/>
+        <p:nvPr/>
+      </p:nvGrpSpPr>
+      <p:grpSpPr>
+        <a:xfrm>
+          <a:off x="0" y="0"/>
+          <a:ext cx="0" cy="0"/>
+          <a:chOff x="0" y="0"/>
+          <a:chExt cx="0" cy="0"/>
+        </a:xfrm>
+      </p:grpSpPr>
+      <p:sp>
+        <p:nvSpPr>
+          <p:cNvPr id="2" name="竖排标题 1"/>
+          <p:cNvSpPr>
+            <a:spLocks noGrp="1"/>
+          </p:cNvSpPr>
+          <p:nvPr>
+            <p:ph type="title" orient="vert"/>
+          </p:nvPr>
+        </p:nvSpPr>
+        <p:spPr>
+          <a:xfrm>
+            <a:off x="8724900" y="365125"/>
+            <a:ext cx="2628900" cy="5811838"/>
+          </a:xfrm>
+        </p:spPr>
+        <p:txBody>
+          <a:bodyPr vert="eaVert"/>
+          <a:lstStyle/>
+          <a:p>
+            <a:r>
+              <a:rPr lang="zh-CN" altLang="en-US" smtClean="0"/>
+              <a:t>单击此处编辑母版标题样式</a:t>
+            </a:r>
+            <a:endParaRPr lang="zh-CN" altLang="en-US"/>
+          </a:p>
+        </p:txBody>
+      </p:sp>
+      <p:sp>
+        <p:nvSpPr>
+          <p:cNvPr id="3" name="竖排文字占位符 2"/>
+          <p:cNvSpPr>
+            <a:spLocks noGrp="1"/>
+          </p:cNvSpPr>
+          <p:nvPr>
+            <p:ph type="body" orient="vert" idx="1"/>
+          </p:nvPr>
+        </p:nvSpPr>
+        <p:spPr>
+          <a:xfrm>
+            <a:off x="838200" y="365125"/>
+            <a:ext cx="7734300" cy="5811838"/>
+          </a:xfrm>
+        </p:spPr>
+        <p:txBody>
+          <a:bodyPr vert="eaVert"/>
+          <a:lstStyle/>
+          <a:p>
+            <a:pPr lvl="0"/>
+            <a:r>
+              <a:rPr lang="zh-CN" altLang="en-US" smtClean="0"/>
+              <a:t>单击此处编辑母版文本样式</a:t>
+            </a:r>
+          </a:p>
+          <a:p>
+            <a:pPr lvl="1"/>
+            <a:r>
+              <a:rPr lang="zh-CN" altLang="en-US" smtClean="0"/>
+              <a:t>第二级</a:t>
+            </a:r>
+          </a:p>
+          <a:p>
+            <a:pPr lvl="2"/>
+            <a:r>
+              <a:rPr lang="zh-CN" altLang="en-US" smtClean="0"/>
+              <a:t>第三级</a:t>
+            </a:r>
+          </a:p>
+          <a:p>
+            <a:pPr lvl="3"/>
+            <a:r>
+              <a:rPr lang="zh-CN" altLang="en-US" smtClean="0"/>
+              <a:t>第四级</a:t>
+            </a:r>
+          </a:p>
+          <a:p>
+            <a:pPr lvl="4"/>
+            <a:r>
+              <a:rPr lang="zh-CN" altLang="en-US" smtClean="0"/>
+              <a:t>第五级</a:t>
+            </a:r>
+            <a:endParaRPr lang="zh-CN" altLang="en-US"/>
+          </a:p>
+        </p:txBody>
+      </p:sp>
+      <p:sp>
+        <p:nvSpPr>
+          <p:cNvPr id="4" name="日期占位符 3"/>
+          <p:cNvSpPr>
+            <a:spLocks noGrp="1"/>
+          </p:cNvSpPr>
+          <p:nvPr>
+            <p:ph type="dt" sz="half" idx="10"/>
+          </p:nvPr>
+        </p:nvSpPr>
+        <p:spPr/>
+        <p:txBody>
+          <a:bodyPr/>
+          <a:lstStyle/>
+          <a:p>
+            <a:fld id="{21E0F7C6-549C-4E14-BC17-E990DE6075CB}" type="datetimeFigureOut">
+              <a:rPr lang="zh-CN" altLang="en-US" smtClean="0"/>
+              <a:t>2020/1/11</a:t>
+            </a:fld>
+            <a:endParaRPr lang="zh-CN" altLang="en-US"/>
+          </a:p>
+        </p:txBody>
+      </p:sp>
+      <p:sp>
+        <p:nvSpPr>
+          <p:cNvPr id="5" name="页脚占位符 4"/>
+          <p:cNvSpPr>
+            <a:spLocks noGrp="1"/>
+          </p:cNvSpPr>
+          <p:nvPr>
+            <p:ph type="ftr" sz="quarter" idx="11"/>
+          </p:nvPr>
+        </p:nvSpPr>
+        <p:spPr/>
+        <p:txBody>
+          <a:bodyPr/>
+          <a:lstStyle/>
+          <a:p>
+            <a:endParaRPr lang="zh-CN" altLang="en-US"/>
+          </a:p>
+        </p:txBody>
+      </p:sp>
+      <p:sp>
+        <p:nvSpPr>
+          <p:cNvPr id="6" name="灯片编号占位符 5"/>
+          <p:cNvSpPr>
+            <a:spLocks noGrp="1"/>
+          </p:cNvSpPr>
+          <p:nvPr>
+            <p:ph type="sldNum" sz="quarter" idx="12"/>
+          </p:nvPr>
+        </p:nvSpPr>
+        <p:spPr/>
+        <p:txBody>
+          <a:bodyPr/>
+          <a:lstStyle/>
+          <a:p>
+            <a:fld id="{07C9248B-BEDA-4DD0-88E1-74161DD24B08}" type="slidenum">
+              <a:rPr lang="zh-CN" altLang="en-US" smtClean="0"/>
+              <a:t>‹#›</a:t>
+            </a:fld>
+            <a:endParaRPr lang="zh-CN" altLang="en-US"/>
+          </a:p>
+        </p:txBody>
+      </p:sp>
+    </p:spTree>
+    <p:extLst>
+      <p:ext uri="{BB962C8B-B14F-4D97-AF65-F5344CB8AC3E}">
+        <p14:creationId xmlns:p14="http://schemas.microsoft.com/office/powerpoint/2010/main" val="268264580"/>
+      </p:ext>
+    </p:extLst>
+  </p:cSld>
+  <p:clrMapOvr>
+    <a:masterClrMapping/>
+  </p:clrMapOvr>
+</p:sldLayout>
+</file>
+
+<file path=ppt/slideLayouts/slideLayout2.xml><?xml version="1.0" encoding="utf-8"?>
 <p:sldLayout xmlns:a="http://schemas.openxmlformats.org/drawingml/2006/main" xmlns:r="http://schemas.openxmlformats.org/officeDocument/2006/relationships" xmlns:p="http://schemas.openxmlformats.org/presentationml/2006/main" type="title" preserve="1">
   <p:cSld name="标题幻灯片">
     <p:spTree>
@@ -731,7 +1437,7 @@
           <a:p>
             <a:fld id="{21E0F7C6-549C-4E14-BC17-E990DE6075CB}" type="datetimeFigureOut">
               <a:rPr lang="zh-CN" altLang="en-US" smtClean="0"/>
-              <a:t>2020/1/7</a:t>
+              <a:t>2020/1/11</a:t>
             </a:fld>
             <a:endParaRPr lang="zh-CN" altLang="en-US"/>
           </a:p>
@@ -789,360 +1495,17 @@
   <p:clrMapOvr>
     <a:masterClrMapping/>
   </p:clrMapOvr>
+  <p:timing>
+    <p:tnLst>
+      <p:par>
+        <p:cTn id="1" dur="indefinite" restart="never" nodeType="tmRoot"/>
+      </p:par>
+    </p:tnLst>
+  </p:timing>
 </p:sldLayout>
 </file>
 
-<file path=ppt/slideLayouts/slideLayout10.xml><?xml version="1.0" encoding="utf-8"?>
-<p:sldLayout xmlns:a="http://schemas.openxmlformats.org/drawingml/2006/main" xmlns:r="http://schemas.openxmlformats.org/officeDocument/2006/relationships" xmlns:p="http://schemas.openxmlformats.org/presentationml/2006/main" type="vertTx" preserve="1">
-  <p:cSld name="标题和竖排文字">
-    <p:spTree>
-      <p:nvGrpSpPr>
-        <p:cNvPr id="1" name=""/>
-        <p:cNvGrpSpPr/>
-        <p:nvPr/>
-      </p:nvGrpSpPr>
-      <p:grpSpPr>
-        <a:xfrm>
-          <a:off x="0" y="0"/>
-          <a:ext cx="0" cy="0"/>
-          <a:chOff x="0" y="0"/>
-          <a:chExt cx="0" cy="0"/>
-        </a:xfrm>
-      </p:grpSpPr>
-      <p:sp>
-        <p:nvSpPr>
-          <p:cNvPr id="2" name="标题 1"/>
-          <p:cNvSpPr>
-            <a:spLocks noGrp="1"/>
-          </p:cNvSpPr>
-          <p:nvPr>
-            <p:ph type="title"/>
-          </p:nvPr>
-        </p:nvSpPr>
-        <p:spPr/>
-        <p:txBody>
-          <a:bodyPr/>
-          <a:lstStyle/>
-          <a:p>
-            <a:r>
-              <a:rPr lang="zh-CN" altLang="en-US" smtClean="0"/>
-              <a:t>单击此处编辑母版标题样式</a:t>
-            </a:r>
-            <a:endParaRPr lang="zh-CN" altLang="en-US"/>
-          </a:p>
-        </p:txBody>
-      </p:sp>
-      <p:sp>
-        <p:nvSpPr>
-          <p:cNvPr id="3" name="竖排文字占位符 2"/>
-          <p:cNvSpPr>
-            <a:spLocks noGrp="1"/>
-          </p:cNvSpPr>
-          <p:nvPr>
-            <p:ph type="body" orient="vert" idx="1"/>
-          </p:nvPr>
-        </p:nvSpPr>
-        <p:spPr/>
-        <p:txBody>
-          <a:bodyPr vert="eaVert"/>
-          <a:lstStyle/>
-          <a:p>
-            <a:pPr lvl="0"/>
-            <a:r>
-              <a:rPr lang="zh-CN" altLang="en-US" smtClean="0"/>
-              <a:t>单击此处编辑母版文本样式</a:t>
-            </a:r>
-          </a:p>
-          <a:p>
-            <a:pPr lvl="1"/>
-            <a:r>
-              <a:rPr lang="zh-CN" altLang="en-US" smtClean="0"/>
-              <a:t>第二级</a:t>
-            </a:r>
-          </a:p>
-          <a:p>
-            <a:pPr lvl="2"/>
-            <a:r>
-              <a:rPr lang="zh-CN" altLang="en-US" smtClean="0"/>
-              <a:t>第三级</a:t>
-            </a:r>
-          </a:p>
-          <a:p>
-            <a:pPr lvl="3"/>
-            <a:r>
-              <a:rPr lang="zh-CN" altLang="en-US" smtClean="0"/>
-              <a:t>第四级</a:t>
-            </a:r>
-          </a:p>
-          <a:p>
-            <a:pPr lvl="4"/>
-            <a:r>
-              <a:rPr lang="zh-CN" altLang="en-US" smtClean="0"/>
-              <a:t>第五级</a:t>
-            </a:r>
-            <a:endParaRPr lang="zh-CN" altLang="en-US"/>
-          </a:p>
-        </p:txBody>
-      </p:sp>
-      <p:sp>
-        <p:nvSpPr>
-          <p:cNvPr id="4" name="日期占位符 3"/>
-          <p:cNvSpPr>
-            <a:spLocks noGrp="1"/>
-          </p:cNvSpPr>
-          <p:nvPr>
-            <p:ph type="dt" sz="half" idx="10"/>
-          </p:nvPr>
-        </p:nvSpPr>
-        <p:spPr/>
-        <p:txBody>
-          <a:bodyPr/>
-          <a:lstStyle/>
-          <a:p>
-            <a:fld id="{21E0F7C6-549C-4E14-BC17-E990DE6075CB}" type="datetimeFigureOut">
-              <a:rPr lang="zh-CN" altLang="en-US" smtClean="0"/>
-              <a:t>2020/1/7</a:t>
-            </a:fld>
-            <a:endParaRPr lang="zh-CN" altLang="en-US"/>
-          </a:p>
-        </p:txBody>
-      </p:sp>
-      <p:sp>
-        <p:nvSpPr>
-          <p:cNvPr id="5" name="页脚占位符 4"/>
-          <p:cNvSpPr>
-            <a:spLocks noGrp="1"/>
-          </p:cNvSpPr>
-          <p:nvPr>
-            <p:ph type="ftr" sz="quarter" idx="11"/>
-          </p:nvPr>
-        </p:nvSpPr>
-        <p:spPr/>
-        <p:txBody>
-          <a:bodyPr/>
-          <a:lstStyle/>
-          <a:p>
-            <a:endParaRPr lang="zh-CN" altLang="en-US"/>
-          </a:p>
-        </p:txBody>
-      </p:sp>
-      <p:sp>
-        <p:nvSpPr>
-          <p:cNvPr id="6" name="灯片编号占位符 5"/>
-          <p:cNvSpPr>
-            <a:spLocks noGrp="1"/>
-          </p:cNvSpPr>
-          <p:nvPr>
-            <p:ph type="sldNum" sz="quarter" idx="12"/>
-          </p:nvPr>
-        </p:nvSpPr>
-        <p:spPr/>
-        <p:txBody>
-          <a:bodyPr/>
-          <a:lstStyle/>
-          <a:p>
-            <a:fld id="{07C9248B-BEDA-4DD0-88E1-74161DD24B08}" type="slidenum">
-              <a:rPr lang="zh-CN" altLang="en-US" smtClean="0"/>
-              <a:t>‹#›</a:t>
-            </a:fld>
-            <a:endParaRPr lang="zh-CN" altLang="en-US"/>
-          </a:p>
-        </p:txBody>
-      </p:sp>
-    </p:spTree>
-    <p:extLst>
-      <p:ext uri="{BB962C8B-B14F-4D97-AF65-F5344CB8AC3E}">
-        <p14:creationId xmlns:p14="http://schemas.microsoft.com/office/powerpoint/2010/main" val="4017856127"/>
-      </p:ext>
-    </p:extLst>
-  </p:cSld>
-  <p:clrMapOvr>
-    <a:masterClrMapping/>
-  </p:clrMapOvr>
-</p:sldLayout>
-</file>
-
-<file path=ppt/slideLayouts/slideLayout11.xml><?xml version="1.0" encoding="utf-8"?>
-<p:sldLayout xmlns:a="http://schemas.openxmlformats.org/drawingml/2006/main" xmlns:r="http://schemas.openxmlformats.org/officeDocument/2006/relationships" xmlns:p="http://schemas.openxmlformats.org/presentationml/2006/main" type="vertTitleAndTx" preserve="1">
-  <p:cSld name="垂直排列标题与&#10;文本">
-    <p:spTree>
-      <p:nvGrpSpPr>
-        <p:cNvPr id="1" name=""/>
-        <p:cNvGrpSpPr/>
-        <p:nvPr/>
-      </p:nvGrpSpPr>
-      <p:grpSpPr>
-        <a:xfrm>
-          <a:off x="0" y="0"/>
-          <a:ext cx="0" cy="0"/>
-          <a:chOff x="0" y="0"/>
-          <a:chExt cx="0" cy="0"/>
-        </a:xfrm>
-      </p:grpSpPr>
-      <p:sp>
-        <p:nvSpPr>
-          <p:cNvPr id="2" name="竖排标题 1"/>
-          <p:cNvSpPr>
-            <a:spLocks noGrp="1"/>
-          </p:cNvSpPr>
-          <p:nvPr>
-            <p:ph type="title" orient="vert"/>
-          </p:nvPr>
-        </p:nvSpPr>
-        <p:spPr>
-          <a:xfrm>
-            <a:off x="8724900" y="365125"/>
-            <a:ext cx="2628900" cy="5811838"/>
-          </a:xfrm>
-        </p:spPr>
-        <p:txBody>
-          <a:bodyPr vert="eaVert"/>
-          <a:lstStyle/>
-          <a:p>
-            <a:r>
-              <a:rPr lang="zh-CN" altLang="en-US" smtClean="0"/>
-              <a:t>单击此处编辑母版标题样式</a:t>
-            </a:r>
-            <a:endParaRPr lang="zh-CN" altLang="en-US"/>
-          </a:p>
-        </p:txBody>
-      </p:sp>
-      <p:sp>
-        <p:nvSpPr>
-          <p:cNvPr id="3" name="竖排文字占位符 2"/>
-          <p:cNvSpPr>
-            <a:spLocks noGrp="1"/>
-          </p:cNvSpPr>
-          <p:nvPr>
-            <p:ph type="body" orient="vert" idx="1"/>
-          </p:nvPr>
-        </p:nvSpPr>
-        <p:spPr>
-          <a:xfrm>
-            <a:off x="838200" y="365125"/>
-            <a:ext cx="7734300" cy="5811838"/>
-          </a:xfrm>
-        </p:spPr>
-        <p:txBody>
-          <a:bodyPr vert="eaVert"/>
-          <a:lstStyle/>
-          <a:p>
-            <a:pPr lvl="0"/>
-            <a:r>
-              <a:rPr lang="zh-CN" altLang="en-US" smtClean="0"/>
-              <a:t>单击此处编辑母版文本样式</a:t>
-            </a:r>
-          </a:p>
-          <a:p>
-            <a:pPr lvl="1"/>
-            <a:r>
-              <a:rPr lang="zh-CN" altLang="en-US" smtClean="0"/>
-              <a:t>第二级</a:t>
-            </a:r>
-          </a:p>
-          <a:p>
-            <a:pPr lvl="2"/>
-            <a:r>
-              <a:rPr lang="zh-CN" altLang="en-US" smtClean="0"/>
-              <a:t>第三级</a:t>
-            </a:r>
-          </a:p>
-          <a:p>
-            <a:pPr lvl="3"/>
-            <a:r>
-              <a:rPr lang="zh-CN" altLang="en-US" smtClean="0"/>
-              <a:t>第四级</a:t>
-            </a:r>
-          </a:p>
-          <a:p>
-            <a:pPr lvl="4"/>
-            <a:r>
-              <a:rPr lang="zh-CN" altLang="en-US" smtClean="0"/>
-              <a:t>第五级</a:t>
-            </a:r>
-            <a:endParaRPr lang="zh-CN" altLang="en-US"/>
-          </a:p>
-        </p:txBody>
-      </p:sp>
-      <p:sp>
-        <p:nvSpPr>
-          <p:cNvPr id="4" name="日期占位符 3"/>
-          <p:cNvSpPr>
-            <a:spLocks noGrp="1"/>
-          </p:cNvSpPr>
-          <p:nvPr>
-            <p:ph type="dt" sz="half" idx="10"/>
-          </p:nvPr>
-        </p:nvSpPr>
-        <p:spPr/>
-        <p:txBody>
-          <a:bodyPr/>
-          <a:lstStyle/>
-          <a:p>
-            <a:fld id="{21E0F7C6-549C-4E14-BC17-E990DE6075CB}" type="datetimeFigureOut">
-              <a:rPr lang="zh-CN" altLang="en-US" smtClean="0"/>
-              <a:t>2020/1/7</a:t>
-            </a:fld>
-            <a:endParaRPr lang="zh-CN" altLang="en-US"/>
-          </a:p>
-        </p:txBody>
-      </p:sp>
-      <p:sp>
-        <p:nvSpPr>
-          <p:cNvPr id="5" name="页脚占位符 4"/>
-          <p:cNvSpPr>
-            <a:spLocks noGrp="1"/>
-          </p:cNvSpPr>
-          <p:nvPr>
-            <p:ph type="ftr" sz="quarter" idx="11"/>
-          </p:nvPr>
-        </p:nvSpPr>
-        <p:spPr/>
-        <p:txBody>
-          <a:bodyPr/>
-          <a:lstStyle/>
-          <a:p>
-            <a:endParaRPr lang="zh-CN" altLang="en-US"/>
-          </a:p>
-        </p:txBody>
-      </p:sp>
-      <p:sp>
-        <p:nvSpPr>
-          <p:cNvPr id="6" name="灯片编号占位符 5"/>
-          <p:cNvSpPr>
-            <a:spLocks noGrp="1"/>
-          </p:cNvSpPr>
-          <p:nvPr>
-            <p:ph type="sldNum" sz="quarter" idx="12"/>
-          </p:nvPr>
-        </p:nvSpPr>
-        <p:spPr/>
-        <p:txBody>
-          <a:bodyPr/>
-          <a:lstStyle/>
-          <a:p>
-            <a:fld id="{07C9248B-BEDA-4DD0-88E1-74161DD24B08}" type="slidenum">
-              <a:rPr lang="zh-CN" altLang="en-US" smtClean="0"/>
-              <a:t>‹#›</a:t>
-            </a:fld>
-            <a:endParaRPr lang="zh-CN" altLang="en-US"/>
-          </a:p>
-        </p:txBody>
-      </p:sp>
-    </p:spTree>
-    <p:extLst>
-      <p:ext uri="{BB962C8B-B14F-4D97-AF65-F5344CB8AC3E}">
-        <p14:creationId xmlns:p14="http://schemas.microsoft.com/office/powerpoint/2010/main" val="268264580"/>
-      </p:ext>
-    </p:extLst>
-  </p:cSld>
-  <p:clrMapOvr>
-    <a:masterClrMapping/>
-  </p:clrMapOvr>
-</p:sldLayout>
-</file>
-
-<file path=ppt/slideLayouts/slideLayout2.xml><?xml version="1.0" encoding="utf-8"?>
+<file path=ppt/slideLayouts/slideLayout3.xml><?xml version="1.0" encoding="utf-8"?>
 <p:sldLayout xmlns:a="http://schemas.openxmlformats.org/drawingml/2006/main" xmlns:r="http://schemas.openxmlformats.org/officeDocument/2006/relationships" xmlns:p="http://schemas.openxmlformats.org/presentationml/2006/main" type="obj" preserve="1">
   <p:cSld name="标题和内容">
     <p:spTree>
@@ -1251,7 +1614,7 @@
           <a:p>
             <a:fld id="{21E0F7C6-549C-4E14-BC17-E990DE6075CB}" type="datetimeFigureOut">
               <a:rPr lang="zh-CN" altLang="en-US" smtClean="0"/>
-              <a:t>2020/1/7</a:t>
+              <a:t>2020/1/11</a:t>
             </a:fld>
             <a:endParaRPr lang="zh-CN" altLang="en-US"/>
           </a:p>
@@ -1309,10 +1672,17 @@
   <p:clrMapOvr>
     <a:masterClrMapping/>
   </p:clrMapOvr>
+  <p:timing>
+    <p:tnLst>
+      <p:par>
+        <p:cTn id="1" dur="indefinite" restart="never" nodeType="tmRoot"/>
+      </p:par>
+    </p:tnLst>
+  </p:timing>
 </p:sldLayout>
 </file>
 
-<file path=ppt/slideLayouts/slideLayout3.xml><?xml version="1.0" encoding="utf-8"?>
+<file path=ppt/slideLayouts/slideLayout4.xml><?xml version="1.0" encoding="utf-8"?>
 <p:sldLayout xmlns:a="http://schemas.openxmlformats.org/drawingml/2006/main" xmlns:r="http://schemas.openxmlformats.org/officeDocument/2006/relationships" xmlns:p="http://schemas.openxmlformats.org/presentationml/2006/main" type="secHead" preserve="1">
   <p:cSld name="节标题">
     <p:spTree>
@@ -1497,7 +1867,7 @@
           <a:p>
             <a:fld id="{21E0F7C6-549C-4E14-BC17-E990DE6075CB}" type="datetimeFigureOut">
               <a:rPr lang="zh-CN" altLang="en-US" smtClean="0"/>
-              <a:t>2020/1/7</a:t>
+              <a:t>2020/1/11</a:t>
             </a:fld>
             <a:endParaRPr lang="zh-CN" altLang="en-US"/>
           </a:p>
@@ -1558,7 +1928,7 @@
 </p:sldLayout>
 </file>
 
-<file path=ppt/slideLayouts/slideLayout4.xml><?xml version="1.0" encoding="utf-8"?>
+<file path=ppt/slideLayouts/slideLayout5.xml><?xml version="1.0" encoding="utf-8"?>
 <p:sldLayout xmlns:a="http://schemas.openxmlformats.org/drawingml/2006/main" xmlns:r="http://schemas.openxmlformats.org/officeDocument/2006/relationships" xmlns:p="http://schemas.openxmlformats.org/presentationml/2006/main" type="twoObj" preserve="1">
   <p:cSld name="两栏内容">
     <p:spTree>
@@ -1729,7 +2099,7 @@
           <a:p>
             <a:fld id="{21E0F7C6-549C-4E14-BC17-E990DE6075CB}" type="datetimeFigureOut">
               <a:rPr lang="zh-CN" altLang="en-US" smtClean="0"/>
-              <a:t>2020/1/7</a:t>
+              <a:t>2020/1/11</a:t>
             </a:fld>
             <a:endParaRPr lang="zh-CN" altLang="en-US"/>
           </a:p>
@@ -1790,7 +2160,7 @@
 </p:sldLayout>
 </file>
 
-<file path=ppt/slideLayouts/slideLayout5.xml><?xml version="1.0" encoding="utf-8"?>
+<file path=ppt/slideLayouts/slideLayout6.xml><?xml version="1.0" encoding="utf-8"?>
 <p:sldLayout xmlns:a="http://schemas.openxmlformats.org/drawingml/2006/main" xmlns:r="http://schemas.openxmlformats.org/officeDocument/2006/relationships" xmlns:p="http://schemas.openxmlformats.org/presentationml/2006/main" type="twoTxTwoObj" preserve="1">
   <p:cSld name="比较">
     <p:spTree>
@@ -2096,7 +2466,7 @@
           <a:p>
             <a:fld id="{21E0F7C6-549C-4E14-BC17-E990DE6075CB}" type="datetimeFigureOut">
               <a:rPr lang="zh-CN" altLang="en-US" smtClean="0"/>
-              <a:t>2020/1/7</a:t>
+              <a:t>2020/1/11</a:t>
             </a:fld>
             <a:endParaRPr lang="zh-CN" altLang="en-US"/>
           </a:p>
@@ -2157,7 +2527,7 @@
 </p:sldLayout>
 </file>
 
-<file path=ppt/slideLayouts/slideLayout6.xml><?xml version="1.0" encoding="utf-8"?>
+<file path=ppt/slideLayouts/slideLayout7.xml><?xml version="1.0" encoding="utf-8"?>
 <p:sldLayout xmlns:a="http://schemas.openxmlformats.org/drawingml/2006/main" xmlns:r="http://schemas.openxmlformats.org/officeDocument/2006/relationships" xmlns:p="http://schemas.openxmlformats.org/presentationml/2006/main" type="titleOnly" preserve="1">
   <p:cSld name="仅标题">
     <p:spTree>
@@ -2214,7 +2584,7 @@
           <a:p>
             <a:fld id="{21E0F7C6-549C-4E14-BC17-E990DE6075CB}" type="datetimeFigureOut">
               <a:rPr lang="zh-CN" altLang="en-US" smtClean="0"/>
-              <a:t>2020/1/7</a:t>
+              <a:t>2020/1/11</a:t>
             </a:fld>
             <a:endParaRPr lang="zh-CN" altLang="en-US"/>
           </a:p>
@@ -2275,7 +2645,7 @@
 </p:sldLayout>
 </file>
 
-<file path=ppt/slideLayouts/slideLayout7.xml><?xml version="1.0" encoding="utf-8"?>
+<file path=ppt/slideLayouts/slideLayout8.xml><?xml version="1.0" encoding="utf-8"?>
 <p:sldLayout xmlns:a="http://schemas.openxmlformats.org/drawingml/2006/main" xmlns:r="http://schemas.openxmlformats.org/officeDocument/2006/relationships" xmlns:p="http://schemas.openxmlformats.org/presentationml/2006/main" type="blank" preserve="1">
   <p:cSld name="空白">
     <p:spTree>
@@ -2309,7 +2679,7 @@
           <a:p>
             <a:fld id="{21E0F7C6-549C-4E14-BC17-E990DE6075CB}" type="datetimeFigureOut">
               <a:rPr lang="zh-CN" altLang="en-US" smtClean="0"/>
-              <a:t>2020/1/7</a:t>
+              <a:t>2020/1/11</a:t>
             </a:fld>
             <a:endParaRPr lang="zh-CN" altLang="en-US"/>
           </a:p>
@@ -2370,7 +2740,7 @@
 </p:sldLayout>
 </file>
 
-<file path=ppt/slideLayouts/slideLayout8.xml><?xml version="1.0" encoding="utf-8"?>
+<file path=ppt/slideLayouts/slideLayout9.xml><?xml version="1.0" encoding="utf-8"?>
 <p:sldLayout xmlns:a="http://schemas.openxmlformats.org/drawingml/2006/main" xmlns:r="http://schemas.openxmlformats.org/officeDocument/2006/relationships" xmlns:p="http://schemas.openxmlformats.org/presentationml/2006/main" type="objTx" preserve="1">
   <p:cSld name="内容与标题">
     <p:spTree>
@@ -2586,7 +2956,7 @@
           <a:p>
             <a:fld id="{21E0F7C6-549C-4E14-BC17-E990DE6075CB}" type="datetimeFigureOut">
               <a:rPr lang="zh-CN" altLang="en-US" smtClean="0"/>
-              <a:t>2020/1/7</a:t>
+              <a:t>2020/1/11</a:t>
             </a:fld>
             <a:endParaRPr lang="zh-CN" altLang="en-US"/>
           </a:p>
@@ -2638,259 +3008,6 @@
     <p:extLst>
       <p:ext uri="{BB962C8B-B14F-4D97-AF65-F5344CB8AC3E}">
         <p14:creationId xmlns:p14="http://schemas.microsoft.com/office/powerpoint/2010/main" val="4154823179"/>
-      </p:ext>
-    </p:extLst>
-  </p:cSld>
-  <p:clrMapOvr>
-    <a:masterClrMapping/>
-  </p:clrMapOvr>
-</p:sldLayout>
-</file>
-
-<file path=ppt/slideLayouts/slideLayout9.xml><?xml version="1.0" encoding="utf-8"?>
-<p:sldLayout xmlns:a="http://schemas.openxmlformats.org/drawingml/2006/main" xmlns:r="http://schemas.openxmlformats.org/officeDocument/2006/relationships" xmlns:p="http://schemas.openxmlformats.org/presentationml/2006/main" type="picTx" preserve="1">
-  <p:cSld name="图片与标题">
-    <p:spTree>
-      <p:nvGrpSpPr>
-        <p:cNvPr id="1" name=""/>
-        <p:cNvGrpSpPr/>
-        <p:nvPr/>
-      </p:nvGrpSpPr>
-      <p:grpSpPr>
-        <a:xfrm>
-          <a:off x="0" y="0"/>
-          <a:ext cx="0" cy="0"/>
-          <a:chOff x="0" y="0"/>
-          <a:chExt cx="0" cy="0"/>
-        </a:xfrm>
-      </p:grpSpPr>
-      <p:sp>
-        <p:nvSpPr>
-          <p:cNvPr id="2" name="标题 1"/>
-          <p:cNvSpPr>
-            <a:spLocks noGrp="1"/>
-          </p:cNvSpPr>
-          <p:nvPr>
-            <p:ph type="title"/>
-          </p:nvPr>
-        </p:nvSpPr>
-        <p:spPr>
-          <a:xfrm>
-            <a:off x="839788" y="457200"/>
-            <a:ext cx="3932237" cy="1600200"/>
-          </a:xfrm>
-        </p:spPr>
-        <p:txBody>
-          <a:bodyPr anchor="b"/>
-          <a:lstStyle>
-            <a:lvl1pPr>
-              <a:defRPr sz="3200"/>
-            </a:lvl1pPr>
-          </a:lstStyle>
-          <a:p>
-            <a:r>
-              <a:rPr lang="zh-CN" altLang="en-US" smtClean="0"/>
-              <a:t>单击此处编辑母版标题样式</a:t>
-            </a:r>
-            <a:endParaRPr lang="zh-CN" altLang="en-US"/>
-          </a:p>
-        </p:txBody>
-      </p:sp>
-      <p:sp>
-        <p:nvSpPr>
-          <p:cNvPr id="3" name="图片占位符 2"/>
-          <p:cNvSpPr>
-            <a:spLocks noGrp="1"/>
-          </p:cNvSpPr>
-          <p:nvPr>
-            <p:ph type="pic" idx="1"/>
-          </p:nvPr>
-        </p:nvSpPr>
-        <p:spPr>
-          <a:xfrm>
-            <a:off x="5183188" y="987425"/>
-            <a:ext cx="6172200" cy="4873625"/>
-          </a:xfrm>
-        </p:spPr>
-        <p:txBody>
-          <a:bodyPr/>
-          <a:lstStyle>
-            <a:lvl1pPr marL="0" indent="0">
-              <a:buNone/>
-              <a:defRPr sz="3200"/>
-            </a:lvl1pPr>
-            <a:lvl2pPr marL="457200" indent="0">
-              <a:buNone/>
-              <a:defRPr sz="2800"/>
-            </a:lvl2pPr>
-            <a:lvl3pPr marL="914400" indent="0">
-              <a:buNone/>
-              <a:defRPr sz="2400"/>
-            </a:lvl3pPr>
-            <a:lvl4pPr marL="1371600" indent="0">
-              <a:buNone/>
-              <a:defRPr sz="2000"/>
-            </a:lvl4pPr>
-            <a:lvl5pPr marL="1828800" indent="0">
-              <a:buNone/>
-              <a:defRPr sz="2000"/>
-            </a:lvl5pPr>
-            <a:lvl6pPr marL="2286000" indent="0">
-              <a:buNone/>
-              <a:defRPr sz="2000"/>
-            </a:lvl6pPr>
-            <a:lvl7pPr marL="2743200" indent="0">
-              <a:buNone/>
-              <a:defRPr sz="2000"/>
-            </a:lvl7pPr>
-            <a:lvl8pPr marL="3200400" indent="0">
-              <a:buNone/>
-              <a:defRPr sz="2000"/>
-            </a:lvl8pPr>
-            <a:lvl9pPr marL="3657600" indent="0">
-              <a:buNone/>
-              <a:defRPr sz="2000"/>
-            </a:lvl9pPr>
-          </a:lstStyle>
-          <a:p>
-            <a:endParaRPr lang="zh-CN" altLang="en-US"/>
-          </a:p>
-        </p:txBody>
-      </p:sp>
-      <p:sp>
-        <p:nvSpPr>
-          <p:cNvPr id="4" name="文本占位符 3"/>
-          <p:cNvSpPr>
-            <a:spLocks noGrp="1"/>
-          </p:cNvSpPr>
-          <p:nvPr>
-            <p:ph type="body" sz="half" idx="2"/>
-          </p:nvPr>
-        </p:nvSpPr>
-        <p:spPr>
-          <a:xfrm>
-            <a:off x="839788" y="2057400"/>
-            <a:ext cx="3932237" cy="3811588"/>
-          </a:xfrm>
-        </p:spPr>
-        <p:txBody>
-          <a:bodyPr/>
-          <a:lstStyle>
-            <a:lvl1pPr marL="0" indent="0">
-              <a:buNone/>
-              <a:defRPr sz="1600"/>
-            </a:lvl1pPr>
-            <a:lvl2pPr marL="457200" indent="0">
-              <a:buNone/>
-              <a:defRPr sz="1400"/>
-            </a:lvl2pPr>
-            <a:lvl3pPr marL="914400" indent="0">
-              <a:buNone/>
-              <a:defRPr sz="1200"/>
-            </a:lvl3pPr>
-            <a:lvl4pPr marL="1371600" indent="0">
-              <a:buNone/>
-              <a:defRPr sz="1000"/>
-            </a:lvl4pPr>
-            <a:lvl5pPr marL="1828800" indent="0">
-              <a:buNone/>
-              <a:defRPr sz="1000"/>
-            </a:lvl5pPr>
-            <a:lvl6pPr marL="2286000" indent="0">
-              <a:buNone/>
-              <a:defRPr sz="1000"/>
-            </a:lvl6pPr>
-            <a:lvl7pPr marL="2743200" indent="0">
-              <a:buNone/>
-              <a:defRPr sz="1000"/>
-            </a:lvl7pPr>
-            <a:lvl8pPr marL="3200400" indent="0">
-              <a:buNone/>
-              <a:defRPr sz="1000"/>
-            </a:lvl8pPr>
-            <a:lvl9pPr marL="3657600" indent="0">
-              <a:buNone/>
-              <a:defRPr sz="1000"/>
-            </a:lvl9pPr>
-          </a:lstStyle>
-          <a:p>
-            <a:pPr lvl="0"/>
-            <a:r>
-              <a:rPr lang="zh-CN" altLang="en-US" smtClean="0"/>
-              <a:t>单击此处编辑母版文本样式</a:t>
-            </a:r>
-          </a:p>
-        </p:txBody>
-      </p:sp>
-      <p:sp>
-        <p:nvSpPr>
-          <p:cNvPr id="5" name="日期占位符 4"/>
-          <p:cNvSpPr>
-            <a:spLocks noGrp="1"/>
-          </p:cNvSpPr>
-          <p:nvPr>
-            <p:ph type="dt" sz="half" idx="10"/>
-          </p:nvPr>
-        </p:nvSpPr>
-        <p:spPr/>
-        <p:txBody>
-          <a:bodyPr/>
-          <a:lstStyle/>
-          <a:p>
-            <a:fld id="{21E0F7C6-549C-4E14-BC17-E990DE6075CB}" type="datetimeFigureOut">
-              <a:rPr lang="zh-CN" altLang="en-US" smtClean="0"/>
-              <a:t>2020/1/7</a:t>
-            </a:fld>
-            <a:endParaRPr lang="zh-CN" altLang="en-US"/>
-          </a:p>
-        </p:txBody>
-      </p:sp>
-      <p:sp>
-        <p:nvSpPr>
-          <p:cNvPr id="6" name="页脚占位符 5"/>
-          <p:cNvSpPr>
-            <a:spLocks noGrp="1"/>
-          </p:cNvSpPr>
-          <p:nvPr>
-            <p:ph type="ftr" sz="quarter" idx="11"/>
-          </p:nvPr>
-        </p:nvSpPr>
-        <p:spPr/>
-        <p:txBody>
-          <a:bodyPr/>
-          <a:lstStyle/>
-          <a:p>
-            <a:endParaRPr lang="zh-CN" altLang="en-US"/>
-          </a:p>
-        </p:txBody>
-      </p:sp>
-      <p:sp>
-        <p:nvSpPr>
-          <p:cNvPr id="7" name="灯片编号占位符 6"/>
-          <p:cNvSpPr>
-            <a:spLocks noGrp="1"/>
-          </p:cNvSpPr>
-          <p:nvPr>
-            <p:ph type="sldNum" sz="quarter" idx="12"/>
-          </p:nvPr>
-        </p:nvSpPr>
-        <p:spPr/>
-        <p:txBody>
-          <a:bodyPr/>
-          <a:lstStyle/>
-          <a:p>
-            <a:fld id="{07C9248B-BEDA-4DD0-88E1-74161DD24B08}" type="slidenum">
-              <a:rPr lang="zh-CN" altLang="en-US" smtClean="0"/>
-              <a:t>‹#›</a:t>
-            </a:fld>
-            <a:endParaRPr lang="zh-CN" altLang="en-US"/>
-          </a:p>
-        </p:txBody>
-      </p:sp>
-    </p:spTree>
-    <p:extLst>
-      <p:ext uri="{BB962C8B-B14F-4D97-AF65-F5344CB8AC3E}">
-        <p14:creationId xmlns:p14="http://schemas.microsoft.com/office/powerpoint/2010/main" val="2364316333"/>
       </p:ext>
     </p:extLst>
   </p:cSld>
@@ -3052,7 +3169,7 @@
           <a:p>
             <a:fld id="{21E0F7C6-549C-4E14-BC17-E990DE6075CB}" type="datetimeFigureOut">
               <a:rPr lang="zh-CN" altLang="en-US" smtClean="0"/>
-              <a:t>2020/1/7</a:t>
+              <a:t>2020/1/11</a:t>
             </a:fld>
             <a:endParaRPr lang="zh-CN" altLang="en-US"/>
           </a:p>
@@ -3145,17 +3262,18 @@
   </p:cSld>
   <p:clrMap bg1="lt1" tx1="dk1" bg2="lt2" tx2="dk2" accent1="accent1" accent2="accent2" accent3="accent3" accent4="accent4" accent5="accent5" accent6="accent6" hlink="hlink" folHlink="folHlink"/>
   <p:sldLayoutIdLst>
-    <p:sldLayoutId id="2147483649" r:id="rId1"/>
-    <p:sldLayoutId id="2147483650" r:id="rId2"/>
-    <p:sldLayoutId id="2147483651" r:id="rId3"/>
-    <p:sldLayoutId id="2147483652" r:id="rId4"/>
-    <p:sldLayoutId id="2147483653" r:id="rId5"/>
-    <p:sldLayoutId id="2147483654" r:id="rId6"/>
-    <p:sldLayoutId id="2147483655" r:id="rId7"/>
-    <p:sldLayoutId id="2147483656" r:id="rId8"/>
-    <p:sldLayoutId id="2147483657" r:id="rId9"/>
-    <p:sldLayoutId id="2147483658" r:id="rId10"/>
-    <p:sldLayoutId id="2147483659" r:id="rId11"/>
+    <p:sldLayoutId id="2147483660" r:id="rId1"/>
+    <p:sldLayoutId id="2147483649" r:id="rId2"/>
+    <p:sldLayoutId id="2147483650" r:id="rId3"/>
+    <p:sldLayoutId id="2147483651" r:id="rId4"/>
+    <p:sldLayoutId id="2147483652" r:id="rId5"/>
+    <p:sldLayoutId id="2147483653" r:id="rId6"/>
+    <p:sldLayoutId id="2147483654" r:id="rId7"/>
+    <p:sldLayoutId id="2147483655" r:id="rId8"/>
+    <p:sldLayoutId id="2147483656" r:id="rId9"/>
+    <p:sldLayoutId id="2147483657" r:id="rId10"/>
+    <p:sldLayoutId id="2147483658" r:id="rId11"/>
+    <p:sldLayoutId id="2147483659" r:id="rId12"/>
   </p:sldLayoutIdLst>
   <p:txStyles>
     <p:titleStyle>
@@ -4142,7 +4260,7 @@
           <p:cNvPr id="3" name="表格 2">
             <a:extLst>
               <a:ext uri="{FF2B5EF4-FFF2-40B4-BE49-F238E27FC236}">
-                <a16:creationId xmlns="" xmlns:a16="http://schemas.microsoft.com/office/drawing/2014/main" id="{C6A24625-BD9E-4EDB-A101-4B75C2297883}"/>
+                <a16:creationId xmlns:a16="http://schemas.microsoft.com/office/drawing/2014/main" xmlns="" id="{C6A24625-BD9E-4EDB-A101-4B75C2297883}"/>
               </a:ext>
             </a:extLst>
           </p:cNvPr>
@@ -4171,14 +4289,14 @@
                 <a:gridCol w="320949">
                   <a:extLst>
                     <a:ext uri="{9D8B030D-6E8A-4147-A177-3AD203B41FA5}">
-                      <a16:colId xmlns="" xmlns:a16="http://schemas.microsoft.com/office/drawing/2014/main" val="20000"/>
+                      <a16:colId xmlns:a16="http://schemas.microsoft.com/office/drawing/2014/main" xmlns="" val="20000"/>
                     </a:ext>
                   </a:extLst>
                 </a:gridCol>
                 <a:gridCol w="1119211">
                   <a:extLst>
                     <a:ext uri="{9D8B030D-6E8A-4147-A177-3AD203B41FA5}">
-                      <a16:colId xmlns="" xmlns:a16="http://schemas.microsoft.com/office/drawing/2014/main" val="20001"/>
+                      <a16:colId xmlns:a16="http://schemas.microsoft.com/office/drawing/2014/main" xmlns="" val="20001"/>
                     </a:ext>
                   </a:extLst>
                 </a:gridCol>
@@ -4282,7 +4400,7 @@
                 </a:tc>
                 <a:extLst>
                   <a:ext uri="{0D108BD9-81ED-4DB2-BD59-A6C34878D82A}">
-                    <a16:rowId xmlns="" xmlns:a16="http://schemas.microsoft.com/office/drawing/2014/main" val="10000"/>
+                    <a16:rowId xmlns:a16="http://schemas.microsoft.com/office/drawing/2014/main" xmlns="" val="10000"/>
                   </a:ext>
                 </a:extLst>
               </a:tr>
@@ -4380,7 +4498,7 @@
                 </a:tc>
                 <a:extLst>
                   <a:ext uri="{0D108BD9-81ED-4DB2-BD59-A6C34878D82A}">
-                    <a16:rowId xmlns="" xmlns:a16="http://schemas.microsoft.com/office/drawing/2014/main" val="10001"/>
+                    <a16:rowId xmlns:a16="http://schemas.microsoft.com/office/drawing/2014/main" xmlns="" val="10001"/>
                   </a:ext>
                 </a:extLst>
               </a:tr>
@@ -4393,7 +4511,7 @@
           <p:cNvPr id="5" name="表格 4">
             <a:extLst>
               <a:ext uri="{FF2B5EF4-FFF2-40B4-BE49-F238E27FC236}">
-                <a16:creationId xmlns="" xmlns:a16="http://schemas.microsoft.com/office/drawing/2014/main" id="{C6A24625-BD9E-4EDB-A101-4B75C2297883}"/>
+                <a16:creationId xmlns:a16="http://schemas.microsoft.com/office/drawing/2014/main" xmlns="" id="{C6A24625-BD9E-4EDB-A101-4B75C2297883}"/>
               </a:ext>
             </a:extLst>
           </p:cNvPr>
@@ -4422,14 +4540,14 @@
                 <a:gridCol w="320949">
                   <a:extLst>
                     <a:ext uri="{9D8B030D-6E8A-4147-A177-3AD203B41FA5}">
-                      <a16:colId xmlns="" xmlns:a16="http://schemas.microsoft.com/office/drawing/2014/main" val="20000"/>
+                      <a16:colId xmlns:a16="http://schemas.microsoft.com/office/drawing/2014/main" xmlns="" val="20000"/>
                     </a:ext>
                   </a:extLst>
                 </a:gridCol>
                 <a:gridCol w="1119211">
                   <a:extLst>
                     <a:ext uri="{9D8B030D-6E8A-4147-A177-3AD203B41FA5}">
-                      <a16:colId xmlns="" xmlns:a16="http://schemas.microsoft.com/office/drawing/2014/main" val="20001"/>
+                      <a16:colId xmlns:a16="http://schemas.microsoft.com/office/drawing/2014/main" xmlns="" val="20001"/>
                     </a:ext>
                   </a:extLst>
                 </a:gridCol>
@@ -4533,7 +4651,7 @@
                 </a:tc>
                 <a:extLst>
                   <a:ext uri="{0D108BD9-81ED-4DB2-BD59-A6C34878D82A}">
-                    <a16:rowId xmlns="" xmlns:a16="http://schemas.microsoft.com/office/drawing/2014/main" val="10000"/>
+                    <a16:rowId xmlns:a16="http://schemas.microsoft.com/office/drawing/2014/main" xmlns="" val="10000"/>
                   </a:ext>
                 </a:extLst>
               </a:tr>
@@ -4631,7 +4749,7 @@
                 </a:tc>
                 <a:extLst>
                   <a:ext uri="{0D108BD9-81ED-4DB2-BD59-A6C34878D82A}">
-                    <a16:rowId xmlns="" xmlns:a16="http://schemas.microsoft.com/office/drawing/2014/main" val="10001"/>
+                    <a16:rowId xmlns:a16="http://schemas.microsoft.com/office/drawing/2014/main" xmlns="" val="10001"/>
                   </a:ext>
                 </a:extLst>
               </a:tr>
@@ -4745,7 +4863,7 @@
                 </a:tc>
                 <a:extLst>
                   <a:ext uri="{0D108BD9-81ED-4DB2-BD59-A6C34878D82A}">
-                    <a16:rowId xmlns="" xmlns:a16="http://schemas.microsoft.com/office/drawing/2014/main" val="3701186379"/>
+                    <a16:rowId xmlns:a16="http://schemas.microsoft.com/office/drawing/2014/main" xmlns="" val="3701186379"/>
                   </a:ext>
                 </a:extLst>
               </a:tr>
@@ -4968,7 +5086,7 @@
                 </a:tc>
                 <a:extLst>
                   <a:ext uri="{0D108BD9-81ED-4DB2-BD59-A6C34878D82A}">
-                    <a16:rowId xmlns="" xmlns:a16="http://schemas.microsoft.com/office/drawing/2014/main" val="4111272417"/>
+                    <a16:rowId xmlns:a16="http://schemas.microsoft.com/office/drawing/2014/main" xmlns="" val="4111272417"/>
                   </a:ext>
                 </a:extLst>
               </a:tr>
@@ -5534,15 +5652,6 @@
                         </a:rPr>
                         <a:t>房产</a:t>
                       </a:r>
-                      <a:endParaRPr lang="zh-CN" altLang="en-US" sz="900" b="1" i="0" u="none" strike="noStrike" kern="1200" dirty="0" smtClean="0">
-                        <a:solidFill>
-                          <a:srgbClr val="000000"/>
-                        </a:solidFill>
-                        <a:effectLst/>
-                        <a:latin typeface="微软雅黑" panose="020B0503020204020204" pitchFamily="34" charset="-122"/>
-                        <a:ea typeface="微软雅黑" panose="020B0503020204020204" pitchFamily="34" charset="-122"/>
-                        <a:cs typeface="+mn-cs"/>
-                      </a:endParaRPr>
                     </a:p>
                   </a:txBody>
                   <a:tcPr marL="0" marR="0" marT="0" marB="0"/>
@@ -6010,13 +6119,7 @@
                         <a:rPr lang="zh-CN" altLang="en-US" sz="900" u="none" strike="noStrike" dirty="0" smtClean="0">
                           <a:effectLst/>
                         </a:rPr>
-                        <a:t> </a:t>
-                      </a:r>
-                      <a:r>
-                        <a:rPr lang="zh-CN" altLang="en-US" sz="900" u="none" strike="noStrike" dirty="0" smtClean="0">
-                          <a:effectLst/>
-                        </a:rPr>
-                        <a:t>环比下降</a:t>
+                        <a:t> 环比下降</a:t>
                       </a:r>
                       <a:endParaRPr lang="zh-CN" altLang="en-US" sz="900" b="0" i="0" u="none" strike="noStrike" dirty="0" smtClean="0">
                         <a:solidFill>
@@ -6521,6 +6624,130 @@
   <p:clrMapOvr>
     <a:masterClrMapping/>
   </p:clrMapOvr>
+  <p:timing>
+    <p:tnLst>
+      <p:par>
+        <p:cTn id="1" dur="indefinite" restart="never" nodeType="tmRoot"/>
+      </p:par>
+    </p:tnLst>
+  </p:timing>
+</p:sld>
+</file>
+
+<file path=ppt/slides/slide3.xml><?xml version="1.0" encoding="utf-8"?>
+<p:sld xmlns:a="http://schemas.openxmlformats.org/drawingml/2006/main" xmlns:r="http://schemas.openxmlformats.org/officeDocument/2006/relationships" xmlns:p="http://schemas.openxmlformats.org/presentationml/2006/main">
+  <p:cSld>
+    <p:spTree>
+      <p:nvGrpSpPr>
+        <p:cNvPr id="1" name=""/>
+        <p:cNvGrpSpPr/>
+        <p:nvPr/>
+      </p:nvGrpSpPr>
+      <p:grpSpPr>
+        <a:xfrm>
+          <a:off x="0" y="0"/>
+          <a:ext cx="0" cy="0"/>
+          <a:chOff x="0" y="0"/>
+          <a:chExt cx="0" cy="0"/>
+        </a:xfrm>
+      </p:grpSpPr>
+      <p:sp>
+        <p:nvSpPr>
+          <p:cNvPr id="2" name="标题 1"/>
+          <p:cNvSpPr>
+            <a:spLocks noGrp="1"/>
+          </p:cNvSpPr>
+          <p:nvPr>
+            <p:ph type="title" idx="4294967295"/>
+          </p:nvPr>
+        </p:nvSpPr>
+        <p:spPr>
+          <a:xfrm>
+            <a:off x="1466850" y="365125"/>
+            <a:ext cx="9048750" cy="1325563"/>
+          </a:xfrm>
+        </p:spPr>
+        <p:txBody>
+          <a:bodyPr/>
+          <a:lstStyle/>
+          <a:p>
+            <a:r>
+              <a:rPr lang="en-US" altLang="zh-CN" smtClean="0"/>
+              <a:t>He</a:t>
+            </a:r>
+            <a:r>
+              <a:rPr lang="en-US" altLang="zh-CN" smtClean="0">
+                <a:solidFill>
+                  <a:srgbClr val="FF0000"/>
+                </a:solidFill>
+              </a:rPr>
+              <a:t>llo wo</a:t>
+            </a:r>
+            <a:r>
+              <a:rPr lang="en-US" altLang="zh-CN" smtClean="0"/>
+              <a:t>rld</a:t>
+            </a:r>
+            <a:endParaRPr lang="zh-CN" altLang="en-US"/>
+          </a:p>
+        </p:txBody>
+      </p:sp>
+      <p:sp>
+        <p:nvSpPr>
+          <p:cNvPr id="3" name="内容占位符 2"/>
+          <p:cNvSpPr>
+            <a:spLocks noGrp="1"/>
+          </p:cNvSpPr>
+          <p:nvPr>
+            <p:ph idx="4294967295"/>
+          </p:nvPr>
+        </p:nvSpPr>
+        <p:spPr>
+          <a:xfrm>
+            <a:off x="1466850" y="1825625"/>
+            <a:ext cx="9048750" cy="4351338"/>
+          </a:xfrm>
+        </p:spPr>
+        <p:txBody>
+          <a:bodyPr/>
+          <a:lstStyle/>
+          <a:p>
+            <a:r>
+              <a:rPr lang="en-US" altLang="zh-CN" smtClean="0"/>
+              <a:t>First one</a:t>
+            </a:r>
+          </a:p>
+          <a:p>
+            <a:r>
+              <a:rPr lang="zh-CN" altLang="en-US" smtClean="0"/>
+              <a:t>第二个</a:t>
+            </a:r>
+            <a:endParaRPr lang="en-US" altLang="zh-CN" smtClean="0"/>
+          </a:p>
+          <a:p>
+            <a:r>
+              <a:rPr lang="zh-CN" altLang="en-US"/>
+              <a:t>第三个</a:t>
+            </a:r>
+          </a:p>
+        </p:txBody>
+      </p:sp>
+    </p:spTree>
+    <p:extLst>
+      <p:ext uri="{BB962C8B-B14F-4D97-AF65-F5344CB8AC3E}">
+        <p14:creationId xmlns:p14="http://schemas.microsoft.com/office/powerpoint/2010/main" val="1621834193"/>
+      </p:ext>
+    </p:extLst>
+  </p:cSld>
+  <p:clrMapOvr>
+    <a:masterClrMapping/>
+  </p:clrMapOvr>
+  <p:timing>
+    <p:tnLst>
+      <p:par>
+        <p:cTn id="1" dur="indefinite" restart="never" nodeType="tmRoot"/>
+      </p:par>
+    </p:tnLst>
+  </p:timing>
 </p:sld>
 </file>
 
@@ -6567,7 +6794,7 @@
     </a:clrScheme>
     <a:fontScheme name="Office">
       <a:majorFont>
-        <a:latin typeface="Calibri Light" panose="020F0302020204030204"/>
+        <a:latin typeface="Calibri Light"/>
         <a:ea typeface=""/>
         <a:cs typeface=""/>
         <a:font script="Jpan" typeface="ＭＳ Ｐゴシック"/>
@@ -6602,7 +6829,7 @@
         <a:font script="Geor" typeface="Sylfaen"/>
       </a:majorFont>
       <a:minorFont>
-        <a:latin typeface="Calibri" panose="020F0502020204030204"/>
+        <a:latin typeface="Calibri"/>
         <a:ea typeface=""/>
         <a:cs typeface=""/>
         <a:font script="Jpan" typeface="ＭＳ Ｐゴシック"/>
@@ -6779,7 +7006,7 @@
   <a:extraClrSchemeLst/>
   <a:extLst>
     <a:ext uri="{05A4C25C-085E-4340-85A3-A5531E510DB2}">
-      <thm15:themeFamily xmlns:thm15="http://schemas.microsoft.com/office/thememl/2012/main" name="Office Theme" id="{62F939B6-93AF-4DB8-9C6B-D6C7DFDC589F}" vid="{4A3C46E8-61CC-4603-A589-7422A47A8E4A}"/>
+      <thm15:themeFamily xmlns:thm15="http://schemas.microsoft.com/office/thememl/2012/main" xmlns="" name="Office Theme" id="{62F939B6-93AF-4DB8-9C6B-D6C7DFDC589F}" vid="{4A3C46E8-61CC-4603-A589-7422A47A8E4A}"/>
     </a:ext>
   </a:extLst>
 </a:theme>

--- a/src/test/resources/template.pptx
+++ b/src/test/resources/template.pptx
@@ -108,7 +108,7 @@
   </p:defaultTextStyle>
   <p:extLst>
     <p:ext uri="{EFAFB233-063F-42B5-8137-9DF3F51BA10A}">
-      <p15:sldGuideLst xmlns:p15="http://schemas.microsoft.com/office/powerpoint/2012/main" xmlns=""/>
+      <p15:sldGuideLst xmlns="" xmlns:p15="http://schemas.microsoft.com/office/powerpoint/2012/main"/>
     </p:ext>
   </p:extLst>
 </p:presentation>
@@ -446,11 +446,11 @@
           <c:showBubbleSize val="0"/>
         </c:dLbls>
         <c:gapWidth val="150"/>
-        <c:axId val="205527296"/>
-        <c:axId val="205553664"/>
+        <c:axId val="192116224"/>
+        <c:axId val="192117760"/>
       </c:barChart>
       <c:catAx>
-        <c:axId val="205527296"/>
+        <c:axId val="192116224"/>
         <c:scaling>
           <c:orientation val="minMax"/>
         </c:scaling>
@@ -460,7 +460,7 @@
         <c:majorTickMark val="none"/>
         <c:minorTickMark val="none"/>
         <c:tickLblPos val="nextTo"/>
-        <c:crossAx val="205553664"/>
+        <c:crossAx val="192117760"/>
         <c:crosses val="autoZero"/>
         <c:auto val="1"/>
         <c:lblAlgn val="ctr"/>
@@ -468,7 +468,7 @@
         <c:noMultiLvlLbl val="0"/>
       </c:catAx>
       <c:valAx>
-        <c:axId val="205553664"/>
+        <c:axId val="192117760"/>
         <c:scaling>
           <c:orientation val="minMax"/>
           <c:max val="5"/>
@@ -480,7 +480,7 @@
         <c:majorTickMark val="none"/>
         <c:minorTickMark val="none"/>
         <c:tickLblPos val="nextTo"/>
-        <c:crossAx val="205527296"/>
+        <c:crossAx val="192116224"/>
         <c:crosses val="autoZero"/>
         <c:crossBetween val="between"/>
         <c:majorUnit val="1"/>
@@ -635,7 +635,7 @@
           <a:p>
             <a:fld id="{21E0F7C6-549C-4E14-BC17-E990DE6075CB}" type="datetimeFigureOut">
               <a:rPr lang="zh-CN" altLang="en-US" smtClean="0"/>
-              <a:t>2020/1/11</a:t>
+              <a:t>2020/1/15</a:t>
             </a:fld>
             <a:endParaRPr lang="zh-CN" altLang="en-US"/>
           </a:p>
@@ -895,7 +895,7 @@
           <a:p>
             <a:fld id="{21E0F7C6-549C-4E14-BC17-E990DE6075CB}" type="datetimeFigureOut">
               <a:rPr lang="zh-CN" altLang="en-US" smtClean="0"/>
-              <a:t>2020/1/11</a:t>
+              <a:t>2020/1/15</a:t>
             </a:fld>
             <a:endParaRPr lang="zh-CN" altLang="en-US"/>
           </a:p>
@@ -1065,7 +1065,7 @@
           <a:p>
             <a:fld id="{21E0F7C6-549C-4E14-BC17-E990DE6075CB}" type="datetimeFigureOut">
               <a:rPr lang="zh-CN" altLang="en-US" smtClean="0"/>
-              <a:t>2020/1/11</a:t>
+              <a:t>2020/1/15</a:t>
             </a:fld>
             <a:endParaRPr lang="zh-CN" altLang="en-US"/>
           </a:p>
@@ -1245,7 +1245,7 @@
           <a:p>
             <a:fld id="{21E0F7C6-549C-4E14-BC17-E990DE6075CB}" type="datetimeFigureOut">
               <a:rPr lang="zh-CN" altLang="en-US" smtClean="0"/>
-              <a:t>2020/1/11</a:t>
+              <a:t>2020/1/15</a:t>
             </a:fld>
             <a:endParaRPr lang="zh-CN" altLang="en-US"/>
           </a:p>
@@ -1437,7 +1437,7 @@
           <a:p>
             <a:fld id="{21E0F7C6-549C-4E14-BC17-E990DE6075CB}" type="datetimeFigureOut">
               <a:rPr lang="zh-CN" altLang="en-US" smtClean="0"/>
-              <a:t>2020/1/11</a:t>
+              <a:t>2020/1/15</a:t>
             </a:fld>
             <a:endParaRPr lang="zh-CN" altLang="en-US"/>
           </a:p>
@@ -1614,7 +1614,7 @@
           <a:p>
             <a:fld id="{21E0F7C6-549C-4E14-BC17-E990DE6075CB}" type="datetimeFigureOut">
               <a:rPr lang="zh-CN" altLang="en-US" smtClean="0"/>
-              <a:t>2020/1/11</a:t>
+              <a:t>2020/1/15</a:t>
             </a:fld>
             <a:endParaRPr lang="zh-CN" altLang="en-US"/>
           </a:p>
@@ -1867,7 +1867,7 @@
           <a:p>
             <a:fld id="{21E0F7C6-549C-4E14-BC17-E990DE6075CB}" type="datetimeFigureOut">
               <a:rPr lang="zh-CN" altLang="en-US" smtClean="0"/>
-              <a:t>2020/1/11</a:t>
+              <a:t>2020/1/15</a:t>
             </a:fld>
             <a:endParaRPr lang="zh-CN" altLang="en-US"/>
           </a:p>
@@ -2099,7 +2099,7 @@
           <a:p>
             <a:fld id="{21E0F7C6-549C-4E14-BC17-E990DE6075CB}" type="datetimeFigureOut">
               <a:rPr lang="zh-CN" altLang="en-US" smtClean="0"/>
-              <a:t>2020/1/11</a:t>
+              <a:t>2020/1/15</a:t>
             </a:fld>
             <a:endParaRPr lang="zh-CN" altLang="en-US"/>
           </a:p>
@@ -2466,7 +2466,7 @@
           <a:p>
             <a:fld id="{21E0F7C6-549C-4E14-BC17-E990DE6075CB}" type="datetimeFigureOut">
               <a:rPr lang="zh-CN" altLang="en-US" smtClean="0"/>
-              <a:t>2020/1/11</a:t>
+              <a:t>2020/1/15</a:t>
             </a:fld>
             <a:endParaRPr lang="zh-CN" altLang="en-US"/>
           </a:p>
@@ -2584,7 +2584,7 @@
           <a:p>
             <a:fld id="{21E0F7C6-549C-4E14-BC17-E990DE6075CB}" type="datetimeFigureOut">
               <a:rPr lang="zh-CN" altLang="en-US" smtClean="0"/>
-              <a:t>2020/1/11</a:t>
+              <a:t>2020/1/15</a:t>
             </a:fld>
             <a:endParaRPr lang="zh-CN" altLang="en-US"/>
           </a:p>
@@ -2679,7 +2679,7 @@
           <a:p>
             <a:fld id="{21E0F7C6-549C-4E14-BC17-E990DE6075CB}" type="datetimeFigureOut">
               <a:rPr lang="zh-CN" altLang="en-US" smtClean="0"/>
-              <a:t>2020/1/11</a:t>
+              <a:t>2020/1/15</a:t>
             </a:fld>
             <a:endParaRPr lang="zh-CN" altLang="en-US"/>
           </a:p>
@@ -2956,7 +2956,7 @@
           <a:p>
             <a:fld id="{21E0F7C6-549C-4E14-BC17-E990DE6075CB}" type="datetimeFigureOut">
               <a:rPr lang="zh-CN" altLang="en-US" smtClean="0"/>
-              <a:t>2020/1/11</a:t>
+              <a:t>2020/1/15</a:t>
             </a:fld>
             <a:endParaRPr lang="zh-CN" altLang="en-US"/>
           </a:p>
@@ -3169,7 +3169,7 @@
           <a:p>
             <a:fld id="{21E0F7C6-549C-4E14-BC17-E990DE6075CB}" type="datetimeFigureOut">
               <a:rPr lang="zh-CN" altLang="en-US" smtClean="0"/>
-              <a:t>2020/1/11</a:t>
+              <a:t>2020/1/15</a:t>
             </a:fld>
             <a:endParaRPr lang="zh-CN" altLang="en-US"/>
           </a:p>
@@ -3584,7 +3584,7 @@
           <p:nvPr>
             <p:extLst>
               <p:ext uri="{D42A27DB-BD31-4B8C-83A1-F6EECF244321}">
-                <p14:modId xmlns:p14="http://schemas.microsoft.com/office/powerpoint/2010/main" val="2267651658"/>
+                <p14:modId xmlns:p14="http://schemas.microsoft.com/office/powerpoint/2010/main" val="3461238855"/>
               </p:ext>
             </p:extLst>
           </p:nvPr>
@@ -3602,8 +3602,8 @@
               <a:tblGrid>
                 <a:gridCol w="812800"/>
                 <a:gridCol w="812800"/>
-                <a:gridCol w="812800"/>
-                <a:gridCol w="812800"/>
+                <a:gridCol w="1371600"/>
+                <a:gridCol w="254000"/>
                 <a:gridCol w="812800"/>
                 <a:gridCol w="812800"/>
                 <a:gridCol w="812800"/>
@@ -3719,7 +3719,8 @@
                     <a:bodyPr/>
                     <a:lstStyle/>
                     <a:p>
-                      <a:endParaRPr lang="zh-CN" altLang="en-US"/>
+                      <a:pPr algn="ctr"/>
+                      <a:endParaRPr lang="zh-CN" altLang="en-US" sz="1200"/>
                     </a:p>
                   </a:txBody>
                   <a:tcPr/>
@@ -3729,15 +3730,16 @@
                     <a:bodyPr/>
                     <a:lstStyle/>
                     <a:p>
+                      <a:pPr algn="ctr"/>
                       <a:r>
-                        <a:rPr lang="en-US" altLang="zh-CN" dirty="0" smtClean="0">
+                        <a:rPr lang="en-US" altLang="zh-CN" sz="1200" dirty="0" smtClean="0">
                           <a:solidFill>
                             <a:srgbClr val="FF0000"/>
                           </a:solidFill>
                         </a:rPr>
                         <a:t>??</a:t>
                       </a:r>
-                      <a:endParaRPr lang="zh-CN" altLang="en-US" dirty="0">
+                      <a:endParaRPr lang="zh-CN" altLang="en-US" sz="1200" dirty="0">
                         <a:solidFill>
                           <a:srgbClr val="FF0000"/>
                         </a:solidFill>
@@ -3751,15 +3753,16 @@
                     <a:bodyPr/>
                     <a:lstStyle/>
                     <a:p>
+                      <a:pPr algn="ctr"/>
                       <a:r>
-                        <a:rPr lang="en-US" altLang="zh-CN" dirty="0" smtClean="0">
+                        <a:rPr lang="en-US" altLang="zh-CN" sz="1200" dirty="0" smtClean="0">
                           <a:solidFill>
                             <a:srgbClr val="FF0000"/>
                           </a:solidFill>
                         </a:rPr>
                         <a:t>???</a:t>
                       </a:r>
-                      <a:endParaRPr lang="zh-CN" altLang="en-US" dirty="0">
+                      <a:endParaRPr lang="zh-CN" altLang="en-US" sz="1200" dirty="0">
                         <a:solidFill>
                           <a:srgbClr val="FF0000"/>
                         </a:solidFill>
@@ -3777,7 +3780,8 @@
                     <a:bodyPr/>
                     <a:lstStyle/>
                     <a:p>
-                      <a:endParaRPr lang="zh-CN" altLang="en-US"/>
+                      <a:pPr algn="ctr"/>
+                      <a:endParaRPr lang="zh-CN" altLang="en-US" sz="1200"/>
                     </a:p>
                   </a:txBody>
                   <a:tcPr/>
@@ -3787,7 +3791,8 @@
                     <a:bodyPr/>
                     <a:lstStyle/>
                     <a:p>
-                      <a:endParaRPr lang="zh-CN" altLang="en-US"/>
+                      <a:pPr algn="ctr"/>
+                      <a:endParaRPr lang="zh-CN" altLang="en-US" sz="1200"/>
                     </a:p>
                   </a:txBody>
                   <a:tcPr/>
@@ -3797,7 +3802,8 @@
                     <a:bodyPr/>
                     <a:lstStyle/>
                     <a:p>
-                      <a:endParaRPr lang="zh-CN" altLang="en-US"/>
+                      <a:pPr algn="ctr"/>
+                      <a:endParaRPr lang="zh-CN" altLang="en-US" sz="1200"/>
                     </a:p>
                   </a:txBody>
                   <a:tcPr/>
@@ -3807,7 +3813,8 @@
                     <a:bodyPr/>
                     <a:lstStyle/>
                     <a:p>
-                      <a:endParaRPr lang="zh-CN" altLang="en-US"/>
+                      <a:pPr algn="ctr"/>
+                      <a:endParaRPr lang="zh-CN" altLang="en-US" sz="1200"/>
                     </a:p>
                   </a:txBody>
                   <a:tcPr/>
@@ -3817,7 +3824,8 @@
                     <a:bodyPr/>
                     <a:lstStyle/>
                     <a:p>
-                      <a:endParaRPr lang="zh-CN" altLang="en-US"/>
+                      <a:pPr algn="ctr"/>
+                      <a:endParaRPr lang="zh-CN" altLang="en-US" sz="1200"/>
                     </a:p>
                   </a:txBody>
                   <a:tcPr/>
@@ -3827,7 +3835,8 @@
                     <a:bodyPr/>
                     <a:lstStyle/>
                     <a:p>
-                      <a:endParaRPr lang="zh-CN" altLang="en-US"/>
+                      <a:pPr algn="ctr"/>
+                      <a:endParaRPr lang="zh-CN" altLang="en-US" sz="1200"/>
                     </a:p>
                   </a:txBody>
                   <a:tcPr/>
@@ -3837,7 +3846,8 @@
                     <a:bodyPr/>
                     <a:lstStyle/>
                     <a:p>
-                      <a:endParaRPr lang="zh-CN" altLang="en-US"/>
+                      <a:pPr algn="ctr"/>
+                      <a:endParaRPr lang="zh-CN" altLang="en-US" sz="1200"/>
                     </a:p>
                   </a:txBody>
                   <a:tcPr/>
@@ -3849,7 +3859,8 @@
                     <a:bodyPr/>
                     <a:lstStyle/>
                     <a:p>
-                      <a:endParaRPr lang="zh-CN" altLang="en-US"/>
+                      <a:pPr algn="ctr"/>
+                      <a:endParaRPr lang="zh-CN" altLang="en-US" sz="1200"/>
                     </a:p>
                   </a:txBody>
                   <a:tcPr/>
@@ -3859,7 +3870,8 @@
                     <a:bodyPr/>
                     <a:lstStyle/>
                     <a:p>
-                      <a:endParaRPr lang="zh-CN" altLang="en-US"/>
+                      <a:pPr algn="ctr"/>
+                      <a:endParaRPr lang="zh-CN" altLang="en-US" sz="1200"/>
                     </a:p>
                   </a:txBody>
                   <a:tcPr/>
@@ -3869,7 +3881,8 @@
                     <a:bodyPr/>
                     <a:lstStyle/>
                     <a:p>
-                      <a:endParaRPr lang="zh-CN" altLang="en-US"/>
+                      <a:pPr algn="ctr"/>
+                      <a:endParaRPr lang="zh-CN" altLang="en-US" sz="1200"/>
                     </a:p>
                   </a:txBody>
                   <a:tcPr/>
@@ -3879,7 +3892,8 @@
                     <a:bodyPr/>
                     <a:lstStyle/>
                     <a:p>
-                      <a:endParaRPr lang="zh-CN" altLang="en-US"/>
+                      <a:pPr algn="ctr"/>
+                      <a:endParaRPr lang="zh-CN" altLang="en-US" sz="1200"/>
                     </a:p>
                   </a:txBody>
                   <a:tcPr/>
@@ -3889,7 +3903,8 @@
                     <a:bodyPr/>
                     <a:lstStyle/>
                     <a:p>
-                      <a:endParaRPr lang="zh-CN" altLang="en-US"/>
+                      <a:pPr algn="ctr"/>
+                      <a:endParaRPr lang="zh-CN" altLang="en-US" sz="1200"/>
                     </a:p>
                   </a:txBody>
                   <a:tcPr/>
@@ -3899,7 +3914,8 @@
                     <a:bodyPr/>
                     <a:lstStyle/>
                     <a:p>
-                      <a:endParaRPr lang="zh-CN" altLang="en-US"/>
+                      <a:pPr algn="ctr"/>
+                      <a:endParaRPr lang="zh-CN" altLang="en-US" sz="1200"/>
                     </a:p>
                   </a:txBody>
                   <a:tcPr/>
@@ -3909,7 +3925,8 @@
                     <a:bodyPr/>
                     <a:lstStyle/>
                     <a:p>
-                      <a:endParaRPr lang="zh-CN" altLang="en-US"/>
+                      <a:pPr algn="ctr"/>
+                      <a:endParaRPr lang="zh-CN" altLang="en-US" sz="1200"/>
                     </a:p>
                   </a:txBody>
                   <a:tcPr/>
@@ -3919,7 +3936,8 @@
                     <a:bodyPr/>
                     <a:lstStyle/>
                     <a:p>
-                      <a:endParaRPr lang="zh-CN" altLang="en-US"/>
+                      <a:pPr algn="ctr"/>
+                      <a:endParaRPr lang="zh-CN" altLang="en-US" sz="1200"/>
                     </a:p>
                   </a:txBody>
                   <a:tcPr/>
@@ -3929,7 +3947,8 @@
                     <a:bodyPr/>
                     <a:lstStyle/>
                     <a:p>
-                      <a:endParaRPr lang="zh-CN" altLang="en-US"/>
+                      <a:pPr algn="ctr"/>
+                      <a:endParaRPr lang="zh-CN" altLang="en-US" sz="1200"/>
                     </a:p>
                   </a:txBody>
                   <a:tcPr/>
@@ -3939,7 +3958,8 @@
                     <a:bodyPr/>
                     <a:lstStyle/>
                     <a:p>
-                      <a:endParaRPr lang="zh-CN" altLang="en-US"/>
+                      <a:pPr algn="ctr"/>
+                      <a:endParaRPr lang="zh-CN" altLang="en-US" sz="1200"/>
                     </a:p>
                   </a:txBody>
                   <a:tcPr/>
@@ -3951,7 +3971,8 @@
                     <a:bodyPr/>
                     <a:lstStyle/>
                     <a:p>
-                      <a:endParaRPr lang="zh-CN" altLang="en-US"/>
+                      <a:pPr algn="ctr"/>
+                      <a:endParaRPr lang="zh-CN" altLang="en-US" sz="1200"/>
                     </a:p>
                   </a:txBody>
                   <a:tcPr/>
@@ -3961,7 +3982,8 @@
                     <a:bodyPr/>
                     <a:lstStyle/>
                     <a:p>
-                      <a:endParaRPr lang="zh-CN" altLang="en-US"/>
+                      <a:pPr algn="ctr"/>
+                      <a:endParaRPr lang="zh-CN" altLang="en-US" sz="1200"/>
                     </a:p>
                   </a:txBody>
                   <a:tcPr/>
@@ -3971,7 +3993,12 @@
                     <a:bodyPr/>
                     <a:lstStyle/>
                     <a:p>
-                      <a:endParaRPr lang="zh-CN" altLang="en-US"/>
+                      <a:pPr algn="ctr"/>
+                      <a:r>
+                        <a:rPr lang="en-US" altLang="zh-CN" sz="1200" smtClean="0"/>
+                        <a:t>${name}:${age}</a:t>
+                      </a:r>
+                      <a:endParaRPr lang="zh-CN" altLang="en-US" sz="1200"/>
                     </a:p>
                   </a:txBody>
                   <a:tcPr/>
@@ -3981,7 +4008,8 @@
                     <a:bodyPr/>
                     <a:lstStyle/>
                     <a:p>
-                      <a:endParaRPr lang="zh-CN" altLang="en-US"/>
+                      <a:pPr algn="ctr"/>
+                      <a:endParaRPr lang="zh-CN" altLang="en-US" sz="1200"/>
                     </a:p>
                   </a:txBody>
                   <a:tcPr/>
@@ -3991,7 +4019,8 @@
                     <a:bodyPr/>
                     <a:lstStyle/>
                     <a:p>
-                      <a:endParaRPr lang="zh-CN" altLang="en-US"/>
+                      <a:pPr algn="ctr"/>
+                      <a:endParaRPr lang="zh-CN" altLang="en-US" sz="1200"/>
                     </a:p>
                   </a:txBody>
                   <a:tcPr/>
@@ -4001,7 +4030,8 @@
                     <a:bodyPr/>
                     <a:lstStyle/>
                     <a:p>
-                      <a:endParaRPr lang="zh-CN" altLang="en-US"/>
+                      <a:pPr algn="ctr"/>
+                      <a:endParaRPr lang="zh-CN" altLang="en-US" sz="1200"/>
                     </a:p>
                   </a:txBody>
                   <a:tcPr/>
@@ -4011,7 +4041,8 @@
                     <a:bodyPr/>
                     <a:lstStyle/>
                     <a:p>
-                      <a:endParaRPr lang="zh-CN" altLang="en-US"/>
+                      <a:pPr algn="ctr"/>
+                      <a:endParaRPr lang="zh-CN" altLang="en-US" sz="1200"/>
                     </a:p>
                   </a:txBody>
                   <a:tcPr/>
@@ -4021,7 +4052,8 @@
                     <a:bodyPr/>
                     <a:lstStyle/>
                     <a:p>
-                      <a:endParaRPr lang="zh-CN" altLang="en-US"/>
+                      <a:pPr algn="ctr"/>
+                      <a:endParaRPr lang="zh-CN" altLang="en-US" sz="1200"/>
                     </a:p>
                   </a:txBody>
                   <a:tcPr/>
@@ -4031,7 +4063,8 @@
                     <a:bodyPr/>
                     <a:lstStyle/>
                     <a:p>
-                      <a:endParaRPr lang="zh-CN" altLang="en-US"/>
+                      <a:pPr algn="ctr"/>
+                      <a:endParaRPr lang="zh-CN" altLang="en-US" sz="1200"/>
                     </a:p>
                   </a:txBody>
                   <a:tcPr/>
@@ -4041,7 +4074,8 @@
                     <a:bodyPr/>
                     <a:lstStyle/>
                     <a:p>
-                      <a:endParaRPr lang="zh-CN" altLang="en-US"/>
+                      <a:pPr algn="ctr"/>
+                      <a:endParaRPr lang="zh-CN" altLang="en-US" sz="1200"/>
                     </a:p>
                   </a:txBody>
                   <a:tcPr/>
@@ -4053,7 +4087,8 @@
                     <a:bodyPr/>
                     <a:lstStyle/>
                     <a:p>
-                      <a:endParaRPr lang="zh-CN" altLang="en-US"/>
+                      <a:pPr algn="ctr"/>
+                      <a:endParaRPr lang="zh-CN" altLang="en-US" sz="1200"/>
                     </a:p>
                   </a:txBody>
                   <a:tcPr/>
@@ -4063,7 +4098,8 @@
                     <a:bodyPr/>
                     <a:lstStyle/>
                     <a:p>
-                      <a:endParaRPr lang="zh-CN" altLang="en-US"/>
+                      <a:pPr algn="ctr"/>
+                      <a:endParaRPr lang="zh-CN" altLang="en-US" sz="1200"/>
                     </a:p>
                   </a:txBody>
                   <a:tcPr/>
@@ -4073,7 +4109,8 @@
                     <a:bodyPr/>
                     <a:lstStyle/>
                     <a:p>
-                      <a:endParaRPr lang="zh-CN" altLang="en-US"/>
+                      <a:pPr algn="ctr"/>
+                      <a:endParaRPr lang="zh-CN" altLang="en-US" sz="1200"/>
                     </a:p>
                   </a:txBody>
                   <a:tcPr/>
@@ -4083,7 +4120,8 @@
                     <a:bodyPr/>
                     <a:lstStyle/>
                     <a:p>
-                      <a:endParaRPr lang="zh-CN" altLang="en-US"/>
+                      <a:pPr algn="ctr"/>
+                      <a:endParaRPr lang="zh-CN" altLang="en-US" sz="1200"/>
                     </a:p>
                   </a:txBody>
                   <a:tcPr/>
@@ -4093,7 +4131,8 @@
                     <a:bodyPr/>
                     <a:lstStyle/>
                     <a:p>
-                      <a:endParaRPr lang="zh-CN" altLang="en-US"/>
+                      <a:pPr algn="ctr"/>
+                      <a:endParaRPr lang="zh-CN" altLang="en-US" sz="1200"/>
                     </a:p>
                   </a:txBody>
                   <a:tcPr/>
@@ -4103,7 +4142,8 @@
                     <a:bodyPr/>
                     <a:lstStyle/>
                     <a:p>
-                      <a:endParaRPr lang="zh-CN" altLang="en-US"/>
+                      <a:pPr algn="ctr"/>
+                      <a:endParaRPr lang="zh-CN" altLang="en-US" sz="1200"/>
                     </a:p>
                   </a:txBody>
                   <a:tcPr/>
@@ -4113,7 +4153,8 @@
                     <a:bodyPr/>
                     <a:lstStyle/>
                     <a:p>
-                      <a:endParaRPr lang="zh-CN" altLang="en-US"/>
+                      <a:pPr algn="ctr"/>
+                      <a:endParaRPr lang="zh-CN" altLang="en-US" sz="1200"/>
                     </a:p>
                   </a:txBody>
                   <a:tcPr/>
@@ -4123,7 +4164,8 @@
                     <a:bodyPr/>
                     <a:lstStyle/>
                     <a:p>
-                      <a:endParaRPr lang="zh-CN" altLang="en-US"/>
+                      <a:pPr algn="ctr"/>
+                      <a:endParaRPr lang="zh-CN" altLang="en-US" sz="1200"/>
                     </a:p>
                   </a:txBody>
                   <a:tcPr/>
@@ -4133,7 +4175,8 @@
                     <a:bodyPr/>
                     <a:lstStyle/>
                     <a:p>
-                      <a:endParaRPr lang="zh-CN" altLang="en-US"/>
+                      <a:pPr algn="ctr"/>
+                      <a:endParaRPr lang="zh-CN" altLang="en-US" sz="1200"/>
                     </a:p>
                   </a:txBody>
                   <a:tcPr/>
@@ -4143,7 +4186,8 @@
                     <a:bodyPr/>
                     <a:lstStyle/>
                     <a:p>
-                      <a:endParaRPr lang="zh-CN" altLang="en-US"/>
+                      <a:pPr algn="ctr"/>
+                      <a:endParaRPr lang="zh-CN" altLang="en-US" sz="1200"/>
                     </a:p>
                   </a:txBody>
                   <a:tcPr/>
@@ -4155,7 +4199,8 @@
                     <a:bodyPr/>
                     <a:lstStyle/>
                     <a:p>
-                      <a:endParaRPr lang="zh-CN" altLang="en-US"/>
+                      <a:pPr algn="ctr"/>
+                      <a:endParaRPr lang="zh-CN" altLang="en-US" sz="1200"/>
                     </a:p>
                   </a:txBody>
                   <a:tcPr/>
@@ -4165,7 +4210,8 @@
                     <a:bodyPr/>
                     <a:lstStyle/>
                     <a:p>
-                      <a:endParaRPr lang="zh-CN" altLang="en-US"/>
+                      <a:pPr algn="ctr"/>
+                      <a:endParaRPr lang="zh-CN" altLang="en-US" sz="1200"/>
                     </a:p>
                   </a:txBody>
                   <a:tcPr/>
@@ -4175,7 +4221,8 @@
                     <a:bodyPr/>
                     <a:lstStyle/>
                     <a:p>
-                      <a:endParaRPr lang="zh-CN" altLang="en-US"/>
+                      <a:pPr algn="ctr"/>
+                      <a:endParaRPr lang="zh-CN" altLang="en-US" sz="1200"/>
                     </a:p>
                   </a:txBody>
                   <a:tcPr/>
@@ -4185,7 +4232,8 @@
                     <a:bodyPr/>
                     <a:lstStyle/>
                     <a:p>
-                      <a:endParaRPr lang="zh-CN" altLang="en-US"/>
+                      <a:pPr algn="ctr"/>
+                      <a:endParaRPr lang="zh-CN" altLang="en-US" sz="1200"/>
                     </a:p>
                   </a:txBody>
                   <a:tcPr/>
@@ -4195,7 +4243,8 @@
                     <a:bodyPr/>
                     <a:lstStyle/>
                     <a:p>
-                      <a:endParaRPr lang="zh-CN" altLang="en-US"/>
+                      <a:pPr algn="ctr"/>
+                      <a:endParaRPr lang="zh-CN" altLang="en-US" sz="1200"/>
                     </a:p>
                   </a:txBody>
                   <a:tcPr/>
@@ -4205,7 +4254,8 @@
                     <a:bodyPr/>
                     <a:lstStyle/>
                     <a:p>
-                      <a:endParaRPr lang="zh-CN" altLang="en-US"/>
+                      <a:pPr algn="ctr"/>
+                      <a:endParaRPr lang="zh-CN" altLang="en-US" sz="1200"/>
                     </a:p>
                   </a:txBody>
                   <a:tcPr/>
@@ -4215,7 +4265,8 @@
                     <a:bodyPr/>
                     <a:lstStyle/>
                     <a:p>
-                      <a:endParaRPr lang="zh-CN" altLang="en-US"/>
+                      <a:pPr algn="ctr"/>
+                      <a:endParaRPr lang="zh-CN" altLang="en-US" sz="1200"/>
                     </a:p>
                   </a:txBody>
                   <a:tcPr/>
@@ -4225,7 +4276,8 @@
                     <a:bodyPr/>
                     <a:lstStyle/>
                     <a:p>
-                      <a:endParaRPr lang="zh-CN" altLang="en-US"/>
+                      <a:pPr algn="ctr"/>
+                      <a:endParaRPr lang="zh-CN" altLang="en-US" sz="1200"/>
                     </a:p>
                   </a:txBody>
                   <a:tcPr/>
@@ -4235,7 +4287,8 @@
                     <a:bodyPr/>
                     <a:lstStyle/>
                     <a:p>
-                      <a:endParaRPr lang="zh-CN" altLang="en-US"/>
+                      <a:pPr algn="ctr"/>
+                      <a:endParaRPr lang="zh-CN" altLang="en-US" sz="1200"/>
                     </a:p>
                   </a:txBody>
                   <a:tcPr/>
@@ -4245,7 +4298,8 @@
                     <a:bodyPr/>
                     <a:lstStyle/>
                     <a:p>
-                      <a:endParaRPr lang="zh-CN" altLang="en-US" dirty="0"/>
+                      <a:pPr algn="ctr"/>
+                      <a:endParaRPr lang="zh-CN" altLang="en-US" sz="1200" dirty="0"/>
                     </a:p>
                   </a:txBody>
                   <a:tcPr/>
@@ -4260,7 +4314,7 @@
           <p:cNvPr id="3" name="表格 2">
             <a:extLst>
               <a:ext uri="{FF2B5EF4-FFF2-40B4-BE49-F238E27FC236}">
-                <a16:creationId xmlns:a16="http://schemas.microsoft.com/office/drawing/2014/main" xmlns="" id="{C6A24625-BD9E-4EDB-A101-4B75C2297883}"/>
+                <a16:creationId xmlns="" xmlns:a16="http://schemas.microsoft.com/office/drawing/2014/main" id="{C6A24625-BD9E-4EDB-A101-4B75C2297883}"/>
               </a:ext>
             </a:extLst>
           </p:cNvPr>
@@ -4289,14 +4343,14 @@
                 <a:gridCol w="320949">
                   <a:extLst>
                     <a:ext uri="{9D8B030D-6E8A-4147-A177-3AD203B41FA5}">
-                      <a16:colId xmlns:a16="http://schemas.microsoft.com/office/drawing/2014/main" xmlns="" val="20000"/>
+                      <a16:colId xmlns="" xmlns:a16="http://schemas.microsoft.com/office/drawing/2014/main" val="20000"/>
                     </a:ext>
                   </a:extLst>
                 </a:gridCol>
                 <a:gridCol w="1119211">
                   <a:extLst>
                     <a:ext uri="{9D8B030D-6E8A-4147-A177-3AD203B41FA5}">
-                      <a16:colId xmlns:a16="http://schemas.microsoft.com/office/drawing/2014/main" xmlns="" val="20001"/>
+                      <a16:colId xmlns="" xmlns:a16="http://schemas.microsoft.com/office/drawing/2014/main" val="20001"/>
                     </a:ext>
                   </a:extLst>
                 </a:gridCol>
@@ -4400,7 +4454,7 @@
                 </a:tc>
                 <a:extLst>
                   <a:ext uri="{0D108BD9-81ED-4DB2-BD59-A6C34878D82A}">
-                    <a16:rowId xmlns:a16="http://schemas.microsoft.com/office/drawing/2014/main" xmlns="" val="10000"/>
+                    <a16:rowId xmlns="" xmlns:a16="http://schemas.microsoft.com/office/drawing/2014/main" val="10000"/>
                   </a:ext>
                 </a:extLst>
               </a:tr>
@@ -4498,7 +4552,7 @@
                 </a:tc>
                 <a:extLst>
                   <a:ext uri="{0D108BD9-81ED-4DB2-BD59-A6C34878D82A}">
-                    <a16:rowId xmlns:a16="http://schemas.microsoft.com/office/drawing/2014/main" xmlns="" val="10001"/>
+                    <a16:rowId xmlns="" xmlns:a16="http://schemas.microsoft.com/office/drawing/2014/main" val="10001"/>
                   </a:ext>
                 </a:extLst>
               </a:tr>
@@ -4511,7 +4565,7 @@
           <p:cNvPr id="5" name="表格 4">
             <a:extLst>
               <a:ext uri="{FF2B5EF4-FFF2-40B4-BE49-F238E27FC236}">
-                <a16:creationId xmlns:a16="http://schemas.microsoft.com/office/drawing/2014/main" xmlns="" id="{C6A24625-BD9E-4EDB-A101-4B75C2297883}"/>
+                <a16:creationId xmlns="" xmlns:a16="http://schemas.microsoft.com/office/drawing/2014/main" id="{C6A24625-BD9E-4EDB-A101-4B75C2297883}"/>
               </a:ext>
             </a:extLst>
           </p:cNvPr>
@@ -4540,14 +4594,14 @@
                 <a:gridCol w="320949">
                   <a:extLst>
                     <a:ext uri="{9D8B030D-6E8A-4147-A177-3AD203B41FA5}">
-                      <a16:colId xmlns:a16="http://schemas.microsoft.com/office/drawing/2014/main" xmlns="" val="20000"/>
+                      <a16:colId xmlns="" xmlns:a16="http://schemas.microsoft.com/office/drawing/2014/main" val="20000"/>
                     </a:ext>
                   </a:extLst>
                 </a:gridCol>
                 <a:gridCol w="1119211">
                   <a:extLst>
                     <a:ext uri="{9D8B030D-6E8A-4147-A177-3AD203B41FA5}">
-                      <a16:colId xmlns:a16="http://schemas.microsoft.com/office/drawing/2014/main" xmlns="" val="20001"/>
+                      <a16:colId xmlns="" xmlns:a16="http://schemas.microsoft.com/office/drawing/2014/main" val="20001"/>
                     </a:ext>
                   </a:extLst>
                 </a:gridCol>
@@ -4651,7 +4705,7 @@
                 </a:tc>
                 <a:extLst>
                   <a:ext uri="{0D108BD9-81ED-4DB2-BD59-A6C34878D82A}">
-                    <a16:rowId xmlns:a16="http://schemas.microsoft.com/office/drawing/2014/main" xmlns="" val="10000"/>
+                    <a16:rowId xmlns="" xmlns:a16="http://schemas.microsoft.com/office/drawing/2014/main" val="10000"/>
                   </a:ext>
                 </a:extLst>
               </a:tr>
@@ -4749,7 +4803,7 @@
                 </a:tc>
                 <a:extLst>
                   <a:ext uri="{0D108BD9-81ED-4DB2-BD59-A6C34878D82A}">
-                    <a16:rowId xmlns:a16="http://schemas.microsoft.com/office/drawing/2014/main" xmlns="" val="10001"/>
+                    <a16:rowId xmlns="" xmlns:a16="http://schemas.microsoft.com/office/drawing/2014/main" val="10001"/>
                   </a:ext>
                 </a:extLst>
               </a:tr>
@@ -4863,7 +4917,7 @@
                 </a:tc>
                 <a:extLst>
                   <a:ext uri="{0D108BD9-81ED-4DB2-BD59-A6C34878D82A}">
-                    <a16:rowId xmlns:a16="http://schemas.microsoft.com/office/drawing/2014/main" xmlns="" val="3701186379"/>
+                    <a16:rowId xmlns="" xmlns:a16="http://schemas.microsoft.com/office/drawing/2014/main" val="3701186379"/>
                   </a:ext>
                 </a:extLst>
               </a:tr>
@@ -5086,7 +5140,7 @@
                 </a:tc>
                 <a:extLst>
                   <a:ext uri="{0D108BD9-81ED-4DB2-BD59-A6C34878D82A}">
-                    <a16:rowId xmlns:a16="http://schemas.microsoft.com/office/drawing/2014/main" xmlns="" val="4111272417"/>
+                    <a16:rowId xmlns="" xmlns:a16="http://schemas.microsoft.com/office/drawing/2014/main" val="4111272417"/>
                   </a:ext>
                 </a:extLst>
               </a:tr>
@@ -7006,7 +7060,7 @@
   <a:extraClrSchemeLst/>
   <a:extLst>
     <a:ext uri="{05A4C25C-085E-4340-85A3-A5531E510DB2}">
-      <thm15:themeFamily xmlns:thm15="http://schemas.microsoft.com/office/thememl/2012/main" xmlns="" name="Office Theme" id="{62F939B6-93AF-4DB8-9C6B-D6C7DFDC589F}" vid="{4A3C46E8-61CC-4603-A589-7422A47A8E4A}"/>
+      <thm15:themeFamily xmlns="" xmlns:thm15="http://schemas.microsoft.com/office/thememl/2012/main" name="Office Theme" id="{62F939B6-93AF-4DB8-9C6B-D6C7DFDC589F}" vid="{4A3C46E8-61CC-4603-A589-7422A47A8E4A}"/>
     </a:ext>
   </a:extLst>
 </a:theme>

--- a/src/test/resources/template.pptx
+++ b/src/test/resources/template.pptx
@@ -8,6 +8,7 @@
     <p:sldId id="256" r:id="rId2"/>
     <p:sldId id="257" r:id="rId3"/>
     <p:sldId id="258" r:id="rId4"/>
+    <p:sldId id="259" r:id="rId5"/>
   </p:sldIdLst>
   <p:sldSz cx="12192000" cy="6858000"/>
   <p:notesSz cx="6858000" cy="9144000"/>
@@ -108,7 +109,7 @@
   </p:defaultTextStyle>
   <p:extLst>
     <p:ext uri="{EFAFB233-063F-42B5-8137-9DF3F51BA10A}">
-      <p15:sldGuideLst xmlns="" xmlns:p15="http://schemas.microsoft.com/office/powerpoint/2012/main"/>
+      <p15:sldGuideLst xmlns:p15="http://schemas.microsoft.com/office/powerpoint/2012/main" xmlns=""/>
     </p:ext>
   </p:extLst>
 </p:presentation>
@@ -446,11 +447,11 @@
           <c:showBubbleSize val="0"/>
         </c:dLbls>
         <c:gapWidth val="150"/>
-        <c:axId val="192116224"/>
-        <c:axId val="192117760"/>
+        <c:axId val="205428992"/>
+        <c:axId val="205443072"/>
       </c:barChart>
       <c:catAx>
-        <c:axId val="192116224"/>
+        <c:axId val="205428992"/>
         <c:scaling>
           <c:orientation val="minMax"/>
         </c:scaling>
@@ -460,7 +461,7 @@
         <c:majorTickMark val="none"/>
         <c:minorTickMark val="none"/>
         <c:tickLblPos val="nextTo"/>
-        <c:crossAx val="192117760"/>
+        <c:crossAx val="205443072"/>
         <c:crosses val="autoZero"/>
         <c:auto val="1"/>
         <c:lblAlgn val="ctr"/>
@@ -468,7 +469,7 @@
         <c:noMultiLvlLbl val="0"/>
       </c:catAx>
       <c:valAx>
-        <c:axId val="192117760"/>
+        <c:axId val="205443072"/>
         <c:scaling>
           <c:orientation val="minMax"/>
           <c:max val="5"/>
@@ -480,7 +481,7 @@
         <c:majorTickMark val="none"/>
         <c:minorTickMark val="none"/>
         <c:tickLblPos val="nextTo"/>
-        <c:crossAx val="192116224"/>
+        <c:crossAx val="205428992"/>
         <c:crosses val="autoZero"/>
         <c:crossBetween val="between"/>
         <c:majorUnit val="1"/>
@@ -635,7 +636,7 @@
           <a:p>
             <a:fld id="{21E0F7C6-549C-4E14-BC17-E990DE6075CB}" type="datetimeFigureOut">
               <a:rPr lang="zh-CN" altLang="en-US" smtClean="0"/>
-              <a:t>2020/1/15</a:t>
+              <a:t>2020/2/8</a:t>
             </a:fld>
             <a:endParaRPr lang="zh-CN" altLang="en-US"/>
           </a:p>
@@ -895,7 +896,7 @@
           <a:p>
             <a:fld id="{21E0F7C6-549C-4E14-BC17-E990DE6075CB}" type="datetimeFigureOut">
               <a:rPr lang="zh-CN" altLang="en-US" smtClean="0"/>
-              <a:t>2020/1/15</a:t>
+              <a:t>2020/2/8</a:t>
             </a:fld>
             <a:endParaRPr lang="zh-CN" altLang="en-US"/>
           </a:p>
@@ -1065,7 +1066,7 @@
           <a:p>
             <a:fld id="{21E0F7C6-549C-4E14-BC17-E990DE6075CB}" type="datetimeFigureOut">
               <a:rPr lang="zh-CN" altLang="en-US" smtClean="0"/>
-              <a:t>2020/1/15</a:t>
+              <a:t>2020/2/8</a:t>
             </a:fld>
             <a:endParaRPr lang="zh-CN" altLang="en-US"/>
           </a:p>
@@ -1245,7 +1246,7 @@
           <a:p>
             <a:fld id="{21E0F7C6-549C-4E14-BC17-E990DE6075CB}" type="datetimeFigureOut">
               <a:rPr lang="zh-CN" altLang="en-US" smtClean="0"/>
-              <a:t>2020/1/15</a:t>
+              <a:t>2020/2/8</a:t>
             </a:fld>
             <a:endParaRPr lang="zh-CN" altLang="en-US"/>
           </a:p>
@@ -1437,7 +1438,7 @@
           <a:p>
             <a:fld id="{21E0F7C6-549C-4E14-BC17-E990DE6075CB}" type="datetimeFigureOut">
               <a:rPr lang="zh-CN" altLang="en-US" smtClean="0"/>
-              <a:t>2020/1/15</a:t>
+              <a:t>2020/2/8</a:t>
             </a:fld>
             <a:endParaRPr lang="zh-CN" altLang="en-US"/>
           </a:p>
@@ -1614,7 +1615,7 @@
           <a:p>
             <a:fld id="{21E0F7C6-549C-4E14-BC17-E990DE6075CB}" type="datetimeFigureOut">
               <a:rPr lang="zh-CN" altLang="en-US" smtClean="0"/>
-              <a:t>2020/1/15</a:t>
+              <a:t>2020/2/8</a:t>
             </a:fld>
             <a:endParaRPr lang="zh-CN" altLang="en-US"/>
           </a:p>
@@ -1867,7 +1868,7 @@
           <a:p>
             <a:fld id="{21E0F7C6-549C-4E14-BC17-E990DE6075CB}" type="datetimeFigureOut">
               <a:rPr lang="zh-CN" altLang="en-US" smtClean="0"/>
-              <a:t>2020/1/15</a:t>
+              <a:t>2020/2/8</a:t>
             </a:fld>
             <a:endParaRPr lang="zh-CN" altLang="en-US"/>
           </a:p>
@@ -2099,7 +2100,7 @@
           <a:p>
             <a:fld id="{21E0F7C6-549C-4E14-BC17-E990DE6075CB}" type="datetimeFigureOut">
               <a:rPr lang="zh-CN" altLang="en-US" smtClean="0"/>
-              <a:t>2020/1/15</a:t>
+              <a:t>2020/2/8</a:t>
             </a:fld>
             <a:endParaRPr lang="zh-CN" altLang="en-US"/>
           </a:p>
@@ -2466,7 +2467,7 @@
           <a:p>
             <a:fld id="{21E0F7C6-549C-4E14-BC17-E990DE6075CB}" type="datetimeFigureOut">
               <a:rPr lang="zh-CN" altLang="en-US" smtClean="0"/>
-              <a:t>2020/1/15</a:t>
+              <a:t>2020/2/8</a:t>
             </a:fld>
             <a:endParaRPr lang="zh-CN" altLang="en-US"/>
           </a:p>
@@ -2584,7 +2585,7 @@
           <a:p>
             <a:fld id="{21E0F7C6-549C-4E14-BC17-E990DE6075CB}" type="datetimeFigureOut">
               <a:rPr lang="zh-CN" altLang="en-US" smtClean="0"/>
-              <a:t>2020/1/15</a:t>
+              <a:t>2020/2/8</a:t>
             </a:fld>
             <a:endParaRPr lang="zh-CN" altLang="en-US"/>
           </a:p>
@@ -2679,7 +2680,7 @@
           <a:p>
             <a:fld id="{21E0F7C6-549C-4E14-BC17-E990DE6075CB}" type="datetimeFigureOut">
               <a:rPr lang="zh-CN" altLang="en-US" smtClean="0"/>
-              <a:t>2020/1/15</a:t>
+              <a:t>2020/2/8</a:t>
             </a:fld>
             <a:endParaRPr lang="zh-CN" altLang="en-US"/>
           </a:p>
@@ -2956,7 +2957,7 @@
           <a:p>
             <a:fld id="{21E0F7C6-549C-4E14-BC17-E990DE6075CB}" type="datetimeFigureOut">
               <a:rPr lang="zh-CN" altLang="en-US" smtClean="0"/>
-              <a:t>2020/1/15</a:t>
+              <a:t>2020/2/8</a:t>
             </a:fld>
             <a:endParaRPr lang="zh-CN" altLang="en-US"/>
           </a:p>
@@ -3169,7 +3170,7 @@
           <a:p>
             <a:fld id="{21E0F7C6-549C-4E14-BC17-E990DE6075CB}" type="datetimeFigureOut">
               <a:rPr lang="zh-CN" altLang="en-US" smtClean="0"/>
-              <a:t>2020/1/15</a:t>
+              <a:t>2020/2/8</a:t>
             </a:fld>
             <a:endParaRPr lang="zh-CN" altLang="en-US"/>
           </a:p>
@@ -4314,7 +4315,7 @@
           <p:cNvPr id="3" name="表格 2">
             <a:extLst>
               <a:ext uri="{FF2B5EF4-FFF2-40B4-BE49-F238E27FC236}">
-                <a16:creationId xmlns="" xmlns:a16="http://schemas.microsoft.com/office/drawing/2014/main" id="{C6A24625-BD9E-4EDB-A101-4B75C2297883}"/>
+                <a16:creationId xmlns:a16="http://schemas.microsoft.com/office/drawing/2014/main" xmlns="" id="{C6A24625-BD9E-4EDB-A101-4B75C2297883}"/>
               </a:ext>
             </a:extLst>
           </p:cNvPr>
@@ -4343,14 +4344,14 @@
                 <a:gridCol w="320949">
                   <a:extLst>
                     <a:ext uri="{9D8B030D-6E8A-4147-A177-3AD203B41FA5}">
-                      <a16:colId xmlns="" xmlns:a16="http://schemas.microsoft.com/office/drawing/2014/main" val="20000"/>
+                      <a16:colId xmlns:a16="http://schemas.microsoft.com/office/drawing/2014/main" xmlns="" val="20000"/>
                     </a:ext>
                   </a:extLst>
                 </a:gridCol>
                 <a:gridCol w="1119211">
                   <a:extLst>
                     <a:ext uri="{9D8B030D-6E8A-4147-A177-3AD203B41FA5}">
-                      <a16:colId xmlns="" xmlns:a16="http://schemas.microsoft.com/office/drawing/2014/main" val="20001"/>
+                      <a16:colId xmlns:a16="http://schemas.microsoft.com/office/drawing/2014/main" xmlns="" val="20001"/>
                     </a:ext>
                   </a:extLst>
                 </a:gridCol>
@@ -4454,7 +4455,7 @@
                 </a:tc>
                 <a:extLst>
                   <a:ext uri="{0D108BD9-81ED-4DB2-BD59-A6C34878D82A}">
-                    <a16:rowId xmlns="" xmlns:a16="http://schemas.microsoft.com/office/drawing/2014/main" val="10000"/>
+                    <a16:rowId xmlns:a16="http://schemas.microsoft.com/office/drawing/2014/main" xmlns="" val="10000"/>
                   </a:ext>
                 </a:extLst>
               </a:tr>
@@ -4552,7 +4553,7 @@
                 </a:tc>
                 <a:extLst>
                   <a:ext uri="{0D108BD9-81ED-4DB2-BD59-A6C34878D82A}">
-                    <a16:rowId xmlns="" xmlns:a16="http://schemas.microsoft.com/office/drawing/2014/main" val="10001"/>
+                    <a16:rowId xmlns:a16="http://schemas.microsoft.com/office/drawing/2014/main" xmlns="" val="10001"/>
                   </a:ext>
                 </a:extLst>
               </a:tr>
@@ -4565,7 +4566,7 @@
           <p:cNvPr id="5" name="表格 4">
             <a:extLst>
               <a:ext uri="{FF2B5EF4-FFF2-40B4-BE49-F238E27FC236}">
-                <a16:creationId xmlns="" xmlns:a16="http://schemas.microsoft.com/office/drawing/2014/main" id="{C6A24625-BD9E-4EDB-A101-4B75C2297883}"/>
+                <a16:creationId xmlns:a16="http://schemas.microsoft.com/office/drawing/2014/main" xmlns="" id="{C6A24625-BD9E-4EDB-A101-4B75C2297883}"/>
               </a:ext>
             </a:extLst>
           </p:cNvPr>
@@ -4594,14 +4595,14 @@
                 <a:gridCol w="320949">
                   <a:extLst>
                     <a:ext uri="{9D8B030D-6E8A-4147-A177-3AD203B41FA5}">
-                      <a16:colId xmlns="" xmlns:a16="http://schemas.microsoft.com/office/drawing/2014/main" val="20000"/>
+                      <a16:colId xmlns:a16="http://schemas.microsoft.com/office/drawing/2014/main" xmlns="" val="20000"/>
                     </a:ext>
                   </a:extLst>
                 </a:gridCol>
                 <a:gridCol w="1119211">
                   <a:extLst>
                     <a:ext uri="{9D8B030D-6E8A-4147-A177-3AD203B41FA5}">
-                      <a16:colId xmlns="" xmlns:a16="http://schemas.microsoft.com/office/drawing/2014/main" val="20001"/>
+                      <a16:colId xmlns:a16="http://schemas.microsoft.com/office/drawing/2014/main" xmlns="" val="20001"/>
                     </a:ext>
                   </a:extLst>
                 </a:gridCol>
@@ -4705,7 +4706,7 @@
                 </a:tc>
                 <a:extLst>
                   <a:ext uri="{0D108BD9-81ED-4DB2-BD59-A6C34878D82A}">
-                    <a16:rowId xmlns="" xmlns:a16="http://schemas.microsoft.com/office/drawing/2014/main" val="10000"/>
+                    <a16:rowId xmlns:a16="http://schemas.microsoft.com/office/drawing/2014/main" xmlns="" val="10000"/>
                   </a:ext>
                 </a:extLst>
               </a:tr>
@@ -4803,7 +4804,7 @@
                 </a:tc>
                 <a:extLst>
                   <a:ext uri="{0D108BD9-81ED-4DB2-BD59-A6C34878D82A}">
-                    <a16:rowId xmlns="" xmlns:a16="http://schemas.microsoft.com/office/drawing/2014/main" val="10001"/>
+                    <a16:rowId xmlns:a16="http://schemas.microsoft.com/office/drawing/2014/main" xmlns="" val="10001"/>
                   </a:ext>
                 </a:extLst>
               </a:tr>
@@ -4917,7 +4918,7 @@
                 </a:tc>
                 <a:extLst>
                   <a:ext uri="{0D108BD9-81ED-4DB2-BD59-A6C34878D82A}">
-                    <a16:rowId xmlns="" xmlns:a16="http://schemas.microsoft.com/office/drawing/2014/main" val="3701186379"/>
+                    <a16:rowId xmlns:a16="http://schemas.microsoft.com/office/drawing/2014/main" xmlns="" val="3701186379"/>
                   </a:ext>
                 </a:extLst>
               </a:tr>
@@ -5140,7 +5141,7 @@
                 </a:tc>
                 <a:extLst>
                   <a:ext uri="{0D108BD9-81ED-4DB2-BD59-A6C34878D82A}">
-                    <a16:rowId xmlns="" xmlns:a16="http://schemas.microsoft.com/office/drawing/2014/main" val="4111272417"/>
+                    <a16:rowId xmlns:a16="http://schemas.microsoft.com/office/drawing/2014/main" xmlns="" val="4111272417"/>
                   </a:ext>
                 </a:extLst>
               </a:tr>
@@ -6802,6 +6803,74 @@
       </p:par>
     </p:tnLst>
   </p:timing>
+</p:sld>
+</file>
+
+<file path=ppt/slides/slide4.xml><?xml version="1.0" encoding="utf-8"?>
+<p:sld xmlns:a="http://schemas.openxmlformats.org/drawingml/2006/main" xmlns:r="http://schemas.openxmlformats.org/officeDocument/2006/relationships" xmlns:p="http://schemas.openxmlformats.org/presentationml/2006/main">
+  <p:cSld>
+    <p:spTree>
+      <p:nvGrpSpPr>
+        <p:cNvPr id="1" name=""/>
+        <p:cNvGrpSpPr/>
+        <p:nvPr/>
+      </p:nvGrpSpPr>
+      <p:grpSpPr>
+        <a:xfrm>
+          <a:off x="0" y="0"/>
+          <a:ext cx="0" cy="0"/>
+          <a:chOff x="0" y="0"/>
+          <a:chExt cx="0" cy="0"/>
+        </a:xfrm>
+      </p:grpSpPr>
+      <p:sp>
+        <p:nvSpPr>
+          <p:cNvPr id="2" name="标题 1"/>
+          <p:cNvSpPr>
+            <a:spLocks noGrp="1"/>
+          </p:cNvSpPr>
+          <p:nvPr>
+            <p:ph type="ctrTitle"/>
+          </p:nvPr>
+        </p:nvSpPr>
+        <p:spPr/>
+        <p:txBody>
+          <a:bodyPr/>
+          <a:lstStyle/>
+          <a:p>
+            <a:endParaRPr lang="zh-CN" altLang="en-US"/>
+          </a:p>
+        </p:txBody>
+      </p:sp>
+      <p:sp>
+        <p:nvSpPr>
+          <p:cNvPr id="3" name="副标题 2"/>
+          <p:cNvSpPr>
+            <a:spLocks noGrp="1"/>
+          </p:cNvSpPr>
+          <p:nvPr>
+            <p:ph type="subTitle" idx="1"/>
+          </p:nvPr>
+        </p:nvSpPr>
+        <p:spPr/>
+        <p:txBody>
+          <a:bodyPr/>
+          <a:lstStyle/>
+          <a:p>
+            <a:endParaRPr lang="zh-CN" altLang="en-US"/>
+          </a:p>
+        </p:txBody>
+      </p:sp>
+    </p:spTree>
+    <p:extLst>
+      <p:ext uri="{BB962C8B-B14F-4D97-AF65-F5344CB8AC3E}">
+        <p14:creationId xmlns:p14="http://schemas.microsoft.com/office/powerpoint/2010/main" val="4020132606"/>
+      </p:ext>
+    </p:extLst>
+  </p:cSld>
+  <p:clrMapOvr>
+    <a:masterClrMapping/>
+  </p:clrMapOvr>
 </p:sld>
 </file>
 
@@ -7060,7 +7129,7 @@
   <a:extraClrSchemeLst/>
   <a:extLst>
     <a:ext uri="{05A4C25C-085E-4340-85A3-A5531E510DB2}">
-      <thm15:themeFamily xmlns="" xmlns:thm15="http://schemas.microsoft.com/office/thememl/2012/main" name="Office Theme" id="{62F939B6-93AF-4DB8-9C6B-D6C7DFDC589F}" vid="{4A3C46E8-61CC-4603-A589-7422A47A8E4A}"/>
+      <thm15:themeFamily xmlns:thm15="http://schemas.microsoft.com/office/thememl/2012/main" xmlns="" name="Office Theme" id="{62F939B6-93AF-4DB8-9C6B-D6C7DFDC589F}" vid="{4A3C46E8-61CC-4603-A589-7422A47A8E4A}"/>
     </a:ext>
   </a:extLst>
 </a:theme>
